--- a/Big Mountain Resort Executive Presentation.pptx
+++ b/Big Mountain Resort Executive Presentation.pptx
@@ -2,14 +2,14 @@
 <file path=ppt/presentation.xml><?xml version="1.0" encoding="utf-8"?>
 <p:presentation xmlns:a="http://schemas.openxmlformats.org/drawingml/2006/main" xmlns:r="http://schemas.openxmlformats.org/officeDocument/2006/relationships" xmlns:p="http://schemas.openxmlformats.org/presentationml/2006/main" saveSubsetFonts="1">
   <p:sldMasterIdLst>
-    <p:sldMasterId id="2147483648" r:id="rId1"/>
+    <p:sldMasterId id="2147483660" r:id="rId1"/>
   </p:sldMasterIdLst>
   <p:sldIdLst>
     <p:sldId id="256" r:id="rId2"/>
     <p:sldId id="257" r:id="rId3"/>
     <p:sldId id="258" r:id="rId4"/>
-    <p:sldId id="259" r:id="rId5"/>
-    <p:sldId id="260" r:id="rId6"/>
+    <p:sldId id="260" r:id="rId5"/>
+    <p:sldId id="259" r:id="rId6"/>
     <p:sldId id="261" r:id="rId7"/>
     <p:sldId id="262" r:id="rId8"/>
   </p:sldIdLst>
@@ -19,7 +19,7 @@
     <a:defPPr>
       <a:defRPr lang="en-US"/>
     </a:defPPr>
-    <a:lvl1pPr marL="0" algn="l" defTabSz="914400" rtl="0" eaLnBrk="1" latinLnBrk="0" hangingPunct="1">
+    <a:lvl1pPr marL="0" algn="l" defTabSz="457200" rtl="0" eaLnBrk="1" latinLnBrk="0" hangingPunct="1">
       <a:defRPr sz="1800" kern="1200">
         <a:solidFill>
           <a:schemeClr val="tx1"/>
@@ -29,7 +29,7 @@
         <a:cs typeface="+mn-cs"/>
       </a:defRPr>
     </a:lvl1pPr>
-    <a:lvl2pPr marL="457200" algn="l" defTabSz="914400" rtl="0" eaLnBrk="1" latinLnBrk="0" hangingPunct="1">
+    <a:lvl2pPr marL="457200" algn="l" defTabSz="457200" rtl="0" eaLnBrk="1" latinLnBrk="0" hangingPunct="1">
       <a:defRPr sz="1800" kern="1200">
         <a:solidFill>
           <a:schemeClr val="tx1"/>
@@ -39,7 +39,7 @@
         <a:cs typeface="+mn-cs"/>
       </a:defRPr>
     </a:lvl2pPr>
-    <a:lvl3pPr marL="914400" algn="l" defTabSz="914400" rtl="0" eaLnBrk="1" latinLnBrk="0" hangingPunct="1">
+    <a:lvl3pPr marL="914400" algn="l" defTabSz="457200" rtl="0" eaLnBrk="1" latinLnBrk="0" hangingPunct="1">
       <a:defRPr sz="1800" kern="1200">
         <a:solidFill>
           <a:schemeClr val="tx1"/>
@@ -49,7 +49,7 @@
         <a:cs typeface="+mn-cs"/>
       </a:defRPr>
     </a:lvl3pPr>
-    <a:lvl4pPr marL="1371600" algn="l" defTabSz="914400" rtl="0" eaLnBrk="1" latinLnBrk="0" hangingPunct="1">
+    <a:lvl4pPr marL="1371600" algn="l" defTabSz="457200" rtl="0" eaLnBrk="1" latinLnBrk="0" hangingPunct="1">
       <a:defRPr sz="1800" kern="1200">
         <a:solidFill>
           <a:schemeClr val="tx1"/>
@@ -59,7 +59,7 @@
         <a:cs typeface="+mn-cs"/>
       </a:defRPr>
     </a:lvl4pPr>
-    <a:lvl5pPr marL="1828800" algn="l" defTabSz="914400" rtl="0" eaLnBrk="1" latinLnBrk="0" hangingPunct="1">
+    <a:lvl5pPr marL="1828800" algn="l" defTabSz="457200" rtl="0" eaLnBrk="1" latinLnBrk="0" hangingPunct="1">
       <a:defRPr sz="1800" kern="1200">
         <a:solidFill>
           <a:schemeClr val="tx1"/>
@@ -69,7 +69,7 @@
         <a:cs typeface="+mn-cs"/>
       </a:defRPr>
     </a:lvl5pPr>
-    <a:lvl6pPr marL="2286000" algn="l" defTabSz="914400" rtl="0" eaLnBrk="1" latinLnBrk="0" hangingPunct="1">
+    <a:lvl6pPr marL="2286000" algn="l" defTabSz="457200" rtl="0" eaLnBrk="1" latinLnBrk="0" hangingPunct="1">
       <a:defRPr sz="1800" kern="1200">
         <a:solidFill>
           <a:schemeClr val="tx1"/>
@@ -79,7 +79,7 @@
         <a:cs typeface="+mn-cs"/>
       </a:defRPr>
     </a:lvl6pPr>
-    <a:lvl7pPr marL="2743200" algn="l" defTabSz="914400" rtl="0" eaLnBrk="1" latinLnBrk="0" hangingPunct="1">
+    <a:lvl7pPr marL="2743200" algn="l" defTabSz="457200" rtl="0" eaLnBrk="1" latinLnBrk="0" hangingPunct="1">
       <a:defRPr sz="1800" kern="1200">
         <a:solidFill>
           <a:schemeClr val="tx1"/>
@@ -89,7 +89,7 @@
         <a:cs typeface="+mn-cs"/>
       </a:defRPr>
     </a:lvl7pPr>
-    <a:lvl8pPr marL="3200400" algn="l" defTabSz="914400" rtl="0" eaLnBrk="1" latinLnBrk="0" hangingPunct="1">
+    <a:lvl8pPr marL="3200400" algn="l" defTabSz="457200" rtl="0" eaLnBrk="1" latinLnBrk="0" hangingPunct="1">
       <a:defRPr sz="1800" kern="1200">
         <a:solidFill>
           <a:schemeClr val="tx1"/>
@@ -99,7 +99,7 @@
         <a:cs typeface="+mn-cs"/>
       </a:defRPr>
     </a:lvl8pPr>
-    <a:lvl9pPr marL="3657600" algn="l" defTabSz="914400" rtl="0" eaLnBrk="1" latinLnBrk="0" hangingPunct="1">
+    <a:lvl9pPr marL="3657600" algn="l" defTabSz="457200" rtl="0" eaLnBrk="1" latinLnBrk="0" hangingPunct="1">
       <a:defRPr sz="1800" kern="1200">
         <a:solidFill>
           <a:schemeClr val="tx1"/>
@@ -110,6 +110,11 @@
       </a:defRPr>
     </a:lvl9pPr>
   </p:defaultTextStyle>
+  <p:extLst>
+    <p:ext uri="{EFAFB233-063F-42B5-8137-9DF3F51BA10A}">
+      <p15:sldGuideLst xmlns:p15="http://schemas.microsoft.com/office/powerpoint/2012/main"/>
+    </p:ext>
+  </p:extLst>
 </p:presentation>
 </file>
 
@@ -132,13 +137,7 @@
       </p:grpSpPr>
       <p:sp>
         <p:nvSpPr>
-          <p:cNvPr id="2" name="Title 1">
-            <a:extLst>
-              <a:ext uri="{FF2B5EF4-FFF2-40B4-BE49-F238E27FC236}">
-                <a16:creationId xmlns:a16="http://schemas.microsoft.com/office/drawing/2014/main" id="{3D3BC52D-D4A9-80F6-A7F3-EB7EE2E507E7}"/>
-              </a:ext>
-            </a:extLst>
-          </p:cNvPr>
+          <p:cNvPr id="2" name="Title 1"/>
           <p:cNvSpPr>
             <a:spLocks noGrp="1"/>
           </p:cNvSpPr>
@@ -148,15 +147,15 @@
         </p:nvSpPr>
         <p:spPr>
           <a:xfrm>
-            <a:off x="1524000" y="1122363"/>
-            <a:ext cx="9144000" cy="2387600"/>
+            <a:off x="1154955" y="1447800"/>
+            <a:ext cx="8825658" cy="3329581"/>
           </a:xfrm>
         </p:spPr>
         <p:txBody>
           <a:bodyPr anchor="b"/>
           <a:lstStyle>
-            <a:lvl1pPr algn="ctr">
-              <a:defRPr sz="6000"/>
+            <a:lvl1pPr>
+              <a:defRPr sz="7200"/>
             </a:lvl1pPr>
           </a:lstStyle>
           <a:p>
@@ -164,18 +163,13 @@
               <a:rPr lang="en-US"/>
               <a:t>Click to edit Master title style</a:t>
             </a:r>
-          </a:p>
-        </p:txBody>
-      </p:sp>
-      <p:sp>
-        <p:nvSpPr>
-          <p:cNvPr id="3" name="Subtitle 2">
-            <a:extLst>
-              <a:ext uri="{FF2B5EF4-FFF2-40B4-BE49-F238E27FC236}">
-                <a16:creationId xmlns:a16="http://schemas.microsoft.com/office/drawing/2014/main" id="{B5C34F46-978F-A3F8-24FA-3004A1175DC4}"/>
-              </a:ext>
-            </a:extLst>
-          </p:cNvPr>
+            <a:endParaRPr lang="en-US" dirty="0"/>
+          </a:p>
+        </p:txBody>
+      </p:sp>
+      <p:sp>
+        <p:nvSpPr>
+          <p:cNvPr id="3" name="Subtitle 2"/>
           <p:cNvSpPr>
             <a:spLocks noGrp="1"/>
           </p:cNvSpPr>
@@ -185,48 +179,103 @@
         </p:nvSpPr>
         <p:spPr>
           <a:xfrm>
-            <a:off x="1524000" y="3602038"/>
-            <a:ext cx="9144000" cy="1655762"/>
+            <a:off x="1154955" y="4777380"/>
+            <a:ext cx="8825658" cy="861420"/>
           </a:xfrm>
         </p:spPr>
         <p:txBody>
-          <a:bodyPr/>
+          <a:bodyPr anchor="t"/>
           <a:lstStyle>
-            <a:lvl1pPr marL="0" indent="0" algn="ctr">
-              <a:buNone/>
-              <a:defRPr sz="2400"/>
+            <a:lvl1pPr marL="0" indent="0" algn="l">
+              <a:buNone/>
+              <a:defRPr cap="all">
+                <a:solidFill>
+                  <a:schemeClr val="bg2">
+                    <a:lumMod val="40000"/>
+                    <a:lumOff val="60000"/>
+                  </a:schemeClr>
+                </a:solidFill>
+              </a:defRPr>
             </a:lvl1pPr>
             <a:lvl2pPr marL="457200" indent="0" algn="ctr">
               <a:buNone/>
-              <a:defRPr sz="2000"/>
+              <a:defRPr>
+                <a:solidFill>
+                  <a:schemeClr val="tx1">
+                    <a:tint val="75000"/>
+                  </a:schemeClr>
+                </a:solidFill>
+              </a:defRPr>
             </a:lvl2pPr>
             <a:lvl3pPr marL="914400" indent="0" algn="ctr">
               <a:buNone/>
-              <a:defRPr sz="1800"/>
+              <a:defRPr>
+                <a:solidFill>
+                  <a:schemeClr val="tx1">
+                    <a:tint val="75000"/>
+                  </a:schemeClr>
+                </a:solidFill>
+              </a:defRPr>
             </a:lvl3pPr>
             <a:lvl4pPr marL="1371600" indent="0" algn="ctr">
               <a:buNone/>
-              <a:defRPr sz="1600"/>
+              <a:defRPr>
+                <a:solidFill>
+                  <a:schemeClr val="tx1">
+                    <a:tint val="75000"/>
+                  </a:schemeClr>
+                </a:solidFill>
+              </a:defRPr>
             </a:lvl4pPr>
             <a:lvl5pPr marL="1828800" indent="0" algn="ctr">
               <a:buNone/>
-              <a:defRPr sz="1600"/>
+              <a:defRPr>
+                <a:solidFill>
+                  <a:schemeClr val="tx1">
+                    <a:tint val="75000"/>
+                  </a:schemeClr>
+                </a:solidFill>
+              </a:defRPr>
             </a:lvl5pPr>
             <a:lvl6pPr marL="2286000" indent="0" algn="ctr">
               <a:buNone/>
-              <a:defRPr sz="1600"/>
+              <a:defRPr>
+                <a:solidFill>
+                  <a:schemeClr val="tx1">
+                    <a:tint val="75000"/>
+                  </a:schemeClr>
+                </a:solidFill>
+              </a:defRPr>
             </a:lvl6pPr>
             <a:lvl7pPr marL="2743200" indent="0" algn="ctr">
               <a:buNone/>
-              <a:defRPr sz="1600"/>
+              <a:defRPr>
+                <a:solidFill>
+                  <a:schemeClr val="tx1">
+                    <a:tint val="75000"/>
+                  </a:schemeClr>
+                </a:solidFill>
+              </a:defRPr>
             </a:lvl7pPr>
             <a:lvl8pPr marL="3200400" indent="0" algn="ctr">
               <a:buNone/>
-              <a:defRPr sz="1600"/>
+              <a:defRPr>
+                <a:solidFill>
+                  <a:schemeClr val="tx1">
+                    <a:tint val="75000"/>
+                  </a:schemeClr>
+                </a:solidFill>
+              </a:defRPr>
             </a:lvl8pPr>
             <a:lvl9pPr marL="3657600" indent="0" algn="ctr">
               <a:buNone/>
-              <a:defRPr sz="1600"/>
+              <a:defRPr>
+                <a:solidFill>
+                  <a:schemeClr val="tx1">
+                    <a:tint val="75000"/>
+                  </a:schemeClr>
+                </a:solidFill>
+              </a:defRPr>
             </a:lvl9pPr>
           </a:lstStyle>
           <a:p>
@@ -234,18 +283,13 @@
               <a:rPr lang="en-US"/>
               <a:t>Click to edit Master subtitle style</a:t>
             </a:r>
-          </a:p>
-        </p:txBody>
-      </p:sp>
-      <p:sp>
-        <p:nvSpPr>
-          <p:cNvPr id="4" name="Date Placeholder 3">
-            <a:extLst>
-              <a:ext uri="{FF2B5EF4-FFF2-40B4-BE49-F238E27FC236}">
-                <a16:creationId xmlns:a16="http://schemas.microsoft.com/office/drawing/2014/main" id="{D40E42D3-0861-AD39-B1E5-B764F78E99DC}"/>
-              </a:ext>
-            </a:extLst>
-          </p:cNvPr>
+            <a:endParaRPr lang="en-US" dirty="0"/>
+          </a:p>
+        </p:txBody>
+      </p:sp>
+      <p:sp>
+        <p:nvSpPr>
+          <p:cNvPr id="4" name="Date Placeholder 3"/>
           <p:cNvSpPr>
             <a:spLocks noGrp="1"/>
           </p:cNvSpPr>
@@ -260,7 +304,7 @@
           <a:p>
             <a:fld id="{2D060E4B-25C9-43B4-B004-3763EB848424}" type="datetimeFigureOut">
               <a:rPr lang="en-US" smtClean="0"/>
-              <a:t>3/5/2024</a:t>
+              <a:t>3/6/2024</a:t>
             </a:fld>
             <a:endParaRPr lang="en-US"/>
           </a:p>
@@ -268,13 +312,7 @@
       </p:sp>
       <p:sp>
         <p:nvSpPr>
-          <p:cNvPr id="5" name="Footer Placeholder 4">
-            <a:extLst>
-              <a:ext uri="{FF2B5EF4-FFF2-40B4-BE49-F238E27FC236}">
-                <a16:creationId xmlns:a16="http://schemas.microsoft.com/office/drawing/2014/main" id="{96270210-5485-E281-19D9-EB2403ECBBA2}"/>
-              </a:ext>
-            </a:extLst>
-          </p:cNvPr>
+          <p:cNvPr id="5" name="Footer Placeholder 4"/>
           <p:cNvSpPr>
             <a:spLocks noGrp="1"/>
           </p:cNvSpPr>
@@ -293,13 +331,7 @@
       </p:sp>
       <p:sp>
         <p:nvSpPr>
-          <p:cNvPr id="6" name="Slide Number Placeholder 5">
-            <a:extLst>
-              <a:ext uri="{FF2B5EF4-FFF2-40B4-BE49-F238E27FC236}">
-                <a16:creationId xmlns:a16="http://schemas.microsoft.com/office/drawing/2014/main" id="{3BBD99F3-2127-CA9B-04D0-71AF5ECD66E5}"/>
-              </a:ext>
-            </a:extLst>
-          </p:cNvPr>
+          <p:cNvPr id="6" name="Slide Number Placeholder 5"/>
           <p:cNvSpPr>
             <a:spLocks noGrp="1"/>
           </p:cNvSpPr>
@@ -323,7 +355,7 @@
     </p:spTree>
     <p:extLst>
       <p:ext uri="{BB962C8B-B14F-4D97-AF65-F5344CB8AC3E}">
-        <p14:creationId xmlns:p14="http://schemas.microsoft.com/office/powerpoint/2010/main" val="4104693697"/>
+        <p14:creationId xmlns:p14="http://schemas.microsoft.com/office/powerpoint/2010/main" val="3284994452"/>
       </p:ext>
     </p:extLst>
   </p:cSld>
@@ -334,6 +366,2572 @@
 </file>
 
 <file path=ppt/slideLayouts/slideLayout10.xml><?xml version="1.0" encoding="utf-8"?>
+<p:sldLayout xmlns:a="http://schemas.openxmlformats.org/drawingml/2006/main" xmlns:r="http://schemas.openxmlformats.org/officeDocument/2006/relationships" xmlns:p="http://schemas.openxmlformats.org/presentationml/2006/main" preserve="1">
+  <p:cSld name="Panoramic Picture with Caption">
+    <p:spTree>
+      <p:nvGrpSpPr>
+        <p:cNvPr id="1" name=""/>
+        <p:cNvGrpSpPr/>
+        <p:nvPr/>
+      </p:nvGrpSpPr>
+      <p:grpSpPr>
+        <a:xfrm>
+          <a:off x="0" y="0"/>
+          <a:ext cx="0" cy="0"/>
+          <a:chOff x="0" y="0"/>
+          <a:chExt cx="0" cy="0"/>
+        </a:xfrm>
+      </p:grpSpPr>
+      <p:sp>
+        <p:nvSpPr>
+          <p:cNvPr id="2" name="Title 1"/>
+          <p:cNvSpPr>
+            <a:spLocks noGrp="1"/>
+          </p:cNvSpPr>
+          <p:nvPr>
+            <p:ph type="title"/>
+          </p:nvPr>
+        </p:nvSpPr>
+        <p:spPr>
+          <a:xfrm>
+            <a:off x="1154956" y="4800587"/>
+            <a:ext cx="8825657" cy="566738"/>
+          </a:xfrm>
+        </p:spPr>
+        <p:txBody>
+          <a:bodyPr anchor="b">
+            <a:normAutofit/>
+          </a:bodyPr>
+          <a:lstStyle>
+            <a:lvl1pPr algn="l">
+              <a:defRPr sz="2400" b="0"/>
+            </a:lvl1pPr>
+          </a:lstStyle>
+          <a:p>
+            <a:r>
+              <a:rPr lang="en-US"/>
+              <a:t>Click to edit Master title style</a:t>
+            </a:r>
+            <a:endParaRPr lang="en-US" dirty="0"/>
+          </a:p>
+        </p:txBody>
+      </p:sp>
+      <p:sp>
+        <p:nvSpPr>
+          <p:cNvPr id="3" name="Picture Placeholder 2"/>
+          <p:cNvSpPr>
+            <a:spLocks noGrp="1" noChangeAspect="1"/>
+          </p:cNvSpPr>
+          <p:nvPr>
+            <p:ph type="pic" idx="1"/>
+          </p:nvPr>
+        </p:nvSpPr>
+        <p:spPr>
+          <a:xfrm>
+            <a:off x="1154955" y="685800"/>
+            <a:ext cx="8825658" cy="3640666"/>
+          </a:xfrm>
+          <a:prstGeom prst="roundRect">
+            <a:avLst>
+              <a:gd name="adj" fmla="val 1858"/>
+            </a:avLst>
+          </a:prstGeom>
+          <a:effectLst>
+            <a:outerShdw blurRad="50800" dist="50800" dir="5400000" algn="tl" rotWithShape="0">
+              <a:srgbClr val="000000">
+                <a:alpha val="43000"/>
+              </a:srgbClr>
+            </a:outerShdw>
+          </a:effectLst>
+        </p:spPr>
+        <p:txBody>
+          <a:bodyPr anchor="t">
+            <a:normAutofit/>
+          </a:bodyPr>
+          <a:lstStyle>
+            <a:lvl1pPr marL="0" indent="0" algn="ctr">
+              <a:buNone/>
+              <a:defRPr sz="1600"/>
+            </a:lvl1pPr>
+            <a:lvl2pPr marL="457200" indent="0">
+              <a:buNone/>
+              <a:defRPr sz="1600"/>
+            </a:lvl2pPr>
+            <a:lvl3pPr marL="914400" indent="0">
+              <a:buNone/>
+              <a:defRPr sz="1600"/>
+            </a:lvl3pPr>
+            <a:lvl4pPr marL="1371600" indent="0">
+              <a:buNone/>
+              <a:defRPr sz="1600"/>
+            </a:lvl4pPr>
+            <a:lvl5pPr marL="1828800" indent="0">
+              <a:buNone/>
+              <a:defRPr sz="1600"/>
+            </a:lvl5pPr>
+            <a:lvl6pPr marL="2286000" indent="0">
+              <a:buNone/>
+              <a:defRPr sz="1600"/>
+            </a:lvl6pPr>
+            <a:lvl7pPr marL="2743200" indent="0">
+              <a:buNone/>
+              <a:defRPr sz="1600"/>
+            </a:lvl7pPr>
+            <a:lvl8pPr marL="3200400" indent="0">
+              <a:buNone/>
+              <a:defRPr sz="1600"/>
+            </a:lvl8pPr>
+            <a:lvl9pPr marL="3657600" indent="0">
+              <a:buNone/>
+              <a:defRPr sz="1600"/>
+            </a:lvl9pPr>
+          </a:lstStyle>
+          <a:p>
+            <a:r>
+              <a:rPr lang="en-US"/>
+              <a:t>Click icon to add picture</a:t>
+            </a:r>
+            <a:endParaRPr lang="en-US" dirty="0"/>
+          </a:p>
+        </p:txBody>
+      </p:sp>
+      <p:sp>
+        <p:nvSpPr>
+          <p:cNvPr id="4" name="Text Placeholder 3"/>
+          <p:cNvSpPr>
+            <a:spLocks noGrp="1"/>
+          </p:cNvSpPr>
+          <p:nvPr>
+            <p:ph type="body" sz="half" idx="2"/>
+          </p:nvPr>
+        </p:nvSpPr>
+        <p:spPr>
+          <a:xfrm>
+            <a:off x="1154956" y="5367325"/>
+            <a:ext cx="8825656" cy="493712"/>
+          </a:xfrm>
+        </p:spPr>
+        <p:txBody>
+          <a:bodyPr>
+            <a:normAutofit/>
+          </a:bodyPr>
+          <a:lstStyle>
+            <a:lvl1pPr marL="0" indent="0">
+              <a:buNone/>
+              <a:defRPr sz="1200"/>
+            </a:lvl1pPr>
+            <a:lvl2pPr marL="457200" indent="0">
+              <a:buNone/>
+              <a:defRPr sz="1200"/>
+            </a:lvl2pPr>
+            <a:lvl3pPr marL="914400" indent="0">
+              <a:buNone/>
+              <a:defRPr sz="1000"/>
+            </a:lvl3pPr>
+            <a:lvl4pPr marL="1371600" indent="0">
+              <a:buNone/>
+              <a:defRPr sz="900"/>
+            </a:lvl4pPr>
+            <a:lvl5pPr marL="1828800" indent="0">
+              <a:buNone/>
+              <a:defRPr sz="900"/>
+            </a:lvl5pPr>
+            <a:lvl6pPr marL="2286000" indent="0">
+              <a:buNone/>
+              <a:defRPr sz="900"/>
+            </a:lvl6pPr>
+            <a:lvl7pPr marL="2743200" indent="0">
+              <a:buNone/>
+              <a:defRPr sz="900"/>
+            </a:lvl7pPr>
+            <a:lvl8pPr marL="3200400" indent="0">
+              <a:buNone/>
+              <a:defRPr sz="900"/>
+            </a:lvl8pPr>
+            <a:lvl9pPr marL="3657600" indent="0">
+              <a:buNone/>
+              <a:defRPr sz="900"/>
+            </a:lvl9pPr>
+          </a:lstStyle>
+          <a:p>
+            <a:pPr lvl="0"/>
+            <a:r>
+              <a:rPr lang="en-US"/>
+              <a:t>Click to edit Master text styles</a:t>
+            </a:r>
+          </a:p>
+        </p:txBody>
+      </p:sp>
+      <p:sp>
+        <p:nvSpPr>
+          <p:cNvPr id="5" name="Date Placeholder 4"/>
+          <p:cNvSpPr>
+            <a:spLocks noGrp="1"/>
+          </p:cNvSpPr>
+          <p:nvPr>
+            <p:ph type="dt" sz="half" idx="10"/>
+          </p:nvPr>
+        </p:nvSpPr>
+        <p:spPr/>
+        <p:txBody>
+          <a:bodyPr/>
+          <a:lstStyle/>
+          <a:p>
+            <a:fld id="{2D060E4B-25C9-43B4-B004-3763EB848424}" type="datetimeFigureOut">
+              <a:rPr lang="en-US" smtClean="0"/>
+              <a:t>3/6/2024</a:t>
+            </a:fld>
+            <a:endParaRPr lang="en-US"/>
+          </a:p>
+        </p:txBody>
+      </p:sp>
+      <p:sp>
+        <p:nvSpPr>
+          <p:cNvPr id="6" name="Footer Placeholder 5"/>
+          <p:cNvSpPr>
+            <a:spLocks noGrp="1"/>
+          </p:cNvSpPr>
+          <p:nvPr>
+            <p:ph type="ftr" sz="quarter" idx="11"/>
+          </p:nvPr>
+        </p:nvSpPr>
+        <p:spPr/>
+        <p:txBody>
+          <a:bodyPr/>
+          <a:lstStyle/>
+          <a:p>
+            <a:endParaRPr lang="en-US"/>
+          </a:p>
+        </p:txBody>
+      </p:sp>
+      <p:sp>
+        <p:nvSpPr>
+          <p:cNvPr id="7" name="Slide Number Placeholder 6"/>
+          <p:cNvSpPr>
+            <a:spLocks noGrp="1"/>
+          </p:cNvSpPr>
+          <p:nvPr>
+            <p:ph type="sldNum" sz="quarter" idx="12"/>
+          </p:nvPr>
+        </p:nvSpPr>
+        <p:spPr/>
+        <p:txBody>
+          <a:bodyPr/>
+          <a:lstStyle/>
+          <a:p>
+            <a:fld id="{2EE73DF0-5B90-49CB-BC05-4509E043B4C1}" type="slidenum">
+              <a:rPr lang="en-US" smtClean="0"/>
+              <a:t>‹#›</a:t>
+            </a:fld>
+            <a:endParaRPr lang="en-US"/>
+          </a:p>
+        </p:txBody>
+      </p:sp>
+    </p:spTree>
+    <p:extLst>
+      <p:ext uri="{BB962C8B-B14F-4D97-AF65-F5344CB8AC3E}">
+        <p14:creationId xmlns:p14="http://schemas.microsoft.com/office/powerpoint/2010/main" val="3066797282"/>
+      </p:ext>
+    </p:extLst>
+  </p:cSld>
+  <p:clrMapOvr>
+    <a:masterClrMapping/>
+  </p:clrMapOvr>
+</p:sldLayout>
+</file>
+
+<file path=ppt/slideLayouts/slideLayout11.xml><?xml version="1.0" encoding="utf-8"?>
+<p:sldLayout xmlns:a="http://schemas.openxmlformats.org/drawingml/2006/main" xmlns:r="http://schemas.openxmlformats.org/officeDocument/2006/relationships" xmlns:p="http://schemas.openxmlformats.org/presentationml/2006/main" preserve="1">
+  <p:cSld name="Title and Caption">
+    <p:spTree>
+      <p:nvGrpSpPr>
+        <p:cNvPr id="1" name=""/>
+        <p:cNvGrpSpPr/>
+        <p:nvPr/>
+      </p:nvGrpSpPr>
+      <p:grpSpPr>
+        <a:xfrm>
+          <a:off x="0" y="0"/>
+          <a:ext cx="0" cy="0"/>
+          <a:chOff x="0" y="0"/>
+          <a:chExt cx="0" cy="0"/>
+        </a:xfrm>
+      </p:grpSpPr>
+      <p:sp>
+        <p:nvSpPr>
+          <p:cNvPr id="2" name="Title 1"/>
+          <p:cNvSpPr>
+            <a:spLocks noGrp="1"/>
+          </p:cNvSpPr>
+          <p:nvPr>
+            <p:ph type="title"/>
+          </p:nvPr>
+        </p:nvSpPr>
+        <p:spPr>
+          <a:xfrm>
+            <a:off x="1154954" y="1447800"/>
+            <a:ext cx="8825659" cy="1981200"/>
+          </a:xfrm>
+        </p:spPr>
+        <p:txBody>
+          <a:bodyPr/>
+          <a:lstStyle>
+            <a:lvl1pPr>
+              <a:defRPr sz="4800"/>
+            </a:lvl1pPr>
+          </a:lstStyle>
+          <a:p>
+            <a:r>
+              <a:rPr lang="en-US"/>
+              <a:t>Click to edit Master title style</a:t>
+            </a:r>
+            <a:endParaRPr lang="en-US" dirty="0"/>
+          </a:p>
+        </p:txBody>
+      </p:sp>
+      <p:sp>
+        <p:nvSpPr>
+          <p:cNvPr id="8" name="Text Placeholder 3"/>
+          <p:cNvSpPr>
+            <a:spLocks noGrp="1"/>
+          </p:cNvSpPr>
+          <p:nvPr>
+            <p:ph type="body" sz="half" idx="2"/>
+          </p:nvPr>
+        </p:nvSpPr>
+        <p:spPr>
+          <a:xfrm>
+            <a:off x="1154954" y="3657600"/>
+            <a:ext cx="8825659" cy="2362200"/>
+          </a:xfrm>
+        </p:spPr>
+        <p:txBody>
+          <a:bodyPr anchor="ctr">
+            <a:normAutofit/>
+          </a:bodyPr>
+          <a:lstStyle>
+            <a:lvl1pPr marL="0" indent="0">
+              <a:buNone/>
+              <a:defRPr sz="1800"/>
+            </a:lvl1pPr>
+            <a:lvl2pPr marL="457200" indent="0">
+              <a:buNone/>
+              <a:defRPr sz="1200"/>
+            </a:lvl2pPr>
+            <a:lvl3pPr marL="914400" indent="0">
+              <a:buNone/>
+              <a:defRPr sz="1000"/>
+            </a:lvl3pPr>
+            <a:lvl4pPr marL="1371600" indent="0">
+              <a:buNone/>
+              <a:defRPr sz="900"/>
+            </a:lvl4pPr>
+            <a:lvl5pPr marL="1828800" indent="0">
+              <a:buNone/>
+              <a:defRPr sz="900"/>
+            </a:lvl5pPr>
+            <a:lvl6pPr marL="2286000" indent="0">
+              <a:buNone/>
+              <a:defRPr sz="900"/>
+            </a:lvl6pPr>
+            <a:lvl7pPr marL="2743200" indent="0">
+              <a:buNone/>
+              <a:defRPr sz="900"/>
+            </a:lvl7pPr>
+            <a:lvl8pPr marL="3200400" indent="0">
+              <a:buNone/>
+              <a:defRPr sz="900"/>
+            </a:lvl8pPr>
+            <a:lvl9pPr marL="3657600" indent="0">
+              <a:buNone/>
+              <a:defRPr sz="900"/>
+            </a:lvl9pPr>
+          </a:lstStyle>
+          <a:p>
+            <a:pPr lvl="0"/>
+            <a:r>
+              <a:rPr lang="en-US"/>
+              <a:t>Click to edit Master text styles</a:t>
+            </a:r>
+          </a:p>
+        </p:txBody>
+      </p:sp>
+      <p:sp>
+        <p:nvSpPr>
+          <p:cNvPr id="4" name="Date Placeholder 3"/>
+          <p:cNvSpPr>
+            <a:spLocks noGrp="1"/>
+          </p:cNvSpPr>
+          <p:nvPr>
+            <p:ph type="dt" sz="half" idx="10"/>
+          </p:nvPr>
+        </p:nvSpPr>
+        <p:spPr/>
+        <p:txBody>
+          <a:bodyPr/>
+          <a:lstStyle/>
+          <a:p>
+            <a:fld id="{2D060E4B-25C9-43B4-B004-3763EB848424}" type="datetimeFigureOut">
+              <a:rPr lang="en-US" smtClean="0"/>
+              <a:t>3/6/2024</a:t>
+            </a:fld>
+            <a:endParaRPr lang="en-US"/>
+          </a:p>
+        </p:txBody>
+      </p:sp>
+      <p:sp>
+        <p:nvSpPr>
+          <p:cNvPr id="5" name="Footer Placeholder 4"/>
+          <p:cNvSpPr>
+            <a:spLocks noGrp="1"/>
+          </p:cNvSpPr>
+          <p:nvPr>
+            <p:ph type="ftr" sz="quarter" idx="11"/>
+          </p:nvPr>
+        </p:nvSpPr>
+        <p:spPr/>
+        <p:txBody>
+          <a:bodyPr/>
+          <a:lstStyle/>
+          <a:p>
+            <a:endParaRPr lang="en-US"/>
+          </a:p>
+        </p:txBody>
+      </p:sp>
+      <p:sp>
+        <p:nvSpPr>
+          <p:cNvPr id="6" name="Slide Number Placeholder 5"/>
+          <p:cNvSpPr>
+            <a:spLocks noGrp="1"/>
+          </p:cNvSpPr>
+          <p:nvPr>
+            <p:ph type="sldNum" sz="quarter" idx="12"/>
+          </p:nvPr>
+        </p:nvSpPr>
+        <p:spPr/>
+        <p:txBody>
+          <a:bodyPr/>
+          <a:lstStyle/>
+          <a:p>
+            <a:fld id="{2EE73DF0-5B90-49CB-BC05-4509E043B4C1}" type="slidenum">
+              <a:rPr lang="en-US" smtClean="0"/>
+              <a:t>‹#›</a:t>
+            </a:fld>
+            <a:endParaRPr lang="en-US"/>
+          </a:p>
+        </p:txBody>
+      </p:sp>
+    </p:spTree>
+    <p:extLst>
+      <p:ext uri="{BB962C8B-B14F-4D97-AF65-F5344CB8AC3E}">
+        <p14:creationId xmlns:p14="http://schemas.microsoft.com/office/powerpoint/2010/main" val="53720224"/>
+      </p:ext>
+    </p:extLst>
+  </p:cSld>
+  <p:clrMapOvr>
+    <a:masterClrMapping/>
+  </p:clrMapOvr>
+</p:sldLayout>
+</file>
+
+<file path=ppt/slideLayouts/slideLayout12.xml><?xml version="1.0" encoding="utf-8"?>
+<p:sldLayout xmlns:a="http://schemas.openxmlformats.org/drawingml/2006/main" xmlns:r="http://schemas.openxmlformats.org/officeDocument/2006/relationships" xmlns:p="http://schemas.openxmlformats.org/presentationml/2006/main" preserve="1">
+  <p:cSld name="Quote with Caption">
+    <p:spTree>
+      <p:nvGrpSpPr>
+        <p:cNvPr id="1" name=""/>
+        <p:cNvGrpSpPr/>
+        <p:nvPr/>
+      </p:nvGrpSpPr>
+      <p:grpSpPr>
+        <a:xfrm>
+          <a:off x="0" y="0"/>
+          <a:ext cx="0" cy="0"/>
+          <a:chOff x="0" y="0"/>
+          <a:chExt cx="0" cy="0"/>
+        </a:xfrm>
+      </p:grpSpPr>
+      <p:sp>
+        <p:nvSpPr>
+          <p:cNvPr id="2" name="Title 1"/>
+          <p:cNvSpPr>
+            <a:spLocks noGrp="1"/>
+          </p:cNvSpPr>
+          <p:nvPr>
+            <p:ph type="title"/>
+          </p:nvPr>
+        </p:nvSpPr>
+        <p:spPr>
+          <a:xfrm>
+            <a:off x="1574801" y="1447800"/>
+            <a:ext cx="7999315" cy="2323374"/>
+          </a:xfrm>
+        </p:spPr>
+        <p:txBody>
+          <a:bodyPr/>
+          <a:lstStyle>
+            <a:lvl1pPr>
+              <a:defRPr sz="4800"/>
+            </a:lvl1pPr>
+          </a:lstStyle>
+          <a:p>
+            <a:r>
+              <a:rPr lang="en-US"/>
+              <a:t>Click to edit Master title style</a:t>
+            </a:r>
+            <a:endParaRPr lang="en-US" dirty="0"/>
+          </a:p>
+        </p:txBody>
+      </p:sp>
+      <p:sp>
+        <p:nvSpPr>
+          <p:cNvPr id="11" name="Text Placeholder 3"/>
+          <p:cNvSpPr>
+            <a:spLocks noGrp="1"/>
+          </p:cNvSpPr>
+          <p:nvPr>
+            <p:ph type="body" sz="half" idx="14"/>
+          </p:nvPr>
+        </p:nvSpPr>
+        <p:spPr>
+          <a:xfrm>
+            <a:off x="1930400" y="3771174"/>
+            <a:ext cx="7279649" cy="342174"/>
+          </a:xfrm>
+        </p:spPr>
+        <p:txBody>
+          <a:bodyPr vert="horz" lIns="91440" tIns="45720" rIns="91440" bIns="45720" rtlCol="0" anchor="t">
+            <a:normAutofit/>
+          </a:bodyPr>
+          <a:lstStyle>
+            <a:lvl1pPr marL="0" indent="0">
+              <a:buNone/>
+              <a:defRPr lang="en-US" sz="1400" b="0" i="0" kern="1200" cap="small" dirty="0">
+                <a:solidFill>
+                  <a:schemeClr val="bg2">
+                    <a:lumMod val="40000"/>
+                    <a:lumOff val="60000"/>
+                  </a:schemeClr>
+                </a:solidFill>
+                <a:latin typeface="+mj-lt"/>
+                <a:ea typeface="+mj-ea"/>
+                <a:cs typeface="+mj-cs"/>
+              </a:defRPr>
+            </a:lvl1pPr>
+            <a:lvl2pPr marL="457200" indent="0">
+              <a:buNone/>
+              <a:defRPr sz="1200"/>
+            </a:lvl2pPr>
+            <a:lvl3pPr marL="914400" indent="0">
+              <a:buNone/>
+              <a:defRPr sz="1000"/>
+            </a:lvl3pPr>
+            <a:lvl4pPr marL="1371600" indent="0">
+              <a:buNone/>
+              <a:defRPr sz="900"/>
+            </a:lvl4pPr>
+            <a:lvl5pPr marL="1828800" indent="0">
+              <a:buNone/>
+              <a:defRPr sz="900"/>
+            </a:lvl5pPr>
+            <a:lvl6pPr marL="2286000" indent="0">
+              <a:buNone/>
+              <a:defRPr sz="900"/>
+            </a:lvl6pPr>
+            <a:lvl7pPr marL="2743200" indent="0">
+              <a:buNone/>
+              <a:defRPr sz="900"/>
+            </a:lvl7pPr>
+            <a:lvl8pPr marL="3200400" indent="0">
+              <a:buNone/>
+              <a:defRPr sz="900"/>
+            </a:lvl8pPr>
+            <a:lvl9pPr marL="3657600" indent="0">
+              <a:buNone/>
+              <a:defRPr sz="900"/>
+            </a:lvl9pPr>
+          </a:lstStyle>
+          <a:p>
+            <a:pPr marL="0" lvl="0" indent="0">
+              <a:buNone/>
+            </a:pPr>
+            <a:r>
+              <a:rPr lang="en-US"/>
+              <a:t>Click to edit Master text styles</a:t>
+            </a:r>
+          </a:p>
+        </p:txBody>
+      </p:sp>
+      <p:sp>
+        <p:nvSpPr>
+          <p:cNvPr id="10" name="Text Placeholder 3"/>
+          <p:cNvSpPr>
+            <a:spLocks noGrp="1"/>
+          </p:cNvSpPr>
+          <p:nvPr>
+            <p:ph type="body" sz="half" idx="2"/>
+          </p:nvPr>
+        </p:nvSpPr>
+        <p:spPr>
+          <a:xfrm>
+            <a:off x="1154954" y="4350657"/>
+            <a:ext cx="8825659" cy="1676400"/>
+          </a:xfrm>
+        </p:spPr>
+        <p:txBody>
+          <a:bodyPr anchor="ctr">
+            <a:normAutofit/>
+          </a:bodyPr>
+          <a:lstStyle>
+            <a:lvl1pPr marL="0" indent="0">
+              <a:buNone/>
+              <a:defRPr sz="1800"/>
+            </a:lvl1pPr>
+            <a:lvl2pPr marL="457200" indent="0">
+              <a:buNone/>
+              <a:defRPr sz="1200"/>
+            </a:lvl2pPr>
+            <a:lvl3pPr marL="914400" indent="0">
+              <a:buNone/>
+              <a:defRPr sz="1000"/>
+            </a:lvl3pPr>
+            <a:lvl4pPr marL="1371600" indent="0">
+              <a:buNone/>
+              <a:defRPr sz="900"/>
+            </a:lvl4pPr>
+            <a:lvl5pPr marL="1828800" indent="0">
+              <a:buNone/>
+              <a:defRPr sz="900"/>
+            </a:lvl5pPr>
+            <a:lvl6pPr marL="2286000" indent="0">
+              <a:buNone/>
+              <a:defRPr sz="900"/>
+            </a:lvl6pPr>
+            <a:lvl7pPr marL="2743200" indent="0">
+              <a:buNone/>
+              <a:defRPr sz="900"/>
+            </a:lvl7pPr>
+            <a:lvl8pPr marL="3200400" indent="0">
+              <a:buNone/>
+              <a:defRPr sz="900"/>
+            </a:lvl8pPr>
+            <a:lvl9pPr marL="3657600" indent="0">
+              <a:buNone/>
+              <a:defRPr sz="900"/>
+            </a:lvl9pPr>
+          </a:lstStyle>
+          <a:p>
+            <a:pPr lvl="0"/>
+            <a:r>
+              <a:rPr lang="en-US"/>
+              <a:t>Click to edit Master text styles</a:t>
+            </a:r>
+          </a:p>
+        </p:txBody>
+      </p:sp>
+      <p:sp>
+        <p:nvSpPr>
+          <p:cNvPr id="4" name="Date Placeholder 3"/>
+          <p:cNvSpPr>
+            <a:spLocks noGrp="1"/>
+          </p:cNvSpPr>
+          <p:nvPr>
+            <p:ph type="dt" sz="half" idx="10"/>
+          </p:nvPr>
+        </p:nvSpPr>
+        <p:spPr/>
+        <p:txBody>
+          <a:bodyPr/>
+          <a:lstStyle/>
+          <a:p>
+            <a:fld id="{2D060E4B-25C9-43B4-B004-3763EB848424}" type="datetimeFigureOut">
+              <a:rPr lang="en-US" smtClean="0"/>
+              <a:t>3/6/2024</a:t>
+            </a:fld>
+            <a:endParaRPr lang="en-US"/>
+          </a:p>
+        </p:txBody>
+      </p:sp>
+      <p:sp>
+        <p:nvSpPr>
+          <p:cNvPr id="5" name="Footer Placeholder 4"/>
+          <p:cNvSpPr>
+            <a:spLocks noGrp="1"/>
+          </p:cNvSpPr>
+          <p:nvPr>
+            <p:ph type="ftr" sz="quarter" idx="11"/>
+          </p:nvPr>
+        </p:nvSpPr>
+        <p:spPr/>
+        <p:txBody>
+          <a:bodyPr/>
+          <a:lstStyle/>
+          <a:p>
+            <a:endParaRPr lang="en-US"/>
+          </a:p>
+        </p:txBody>
+      </p:sp>
+      <p:sp>
+        <p:nvSpPr>
+          <p:cNvPr id="6" name="Slide Number Placeholder 5"/>
+          <p:cNvSpPr>
+            <a:spLocks noGrp="1"/>
+          </p:cNvSpPr>
+          <p:nvPr>
+            <p:ph type="sldNum" sz="quarter" idx="12"/>
+          </p:nvPr>
+        </p:nvSpPr>
+        <p:spPr/>
+        <p:txBody>
+          <a:bodyPr/>
+          <a:lstStyle/>
+          <a:p>
+            <a:fld id="{2EE73DF0-5B90-49CB-BC05-4509E043B4C1}" type="slidenum">
+              <a:rPr lang="en-US" smtClean="0"/>
+              <a:t>‹#›</a:t>
+            </a:fld>
+            <a:endParaRPr lang="en-US"/>
+          </a:p>
+        </p:txBody>
+      </p:sp>
+      <p:sp>
+        <p:nvSpPr>
+          <p:cNvPr id="12" name="TextBox 11"/>
+          <p:cNvSpPr txBox="1"/>
+          <p:nvPr/>
+        </p:nvSpPr>
+        <p:spPr>
+          <a:xfrm>
+            <a:off x="898295" y="971253"/>
+            <a:ext cx="801912" cy="1969770"/>
+          </a:xfrm>
+          <a:prstGeom prst="rect">
+            <a:avLst/>
+          </a:prstGeom>
+          <a:noFill/>
+        </p:spPr>
+        <p:txBody>
+          <a:bodyPr wrap="square" rtlCol="0">
+            <a:spAutoFit/>
+          </a:bodyPr>
+          <a:lstStyle>
+            <a:defPPr>
+              <a:defRPr lang="en-US"/>
+            </a:defPPr>
+            <a:lvl1pPr algn="r">
+              <a:defRPr sz="12200" b="0" i="0">
+                <a:solidFill>
+                  <a:schemeClr val="bg2">
+                    <a:lumMod val="40000"/>
+                    <a:lumOff val="60000"/>
+                  </a:schemeClr>
+                </a:solidFill>
+                <a:latin typeface="Arial"/>
+                <a:ea typeface="+mj-ea"/>
+                <a:cs typeface="+mj-cs"/>
+              </a:defRPr>
+            </a:lvl1pPr>
+          </a:lstStyle>
+          <a:p>
+            <a:pPr lvl="0"/>
+            <a:r>
+              <a:rPr lang="en-US" dirty="0"/>
+              <a:t>“</a:t>
+            </a:r>
+          </a:p>
+        </p:txBody>
+      </p:sp>
+      <p:sp>
+        <p:nvSpPr>
+          <p:cNvPr id="15" name="TextBox 14"/>
+          <p:cNvSpPr txBox="1"/>
+          <p:nvPr/>
+        </p:nvSpPr>
+        <p:spPr>
+          <a:xfrm>
+            <a:off x="9330490" y="2613787"/>
+            <a:ext cx="801912" cy="1969770"/>
+          </a:xfrm>
+          <a:prstGeom prst="rect">
+            <a:avLst/>
+          </a:prstGeom>
+          <a:noFill/>
+        </p:spPr>
+        <p:txBody>
+          <a:bodyPr wrap="square" rtlCol="0">
+            <a:spAutoFit/>
+          </a:bodyPr>
+          <a:lstStyle>
+            <a:defPPr>
+              <a:defRPr lang="en-US"/>
+            </a:defPPr>
+            <a:lvl1pPr algn="r">
+              <a:defRPr sz="12200" b="0" i="0">
+                <a:solidFill>
+                  <a:schemeClr val="bg2">
+                    <a:lumMod val="40000"/>
+                    <a:lumOff val="60000"/>
+                  </a:schemeClr>
+                </a:solidFill>
+                <a:latin typeface="Arial"/>
+                <a:ea typeface="+mj-ea"/>
+                <a:cs typeface="+mj-cs"/>
+              </a:defRPr>
+            </a:lvl1pPr>
+          </a:lstStyle>
+          <a:p>
+            <a:pPr lvl="0"/>
+            <a:r>
+              <a:rPr lang="en-US" dirty="0"/>
+              <a:t>”</a:t>
+            </a:r>
+          </a:p>
+        </p:txBody>
+      </p:sp>
+    </p:spTree>
+    <p:extLst>
+      <p:ext uri="{BB962C8B-B14F-4D97-AF65-F5344CB8AC3E}">
+        <p14:creationId xmlns:p14="http://schemas.microsoft.com/office/powerpoint/2010/main" val="2818931664"/>
+      </p:ext>
+    </p:extLst>
+  </p:cSld>
+  <p:clrMapOvr>
+    <a:masterClrMapping/>
+  </p:clrMapOvr>
+</p:sldLayout>
+</file>
+
+<file path=ppt/slideLayouts/slideLayout13.xml><?xml version="1.0" encoding="utf-8"?>
+<p:sldLayout xmlns:a="http://schemas.openxmlformats.org/drawingml/2006/main" xmlns:r="http://schemas.openxmlformats.org/officeDocument/2006/relationships" xmlns:p="http://schemas.openxmlformats.org/presentationml/2006/main" preserve="1">
+  <p:cSld name="Name Card">
+    <p:spTree>
+      <p:nvGrpSpPr>
+        <p:cNvPr id="1" name=""/>
+        <p:cNvGrpSpPr/>
+        <p:nvPr/>
+      </p:nvGrpSpPr>
+      <p:grpSpPr>
+        <a:xfrm>
+          <a:off x="0" y="0"/>
+          <a:ext cx="0" cy="0"/>
+          <a:chOff x="0" y="0"/>
+          <a:chExt cx="0" cy="0"/>
+        </a:xfrm>
+      </p:grpSpPr>
+      <p:sp>
+        <p:nvSpPr>
+          <p:cNvPr id="2" name="Title 1"/>
+          <p:cNvSpPr>
+            <a:spLocks noGrp="1"/>
+          </p:cNvSpPr>
+          <p:nvPr>
+            <p:ph type="title"/>
+          </p:nvPr>
+        </p:nvSpPr>
+        <p:spPr>
+          <a:xfrm>
+            <a:off x="1154954" y="3124201"/>
+            <a:ext cx="8825660" cy="1653180"/>
+          </a:xfrm>
+        </p:spPr>
+        <p:txBody>
+          <a:bodyPr anchor="b"/>
+          <a:lstStyle>
+            <a:lvl1pPr algn="l">
+              <a:defRPr sz="4000" b="0" cap="none"/>
+            </a:lvl1pPr>
+          </a:lstStyle>
+          <a:p>
+            <a:r>
+              <a:rPr lang="en-US"/>
+              <a:t>Click to edit Master title style</a:t>
+            </a:r>
+            <a:endParaRPr lang="en-US" dirty="0"/>
+          </a:p>
+        </p:txBody>
+      </p:sp>
+      <p:sp>
+        <p:nvSpPr>
+          <p:cNvPr id="3" name="Text Placeholder 2"/>
+          <p:cNvSpPr>
+            <a:spLocks noGrp="1"/>
+          </p:cNvSpPr>
+          <p:nvPr>
+            <p:ph type="body" idx="1"/>
+          </p:nvPr>
+        </p:nvSpPr>
+        <p:spPr>
+          <a:xfrm>
+            <a:off x="1154954" y="4777381"/>
+            <a:ext cx="8825659" cy="860400"/>
+          </a:xfrm>
+        </p:spPr>
+        <p:txBody>
+          <a:bodyPr anchor="t"/>
+          <a:lstStyle>
+            <a:lvl1pPr marL="0" indent="0" algn="l">
+              <a:buNone/>
+              <a:defRPr sz="2000" cap="none">
+                <a:solidFill>
+                  <a:schemeClr val="bg2">
+                    <a:lumMod val="40000"/>
+                    <a:lumOff val="60000"/>
+                  </a:schemeClr>
+                </a:solidFill>
+              </a:defRPr>
+            </a:lvl1pPr>
+            <a:lvl2pPr marL="457200" indent="0">
+              <a:buNone/>
+              <a:defRPr sz="1800">
+                <a:solidFill>
+                  <a:schemeClr val="tx1">
+                    <a:tint val="75000"/>
+                  </a:schemeClr>
+                </a:solidFill>
+              </a:defRPr>
+            </a:lvl2pPr>
+            <a:lvl3pPr marL="914400" indent="0">
+              <a:buNone/>
+              <a:defRPr sz="1600">
+                <a:solidFill>
+                  <a:schemeClr val="tx1">
+                    <a:tint val="75000"/>
+                  </a:schemeClr>
+                </a:solidFill>
+              </a:defRPr>
+            </a:lvl3pPr>
+            <a:lvl4pPr marL="1371600" indent="0">
+              <a:buNone/>
+              <a:defRPr sz="1400">
+                <a:solidFill>
+                  <a:schemeClr val="tx1">
+                    <a:tint val="75000"/>
+                  </a:schemeClr>
+                </a:solidFill>
+              </a:defRPr>
+            </a:lvl4pPr>
+            <a:lvl5pPr marL="1828800" indent="0">
+              <a:buNone/>
+              <a:defRPr sz="1400">
+                <a:solidFill>
+                  <a:schemeClr val="tx1">
+                    <a:tint val="75000"/>
+                  </a:schemeClr>
+                </a:solidFill>
+              </a:defRPr>
+            </a:lvl5pPr>
+            <a:lvl6pPr marL="2286000" indent="0">
+              <a:buNone/>
+              <a:defRPr sz="1400">
+                <a:solidFill>
+                  <a:schemeClr val="tx1">
+                    <a:tint val="75000"/>
+                  </a:schemeClr>
+                </a:solidFill>
+              </a:defRPr>
+            </a:lvl6pPr>
+            <a:lvl7pPr marL="2743200" indent="0">
+              <a:buNone/>
+              <a:defRPr sz="1400">
+                <a:solidFill>
+                  <a:schemeClr val="tx1">
+                    <a:tint val="75000"/>
+                  </a:schemeClr>
+                </a:solidFill>
+              </a:defRPr>
+            </a:lvl7pPr>
+            <a:lvl8pPr marL="3200400" indent="0">
+              <a:buNone/>
+              <a:defRPr sz="1400">
+                <a:solidFill>
+                  <a:schemeClr val="tx1">
+                    <a:tint val="75000"/>
+                  </a:schemeClr>
+                </a:solidFill>
+              </a:defRPr>
+            </a:lvl8pPr>
+            <a:lvl9pPr marL="3657600" indent="0">
+              <a:buNone/>
+              <a:defRPr sz="1400">
+                <a:solidFill>
+                  <a:schemeClr val="tx1">
+                    <a:tint val="75000"/>
+                  </a:schemeClr>
+                </a:solidFill>
+              </a:defRPr>
+            </a:lvl9pPr>
+          </a:lstStyle>
+          <a:p>
+            <a:pPr lvl="0"/>
+            <a:r>
+              <a:rPr lang="en-US"/>
+              <a:t>Click to edit Master text styles</a:t>
+            </a:r>
+          </a:p>
+        </p:txBody>
+      </p:sp>
+      <p:sp>
+        <p:nvSpPr>
+          <p:cNvPr id="4" name="Date Placeholder 3"/>
+          <p:cNvSpPr>
+            <a:spLocks noGrp="1"/>
+          </p:cNvSpPr>
+          <p:nvPr>
+            <p:ph type="dt" sz="half" idx="10"/>
+          </p:nvPr>
+        </p:nvSpPr>
+        <p:spPr/>
+        <p:txBody>
+          <a:bodyPr/>
+          <a:lstStyle/>
+          <a:p>
+            <a:fld id="{2D060E4B-25C9-43B4-B004-3763EB848424}" type="datetimeFigureOut">
+              <a:rPr lang="en-US" smtClean="0"/>
+              <a:t>3/6/2024</a:t>
+            </a:fld>
+            <a:endParaRPr lang="en-US"/>
+          </a:p>
+        </p:txBody>
+      </p:sp>
+      <p:sp>
+        <p:nvSpPr>
+          <p:cNvPr id="5" name="Footer Placeholder 4"/>
+          <p:cNvSpPr>
+            <a:spLocks noGrp="1"/>
+          </p:cNvSpPr>
+          <p:nvPr>
+            <p:ph type="ftr" sz="quarter" idx="11"/>
+          </p:nvPr>
+        </p:nvSpPr>
+        <p:spPr/>
+        <p:txBody>
+          <a:bodyPr/>
+          <a:lstStyle/>
+          <a:p>
+            <a:endParaRPr lang="en-US"/>
+          </a:p>
+        </p:txBody>
+      </p:sp>
+      <p:sp>
+        <p:nvSpPr>
+          <p:cNvPr id="6" name="Slide Number Placeholder 5"/>
+          <p:cNvSpPr>
+            <a:spLocks noGrp="1"/>
+          </p:cNvSpPr>
+          <p:nvPr>
+            <p:ph type="sldNum" sz="quarter" idx="12"/>
+          </p:nvPr>
+        </p:nvSpPr>
+        <p:spPr/>
+        <p:txBody>
+          <a:bodyPr/>
+          <a:lstStyle/>
+          <a:p>
+            <a:fld id="{2EE73DF0-5B90-49CB-BC05-4509E043B4C1}" type="slidenum">
+              <a:rPr lang="en-US" smtClean="0"/>
+              <a:t>‹#›</a:t>
+            </a:fld>
+            <a:endParaRPr lang="en-US"/>
+          </a:p>
+        </p:txBody>
+      </p:sp>
+    </p:spTree>
+    <p:extLst>
+      <p:ext uri="{BB962C8B-B14F-4D97-AF65-F5344CB8AC3E}">
+        <p14:creationId xmlns:p14="http://schemas.microsoft.com/office/powerpoint/2010/main" val="8708960"/>
+      </p:ext>
+    </p:extLst>
+  </p:cSld>
+  <p:clrMapOvr>
+    <a:masterClrMapping/>
+  </p:clrMapOvr>
+</p:sldLayout>
+</file>
+
+<file path=ppt/slideLayouts/slideLayout14.xml><?xml version="1.0" encoding="utf-8"?>
+<p:sldLayout xmlns:a="http://schemas.openxmlformats.org/drawingml/2006/main" xmlns:r="http://schemas.openxmlformats.org/officeDocument/2006/relationships" xmlns:p="http://schemas.openxmlformats.org/presentationml/2006/main" preserve="1">
+  <p:cSld name="3 Column">
+    <p:spTree>
+      <p:nvGrpSpPr>
+        <p:cNvPr id="1" name=""/>
+        <p:cNvGrpSpPr/>
+        <p:nvPr/>
+      </p:nvGrpSpPr>
+      <p:grpSpPr>
+        <a:xfrm>
+          <a:off x="0" y="0"/>
+          <a:ext cx="0" cy="0"/>
+          <a:chOff x="0" y="0"/>
+          <a:chExt cx="0" cy="0"/>
+        </a:xfrm>
+      </p:grpSpPr>
+      <p:sp>
+        <p:nvSpPr>
+          <p:cNvPr id="2" name="Title 1"/>
+          <p:cNvSpPr>
+            <a:spLocks noGrp="1"/>
+          </p:cNvSpPr>
+          <p:nvPr>
+            <p:ph type="title"/>
+          </p:nvPr>
+        </p:nvSpPr>
+        <p:spPr/>
+        <p:txBody>
+          <a:bodyPr/>
+          <a:lstStyle>
+            <a:lvl1pPr>
+              <a:defRPr sz="4200"/>
+            </a:lvl1pPr>
+          </a:lstStyle>
+          <a:p>
+            <a:r>
+              <a:rPr lang="en-US"/>
+              <a:t>Click to edit Master title style</a:t>
+            </a:r>
+            <a:endParaRPr lang="en-US" dirty="0"/>
+          </a:p>
+        </p:txBody>
+      </p:sp>
+      <p:sp>
+        <p:nvSpPr>
+          <p:cNvPr id="3" name="Text Placeholder 2"/>
+          <p:cNvSpPr>
+            <a:spLocks noGrp="1"/>
+          </p:cNvSpPr>
+          <p:nvPr>
+            <p:ph type="body" idx="1"/>
+          </p:nvPr>
+        </p:nvSpPr>
+        <p:spPr>
+          <a:xfrm>
+            <a:off x="632947" y="1981200"/>
+            <a:ext cx="2946866" cy="576262"/>
+          </a:xfrm>
+        </p:spPr>
+        <p:txBody>
+          <a:bodyPr anchor="b">
+            <a:noAutofit/>
+          </a:bodyPr>
+          <a:lstStyle>
+            <a:lvl1pPr marL="0" indent="0">
+              <a:buNone/>
+              <a:defRPr sz="2400" b="0">
+                <a:solidFill>
+                  <a:schemeClr val="bg2">
+                    <a:lumMod val="40000"/>
+                    <a:lumOff val="60000"/>
+                  </a:schemeClr>
+                </a:solidFill>
+              </a:defRPr>
+            </a:lvl1pPr>
+            <a:lvl2pPr marL="457200" indent="0">
+              <a:buNone/>
+              <a:defRPr sz="2000" b="1"/>
+            </a:lvl2pPr>
+            <a:lvl3pPr marL="914400" indent="0">
+              <a:buNone/>
+              <a:defRPr sz="1800" b="1"/>
+            </a:lvl3pPr>
+            <a:lvl4pPr marL="1371600" indent="0">
+              <a:buNone/>
+              <a:defRPr sz="1600" b="1"/>
+            </a:lvl4pPr>
+            <a:lvl5pPr marL="1828800" indent="0">
+              <a:buNone/>
+              <a:defRPr sz="1600" b="1"/>
+            </a:lvl5pPr>
+            <a:lvl6pPr marL="2286000" indent="0">
+              <a:buNone/>
+              <a:defRPr sz="1600" b="1"/>
+            </a:lvl6pPr>
+            <a:lvl7pPr marL="2743200" indent="0">
+              <a:buNone/>
+              <a:defRPr sz="1600" b="1"/>
+            </a:lvl7pPr>
+            <a:lvl8pPr marL="3200400" indent="0">
+              <a:buNone/>
+              <a:defRPr sz="1600" b="1"/>
+            </a:lvl8pPr>
+            <a:lvl9pPr marL="3657600" indent="0">
+              <a:buNone/>
+              <a:defRPr sz="1600" b="1"/>
+            </a:lvl9pPr>
+          </a:lstStyle>
+          <a:p>
+            <a:pPr lvl="0"/>
+            <a:r>
+              <a:rPr lang="en-US"/>
+              <a:t>Click to edit Master text styles</a:t>
+            </a:r>
+          </a:p>
+        </p:txBody>
+      </p:sp>
+      <p:sp>
+        <p:nvSpPr>
+          <p:cNvPr id="16" name="Text Placeholder 3"/>
+          <p:cNvSpPr>
+            <a:spLocks noGrp="1"/>
+          </p:cNvSpPr>
+          <p:nvPr>
+            <p:ph type="body" sz="half" idx="15"/>
+          </p:nvPr>
+        </p:nvSpPr>
+        <p:spPr>
+          <a:xfrm>
+            <a:off x="652463" y="2667000"/>
+            <a:ext cx="2927350" cy="3589338"/>
+          </a:xfrm>
+        </p:spPr>
+        <p:txBody>
+          <a:bodyPr anchor="t">
+            <a:normAutofit/>
+          </a:bodyPr>
+          <a:lstStyle>
+            <a:lvl1pPr marL="0" indent="0">
+              <a:buNone/>
+              <a:defRPr sz="1400"/>
+            </a:lvl1pPr>
+            <a:lvl2pPr marL="457200" indent="0">
+              <a:buNone/>
+              <a:defRPr sz="1200"/>
+            </a:lvl2pPr>
+            <a:lvl3pPr marL="914400" indent="0">
+              <a:buNone/>
+              <a:defRPr sz="1000"/>
+            </a:lvl3pPr>
+            <a:lvl4pPr marL="1371600" indent="0">
+              <a:buNone/>
+              <a:defRPr sz="900"/>
+            </a:lvl4pPr>
+            <a:lvl5pPr marL="1828800" indent="0">
+              <a:buNone/>
+              <a:defRPr sz="900"/>
+            </a:lvl5pPr>
+            <a:lvl6pPr marL="2286000" indent="0">
+              <a:buNone/>
+              <a:defRPr sz="900"/>
+            </a:lvl6pPr>
+            <a:lvl7pPr marL="2743200" indent="0">
+              <a:buNone/>
+              <a:defRPr sz="900"/>
+            </a:lvl7pPr>
+            <a:lvl8pPr marL="3200400" indent="0">
+              <a:buNone/>
+              <a:defRPr sz="900"/>
+            </a:lvl8pPr>
+            <a:lvl9pPr marL="3657600" indent="0">
+              <a:buNone/>
+              <a:defRPr sz="900"/>
+            </a:lvl9pPr>
+          </a:lstStyle>
+          <a:p>
+            <a:pPr lvl="0"/>
+            <a:r>
+              <a:rPr lang="en-US"/>
+              <a:t>Click to edit Master text styles</a:t>
+            </a:r>
+          </a:p>
+        </p:txBody>
+      </p:sp>
+      <p:sp>
+        <p:nvSpPr>
+          <p:cNvPr id="5" name="Text Placeholder 4"/>
+          <p:cNvSpPr>
+            <a:spLocks noGrp="1"/>
+          </p:cNvSpPr>
+          <p:nvPr>
+            <p:ph type="body" sz="quarter" idx="3"/>
+          </p:nvPr>
+        </p:nvSpPr>
+        <p:spPr>
+          <a:xfrm>
+            <a:off x="3883659" y="1981200"/>
+            <a:ext cx="2936241" cy="576262"/>
+          </a:xfrm>
+        </p:spPr>
+        <p:txBody>
+          <a:bodyPr anchor="b">
+            <a:noAutofit/>
+          </a:bodyPr>
+          <a:lstStyle>
+            <a:lvl1pPr marL="0" indent="0">
+              <a:buNone/>
+              <a:defRPr sz="2400" b="0">
+                <a:solidFill>
+                  <a:schemeClr val="bg2">
+                    <a:lumMod val="40000"/>
+                    <a:lumOff val="60000"/>
+                  </a:schemeClr>
+                </a:solidFill>
+              </a:defRPr>
+            </a:lvl1pPr>
+            <a:lvl2pPr marL="457200" indent="0">
+              <a:buNone/>
+              <a:defRPr sz="2000" b="1"/>
+            </a:lvl2pPr>
+            <a:lvl3pPr marL="914400" indent="0">
+              <a:buNone/>
+              <a:defRPr sz="1800" b="1"/>
+            </a:lvl3pPr>
+            <a:lvl4pPr marL="1371600" indent="0">
+              <a:buNone/>
+              <a:defRPr sz="1600" b="1"/>
+            </a:lvl4pPr>
+            <a:lvl5pPr marL="1828800" indent="0">
+              <a:buNone/>
+              <a:defRPr sz="1600" b="1"/>
+            </a:lvl5pPr>
+            <a:lvl6pPr marL="2286000" indent="0">
+              <a:buNone/>
+              <a:defRPr sz="1600" b="1"/>
+            </a:lvl6pPr>
+            <a:lvl7pPr marL="2743200" indent="0">
+              <a:buNone/>
+              <a:defRPr sz="1600" b="1"/>
+            </a:lvl7pPr>
+            <a:lvl8pPr marL="3200400" indent="0">
+              <a:buNone/>
+              <a:defRPr sz="1600" b="1"/>
+            </a:lvl8pPr>
+            <a:lvl9pPr marL="3657600" indent="0">
+              <a:buNone/>
+              <a:defRPr sz="1600" b="1"/>
+            </a:lvl9pPr>
+          </a:lstStyle>
+          <a:p>
+            <a:pPr lvl="0"/>
+            <a:r>
+              <a:rPr lang="en-US"/>
+              <a:t>Click to edit Master text styles</a:t>
+            </a:r>
+          </a:p>
+        </p:txBody>
+      </p:sp>
+      <p:sp>
+        <p:nvSpPr>
+          <p:cNvPr id="19" name="Text Placeholder 3"/>
+          <p:cNvSpPr>
+            <a:spLocks noGrp="1"/>
+          </p:cNvSpPr>
+          <p:nvPr>
+            <p:ph type="body" sz="half" idx="16"/>
+          </p:nvPr>
+        </p:nvSpPr>
+        <p:spPr>
+          <a:xfrm>
+            <a:off x="3873106" y="2667000"/>
+            <a:ext cx="2946794" cy="3589338"/>
+          </a:xfrm>
+        </p:spPr>
+        <p:txBody>
+          <a:bodyPr anchor="t">
+            <a:normAutofit/>
+          </a:bodyPr>
+          <a:lstStyle>
+            <a:lvl1pPr marL="0" indent="0">
+              <a:buNone/>
+              <a:defRPr sz="1400"/>
+            </a:lvl1pPr>
+            <a:lvl2pPr marL="457200" indent="0">
+              <a:buNone/>
+              <a:defRPr sz="1200"/>
+            </a:lvl2pPr>
+            <a:lvl3pPr marL="914400" indent="0">
+              <a:buNone/>
+              <a:defRPr sz="1000"/>
+            </a:lvl3pPr>
+            <a:lvl4pPr marL="1371600" indent="0">
+              <a:buNone/>
+              <a:defRPr sz="900"/>
+            </a:lvl4pPr>
+            <a:lvl5pPr marL="1828800" indent="0">
+              <a:buNone/>
+              <a:defRPr sz="900"/>
+            </a:lvl5pPr>
+            <a:lvl6pPr marL="2286000" indent="0">
+              <a:buNone/>
+              <a:defRPr sz="900"/>
+            </a:lvl6pPr>
+            <a:lvl7pPr marL="2743200" indent="0">
+              <a:buNone/>
+              <a:defRPr sz="900"/>
+            </a:lvl7pPr>
+            <a:lvl8pPr marL="3200400" indent="0">
+              <a:buNone/>
+              <a:defRPr sz="900"/>
+            </a:lvl8pPr>
+            <a:lvl9pPr marL="3657600" indent="0">
+              <a:buNone/>
+              <a:defRPr sz="900"/>
+            </a:lvl9pPr>
+          </a:lstStyle>
+          <a:p>
+            <a:pPr lvl="0"/>
+            <a:r>
+              <a:rPr lang="en-US"/>
+              <a:t>Click to edit Master text styles</a:t>
+            </a:r>
+          </a:p>
+        </p:txBody>
+      </p:sp>
+      <p:sp>
+        <p:nvSpPr>
+          <p:cNvPr id="14" name="Text Placeholder 4"/>
+          <p:cNvSpPr>
+            <a:spLocks noGrp="1"/>
+          </p:cNvSpPr>
+          <p:nvPr>
+            <p:ph type="body" sz="quarter" idx="13"/>
+          </p:nvPr>
+        </p:nvSpPr>
+        <p:spPr>
+          <a:xfrm>
+            <a:off x="7124700" y="1981200"/>
+            <a:ext cx="2932113" cy="576262"/>
+          </a:xfrm>
+        </p:spPr>
+        <p:txBody>
+          <a:bodyPr anchor="b">
+            <a:noAutofit/>
+          </a:bodyPr>
+          <a:lstStyle>
+            <a:lvl1pPr marL="0" indent="0">
+              <a:buNone/>
+              <a:defRPr sz="2400" b="0">
+                <a:solidFill>
+                  <a:schemeClr val="bg2">
+                    <a:lumMod val="40000"/>
+                    <a:lumOff val="60000"/>
+                  </a:schemeClr>
+                </a:solidFill>
+              </a:defRPr>
+            </a:lvl1pPr>
+            <a:lvl2pPr marL="457200" indent="0">
+              <a:buNone/>
+              <a:defRPr sz="2000" b="1"/>
+            </a:lvl2pPr>
+            <a:lvl3pPr marL="914400" indent="0">
+              <a:buNone/>
+              <a:defRPr sz="1800" b="1"/>
+            </a:lvl3pPr>
+            <a:lvl4pPr marL="1371600" indent="0">
+              <a:buNone/>
+              <a:defRPr sz="1600" b="1"/>
+            </a:lvl4pPr>
+            <a:lvl5pPr marL="1828800" indent="0">
+              <a:buNone/>
+              <a:defRPr sz="1600" b="1"/>
+            </a:lvl5pPr>
+            <a:lvl6pPr marL="2286000" indent="0">
+              <a:buNone/>
+              <a:defRPr sz="1600" b="1"/>
+            </a:lvl6pPr>
+            <a:lvl7pPr marL="2743200" indent="0">
+              <a:buNone/>
+              <a:defRPr sz="1600" b="1"/>
+            </a:lvl7pPr>
+            <a:lvl8pPr marL="3200400" indent="0">
+              <a:buNone/>
+              <a:defRPr sz="1600" b="1"/>
+            </a:lvl8pPr>
+            <a:lvl9pPr marL="3657600" indent="0">
+              <a:buNone/>
+              <a:defRPr sz="1600" b="1"/>
+            </a:lvl9pPr>
+          </a:lstStyle>
+          <a:p>
+            <a:pPr lvl="0"/>
+            <a:r>
+              <a:rPr lang="en-US"/>
+              <a:t>Click to edit Master text styles</a:t>
+            </a:r>
+          </a:p>
+        </p:txBody>
+      </p:sp>
+      <p:sp>
+        <p:nvSpPr>
+          <p:cNvPr id="20" name="Text Placeholder 3"/>
+          <p:cNvSpPr>
+            <a:spLocks noGrp="1"/>
+          </p:cNvSpPr>
+          <p:nvPr>
+            <p:ph type="body" sz="half" idx="17"/>
+          </p:nvPr>
+        </p:nvSpPr>
+        <p:spPr>
+          <a:xfrm>
+            <a:off x="7124700" y="2667000"/>
+            <a:ext cx="2932113" cy="3589338"/>
+          </a:xfrm>
+        </p:spPr>
+        <p:txBody>
+          <a:bodyPr anchor="t">
+            <a:normAutofit/>
+          </a:bodyPr>
+          <a:lstStyle>
+            <a:lvl1pPr marL="0" indent="0">
+              <a:buNone/>
+              <a:defRPr sz="1400"/>
+            </a:lvl1pPr>
+            <a:lvl2pPr marL="457200" indent="0">
+              <a:buNone/>
+              <a:defRPr sz="1200"/>
+            </a:lvl2pPr>
+            <a:lvl3pPr marL="914400" indent="0">
+              <a:buNone/>
+              <a:defRPr sz="1000"/>
+            </a:lvl3pPr>
+            <a:lvl4pPr marL="1371600" indent="0">
+              <a:buNone/>
+              <a:defRPr sz="900"/>
+            </a:lvl4pPr>
+            <a:lvl5pPr marL="1828800" indent="0">
+              <a:buNone/>
+              <a:defRPr sz="900"/>
+            </a:lvl5pPr>
+            <a:lvl6pPr marL="2286000" indent="0">
+              <a:buNone/>
+              <a:defRPr sz="900"/>
+            </a:lvl6pPr>
+            <a:lvl7pPr marL="2743200" indent="0">
+              <a:buNone/>
+              <a:defRPr sz="900"/>
+            </a:lvl7pPr>
+            <a:lvl8pPr marL="3200400" indent="0">
+              <a:buNone/>
+              <a:defRPr sz="900"/>
+            </a:lvl8pPr>
+            <a:lvl9pPr marL="3657600" indent="0">
+              <a:buNone/>
+              <a:defRPr sz="900"/>
+            </a:lvl9pPr>
+          </a:lstStyle>
+          <a:p>
+            <a:pPr lvl="0"/>
+            <a:r>
+              <a:rPr lang="en-US"/>
+              <a:t>Click to edit Master text styles</a:t>
+            </a:r>
+          </a:p>
+        </p:txBody>
+      </p:sp>
+      <p:cxnSp>
+        <p:nvCxnSpPr>
+          <p:cNvPr id="17" name="Straight Connector 16"/>
+          <p:cNvCxnSpPr/>
+          <p:nvPr/>
+        </p:nvCxnSpPr>
+        <p:spPr>
+          <a:xfrm>
+            <a:off x="3726142" y="2133600"/>
+            <a:ext cx="0" cy="3962400"/>
+          </a:xfrm>
+          <a:prstGeom prst="line">
+            <a:avLst/>
+          </a:prstGeom>
+          <a:ln w="12700" cmpd="sng">
+            <a:solidFill>
+              <a:schemeClr val="bg2">
+                <a:lumMod val="40000"/>
+                <a:lumOff val="60000"/>
+                <a:alpha val="40000"/>
+              </a:schemeClr>
+            </a:solidFill>
+          </a:ln>
+        </p:spPr>
+        <p:style>
+          <a:lnRef idx="2">
+            <a:schemeClr val="accent1"/>
+          </a:lnRef>
+          <a:fillRef idx="0">
+            <a:schemeClr val="accent1"/>
+          </a:fillRef>
+          <a:effectRef idx="1">
+            <a:schemeClr val="accent1"/>
+          </a:effectRef>
+          <a:fontRef idx="minor">
+            <a:schemeClr val="tx1"/>
+          </a:fontRef>
+        </p:style>
+      </p:cxnSp>
+      <p:cxnSp>
+        <p:nvCxnSpPr>
+          <p:cNvPr id="18" name="Straight Connector 17"/>
+          <p:cNvCxnSpPr/>
+          <p:nvPr/>
+        </p:nvCxnSpPr>
+        <p:spPr>
+          <a:xfrm>
+            <a:off x="6962227" y="2133600"/>
+            <a:ext cx="0" cy="3966882"/>
+          </a:xfrm>
+          <a:prstGeom prst="line">
+            <a:avLst/>
+          </a:prstGeom>
+          <a:ln w="12700" cmpd="sng">
+            <a:solidFill>
+              <a:schemeClr val="bg2">
+                <a:lumMod val="40000"/>
+                <a:lumOff val="60000"/>
+                <a:alpha val="40000"/>
+              </a:schemeClr>
+            </a:solidFill>
+          </a:ln>
+        </p:spPr>
+        <p:style>
+          <a:lnRef idx="2">
+            <a:schemeClr val="accent1"/>
+          </a:lnRef>
+          <a:fillRef idx="0">
+            <a:schemeClr val="accent1"/>
+          </a:fillRef>
+          <a:effectRef idx="1">
+            <a:schemeClr val="accent1"/>
+          </a:effectRef>
+          <a:fontRef idx="minor">
+            <a:schemeClr val="tx1"/>
+          </a:fontRef>
+        </p:style>
+      </p:cxnSp>
+      <p:sp>
+        <p:nvSpPr>
+          <p:cNvPr id="7" name="Date Placeholder 3"/>
+          <p:cNvSpPr>
+            <a:spLocks noGrp="1"/>
+          </p:cNvSpPr>
+          <p:nvPr>
+            <p:ph type="dt" sz="half" idx="10"/>
+          </p:nvPr>
+        </p:nvSpPr>
+        <p:spPr/>
+        <p:txBody>
+          <a:bodyPr/>
+          <a:lstStyle/>
+          <a:p>
+            <a:fld id="{2D060E4B-25C9-43B4-B004-3763EB848424}" type="datetimeFigureOut">
+              <a:rPr lang="en-US" smtClean="0"/>
+              <a:t>3/6/2024</a:t>
+            </a:fld>
+            <a:endParaRPr lang="en-US"/>
+          </a:p>
+        </p:txBody>
+      </p:sp>
+      <p:sp>
+        <p:nvSpPr>
+          <p:cNvPr id="4" name="Footer Placeholder 4"/>
+          <p:cNvSpPr>
+            <a:spLocks noGrp="1"/>
+          </p:cNvSpPr>
+          <p:nvPr>
+            <p:ph type="ftr" sz="quarter" idx="11"/>
+          </p:nvPr>
+        </p:nvSpPr>
+        <p:spPr/>
+        <p:txBody>
+          <a:bodyPr/>
+          <a:lstStyle/>
+          <a:p>
+            <a:endParaRPr lang="en-US"/>
+          </a:p>
+        </p:txBody>
+      </p:sp>
+      <p:sp>
+        <p:nvSpPr>
+          <p:cNvPr id="6" name="Slide Number Placeholder 5"/>
+          <p:cNvSpPr>
+            <a:spLocks noGrp="1"/>
+          </p:cNvSpPr>
+          <p:nvPr>
+            <p:ph type="sldNum" sz="quarter" idx="12"/>
+          </p:nvPr>
+        </p:nvSpPr>
+        <p:spPr/>
+        <p:txBody>
+          <a:bodyPr/>
+          <a:lstStyle/>
+          <a:p>
+            <a:fld id="{2EE73DF0-5B90-49CB-BC05-4509E043B4C1}" type="slidenum">
+              <a:rPr lang="en-US" smtClean="0"/>
+              <a:t>‹#›</a:t>
+            </a:fld>
+            <a:endParaRPr lang="en-US"/>
+          </a:p>
+        </p:txBody>
+      </p:sp>
+    </p:spTree>
+    <p:extLst>
+      <p:ext uri="{BB962C8B-B14F-4D97-AF65-F5344CB8AC3E}">
+        <p14:creationId xmlns:p14="http://schemas.microsoft.com/office/powerpoint/2010/main" val="1582128798"/>
+      </p:ext>
+    </p:extLst>
+  </p:cSld>
+  <p:clrMapOvr>
+    <a:masterClrMapping/>
+  </p:clrMapOvr>
+</p:sldLayout>
+</file>
+
+<file path=ppt/slideLayouts/slideLayout15.xml><?xml version="1.0" encoding="utf-8"?>
+<p:sldLayout xmlns:a="http://schemas.openxmlformats.org/drawingml/2006/main" xmlns:r="http://schemas.openxmlformats.org/officeDocument/2006/relationships" xmlns:p="http://schemas.openxmlformats.org/presentationml/2006/main" preserve="1">
+  <p:cSld name="3 Picture Column">
+    <p:spTree>
+      <p:nvGrpSpPr>
+        <p:cNvPr id="1" name=""/>
+        <p:cNvGrpSpPr/>
+        <p:nvPr/>
+      </p:nvGrpSpPr>
+      <p:grpSpPr>
+        <a:xfrm>
+          <a:off x="0" y="0"/>
+          <a:ext cx="0" cy="0"/>
+          <a:chOff x="0" y="0"/>
+          <a:chExt cx="0" cy="0"/>
+        </a:xfrm>
+      </p:grpSpPr>
+      <p:sp>
+        <p:nvSpPr>
+          <p:cNvPr id="2" name="Title 1"/>
+          <p:cNvSpPr>
+            <a:spLocks noGrp="1"/>
+          </p:cNvSpPr>
+          <p:nvPr>
+            <p:ph type="title"/>
+          </p:nvPr>
+        </p:nvSpPr>
+        <p:spPr/>
+        <p:txBody>
+          <a:bodyPr/>
+          <a:lstStyle>
+            <a:lvl1pPr>
+              <a:defRPr sz="4200"/>
+            </a:lvl1pPr>
+          </a:lstStyle>
+          <a:p>
+            <a:r>
+              <a:rPr lang="en-US"/>
+              <a:t>Click to edit Master title style</a:t>
+            </a:r>
+            <a:endParaRPr lang="en-US" dirty="0"/>
+          </a:p>
+        </p:txBody>
+      </p:sp>
+      <p:sp>
+        <p:nvSpPr>
+          <p:cNvPr id="3" name="Text Placeholder 2"/>
+          <p:cNvSpPr>
+            <a:spLocks noGrp="1"/>
+          </p:cNvSpPr>
+          <p:nvPr>
+            <p:ph type="body" idx="1"/>
+          </p:nvPr>
+        </p:nvSpPr>
+        <p:spPr>
+          <a:xfrm>
+            <a:off x="652463" y="4250949"/>
+            <a:ext cx="2940050" cy="576262"/>
+          </a:xfrm>
+        </p:spPr>
+        <p:txBody>
+          <a:bodyPr anchor="b">
+            <a:noAutofit/>
+          </a:bodyPr>
+          <a:lstStyle>
+            <a:lvl1pPr marL="0" indent="0">
+              <a:buNone/>
+              <a:defRPr sz="2400" b="0">
+                <a:solidFill>
+                  <a:schemeClr val="bg2">
+                    <a:lumMod val="40000"/>
+                    <a:lumOff val="60000"/>
+                  </a:schemeClr>
+                </a:solidFill>
+              </a:defRPr>
+            </a:lvl1pPr>
+            <a:lvl2pPr marL="457200" indent="0">
+              <a:buNone/>
+              <a:defRPr sz="2000" b="1"/>
+            </a:lvl2pPr>
+            <a:lvl3pPr marL="914400" indent="0">
+              <a:buNone/>
+              <a:defRPr sz="1800" b="1"/>
+            </a:lvl3pPr>
+            <a:lvl4pPr marL="1371600" indent="0">
+              <a:buNone/>
+              <a:defRPr sz="1600" b="1"/>
+            </a:lvl4pPr>
+            <a:lvl5pPr marL="1828800" indent="0">
+              <a:buNone/>
+              <a:defRPr sz="1600" b="1"/>
+            </a:lvl5pPr>
+            <a:lvl6pPr marL="2286000" indent="0">
+              <a:buNone/>
+              <a:defRPr sz="1600" b="1"/>
+            </a:lvl6pPr>
+            <a:lvl7pPr marL="2743200" indent="0">
+              <a:buNone/>
+              <a:defRPr sz="1600" b="1"/>
+            </a:lvl7pPr>
+            <a:lvl8pPr marL="3200400" indent="0">
+              <a:buNone/>
+              <a:defRPr sz="1600" b="1"/>
+            </a:lvl8pPr>
+            <a:lvl9pPr marL="3657600" indent="0">
+              <a:buNone/>
+              <a:defRPr sz="1600" b="1"/>
+            </a:lvl9pPr>
+          </a:lstStyle>
+          <a:p>
+            <a:pPr lvl="0"/>
+            <a:r>
+              <a:rPr lang="en-US"/>
+              <a:t>Click to edit Master text styles</a:t>
+            </a:r>
+          </a:p>
+        </p:txBody>
+      </p:sp>
+      <p:sp>
+        <p:nvSpPr>
+          <p:cNvPr id="29" name="Picture Placeholder 2"/>
+          <p:cNvSpPr>
+            <a:spLocks noGrp="1" noChangeAspect="1"/>
+          </p:cNvSpPr>
+          <p:nvPr>
+            <p:ph type="pic" idx="15"/>
+          </p:nvPr>
+        </p:nvSpPr>
+        <p:spPr>
+          <a:xfrm>
+            <a:off x="652463" y="2209800"/>
+            <a:ext cx="2940050" cy="1524000"/>
+          </a:xfrm>
+          <a:prstGeom prst="roundRect">
+            <a:avLst>
+              <a:gd name="adj" fmla="val 1858"/>
+            </a:avLst>
+          </a:prstGeom>
+          <a:effectLst>
+            <a:outerShdw blurRad="50800" dist="50800" dir="5400000" algn="tl" rotWithShape="0">
+              <a:srgbClr val="000000">
+                <a:alpha val="43000"/>
+              </a:srgbClr>
+            </a:outerShdw>
+          </a:effectLst>
+        </p:spPr>
+        <p:txBody>
+          <a:bodyPr anchor="t">
+            <a:normAutofit/>
+          </a:bodyPr>
+          <a:lstStyle>
+            <a:lvl1pPr marL="0" indent="0" algn="ctr">
+              <a:buNone/>
+              <a:defRPr sz="1600"/>
+            </a:lvl1pPr>
+            <a:lvl2pPr marL="457200" indent="0">
+              <a:buNone/>
+              <a:defRPr sz="1600"/>
+            </a:lvl2pPr>
+            <a:lvl3pPr marL="914400" indent="0">
+              <a:buNone/>
+              <a:defRPr sz="1600"/>
+            </a:lvl3pPr>
+            <a:lvl4pPr marL="1371600" indent="0">
+              <a:buNone/>
+              <a:defRPr sz="1600"/>
+            </a:lvl4pPr>
+            <a:lvl5pPr marL="1828800" indent="0">
+              <a:buNone/>
+              <a:defRPr sz="1600"/>
+            </a:lvl5pPr>
+            <a:lvl6pPr marL="2286000" indent="0">
+              <a:buNone/>
+              <a:defRPr sz="1600"/>
+            </a:lvl6pPr>
+            <a:lvl7pPr marL="2743200" indent="0">
+              <a:buNone/>
+              <a:defRPr sz="1600"/>
+            </a:lvl7pPr>
+            <a:lvl8pPr marL="3200400" indent="0">
+              <a:buNone/>
+              <a:defRPr sz="1600"/>
+            </a:lvl8pPr>
+            <a:lvl9pPr marL="3657600" indent="0">
+              <a:buNone/>
+              <a:defRPr sz="1600"/>
+            </a:lvl9pPr>
+          </a:lstStyle>
+          <a:p>
+            <a:r>
+              <a:rPr lang="en-US"/>
+              <a:t>Click icon to add picture</a:t>
+            </a:r>
+            <a:endParaRPr lang="en-US" dirty="0"/>
+          </a:p>
+        </p:txBody>
+      </p:sp>
+      <p:sp>
+        <p:nvSpPr>
+          <p:cNvPr id="22" name="Text Placeholder 3"/>
+          <p:cNvSpPr>
+            <a:spLocks noGrp="1"/>
+          </p:cNvSpPr>
+          <p:nvPr>
+            <p:ph type="body" sz="half" idx="18"/>
+          </p:nvPr>
+        </p:nvSpPr>
+        <p:spPr>
+          <a:xfrm>
+            <a:off x="652463" y="4827211"/>
+            <a:ext cx="2940050" cy="659189"/>
+          </a:xfrm>
+        </p:spPr>
+        <p:txBody>
+          <a:bodyPr anchor="t">
+            <a:normAutofit/>
+          </a:bodyPr>
+          <a:lstStyle>
+            <a:lvl1pPr marL="0" indent="0">
+              <a:buNone/>
+              <a:defRPr sz="1400"/>
+            </a:lvl1pPr>
+            <a:lvl2pPr marL="457200" indent="0">
+              <a:buNone/>
+              <a:defRPr sz="1200"/>
+            </a:lvl2pPr>
+            <a:lvl3pPr marL="914400" indent="0">
+              <a:buNone/>
+              <a:defRPr sz="1000"/>
+            </a:lvl3pPr>
+            <a:lvl4pPr marL="1371600" indent="0">
+              <a:buNone/>
+              <a:defRPr sz="900"/>
+            </a:lvl4pPr>
+            <a:lvl5pPr marL="1828800" indent="0">
+              <a:buNone/>
+              <a:defRPr sz="900"/>
+            </a:lvl5pPr>
+            <a:lvl6pPr marL="2286000" indent="0">
+              <a:buNone/>
+              <a:defRPr sz="900"/>
+            </a:lvl6pPr>
+            <a:lvl7pPr marL="2743200" indent="0">
+              <a:buNone/>
+              <a:defRPr sz="900"/>
+            </a:lvl7pPr>
+            <a:lvl8pPr marL="3200400" indent="0">
+              <a:buNone/>
+              <a:defRPr sz="900"/>
+            </a:lvl8pPr>
+            <a:lvl9pPr marL="3657600" indent="0">
+              <a:buNone/>
+              <a:defRPr sz="900"/>
+            </a:lvl9pPr>
+          </a:lstStyle>
+          <a:p>
+            <a:pPr lvl="0"/>
+            <a:r>
+              <a:rPr lang="en-US"/>
+              <a:t>Click to edit Master text styles</a:t>
+            </a:r>
+          </a:p>
+        </p:txBody>
+      </p:sp>
+      <p:sp>
+        <p:nvSpPr>
+          <p:cNvPr id="5" name="Text Placeholder 4"/>
+          <p:cNvSpPr>
+            <a:spLocks noGrp="1"/>
+          </p:cNvSpPr>
+          <p:nvPr>
+            <p:ph type="body" sz="quarter" idx="3"/>
+          </p:nvPr>
+        </p:nvSpPr>
+        <p:spPr>
+          <a:xfrm>
+            <a:off x="3889375" y="4250949"/>
+            <a:ext cx="2930525" cy="576262"/>
+          </a:xfrm>
+        </p:spPr>
+        <p:txBody>
+          <a:bodyPr anchor="b">
+            <a:noAutofit/>
+          </a:bodyPr>
+          <a:lstStyle>
+            <a:lvl1pPr marL="0" indent="0">
+              <a:buNone/>
+              <a:defRPr sz="2400" b="0">
+                <a:solidFill>
+                  <a:schemeClr val="bg2">
+                    <a:lumMod val="40000"/>
+                    <a:lumOff val="60000"/>
+                  </a:schemeClr>
+                </a:solidFill>
+              </a:defRPr>
+            </a:lvl1pPr>
+            <a:lvl2pPr marL="457200" indent="0">
+              <a:buNone/>
+              <a:defRPr sz="2000" b="1"/>
+            </a:lvl2pPr>
+            <a:lvl3pPr marL="914400" indent="0">
+              <a:buNone/>
+              <a:defRPr sz="1800" b="1"/>
+            </a:lvl3pPr>
+            <a:lvl4pPr marL="1371600" indent="0">
+              <a:buNone/>
+              <a:defRPr sz="1600" b="1"/>
+            </a:lvl4pPr>
+            <a:lvl5pPr marL="1828800" indent="0">
+              <a:buNone/>
+              <a:defRPr sz="1600" b="1"/>
+            </a:lvl5pPr>
+            <a:lvl6pPr marL="2286000" indent="0">
+              <a:buNone/>
+              <a:defRPr sz="1600" b="1"/>
+            </a:lvl6pPr>
+            <a:lvl7pPr marL="2743200" indent="0">
+              <a:buNone/>
+              <a:defRPr sz="1600" b="1"/>
+            </a:lvl7pPr>
+            <a:lvl8pPr marL="3200400" indent="0">
+              <a:buNone/>
+              <a:defRPr sz="1600" b="1"/>
+            </a:lvl8pPr>
+            <a:lvl9pPr marL="3657600" indent="0">
+              <a:buNone/>
+              <a:defRPr sz="1600" b="1"/>
+            </a:lvl9pPr>
+          </a:lstStyle>
+          <a:p>
+            <a:pPr lvl="0"/>
+            <a:r>
+              <a:rPr lang="en-US"/>
+              <a:t>Click to edit Master text styles</a:t>
+            </a:r>
+          </a:p>
+        </p:txBody>
+      </p:sp>
+      <p:sp>
+        <p:nvSpPr>
+          <p:cNvPr id="30" name="Picture Placeholder 2"/>
+          <p:cNvSpPr>
+            <a:spLocks noGrp="1" noChangeAspect="1"/>
+          </p:cNvSpPr>
+          <p:nvPr>
+            <p:ph type="pic" idx="21"/>
+          </p:nvPr>
+        </p:nvSpPr>
+        <p:spPr>
+          <a:xfrm>
+            <a:off x="3889374" y="2209800"/>
+            <a:ext cx="2930525" cy="1524000"/>
+          </a:xfrm>
+          <a:prstGeom prst="roundRect">
+            <a:avLst>
+              <a:gd name="adj" fmla="val 1858"/>
+            </a:avLst>
+          </a:prstGeom>
+          <a:effectLst>
+            <a:outerShdw blurRad="50800" dist="50800" dir="5400000" algn="tl" rotWithShape="0">
+              <a:srgbClr val="000000">
+                <a:alpha val="43000"/>
+              </a:srgbClr>
+            </a:outerShdw>
+          </a:effectLst>
+        </p:spPr>
+        <p:txBody>
+          <a:bodyPr anchor="t">
+            <a:normAutofit/>
+          </a:bodyPr>
+          <a:lstStyle>
+            <a:lvl1pPr marL="0" indent="0" algn="ctr">
+              <a:buNone/>
+              <a:defRPr sz="1600"/>
+            </a:lvl1pPr>
+            <a:lvl2pPr marL="457200" indent="0">
+              <a:buNone/>
+              <a:defRPr sz="1600"/>
+            </a:lvl2pPr>
+            <a:lvl3pPr marL="914400" indent="0">
+              <a:buNone/>
+              <a:defRPr sz="1600"/>
+            </a:lvl3pPr>
+            <a:lvl4pPr marL="1371600" indent="0">
+              <a:buNone/>
+              <a:defRPr sz="1600"/>
+            </a:lvl4pPr>
+            <a:lvl5pPr marL="1828800" indent="0">
+              <a:buNone/>
+              <a:defRPr sz="1600"/>
+            </a:lvl5pPr>
+            <a:lvl6pPr marL="2286000" indent="0">
+              <a:buNone/>
+              <a:defRPr sz="1600"/>
+            </a:lvl6pPr>
+            <a:lvl7pPr marL="2743200" indent="0">
+              <a:buNone/>
+              <a:defRPr sz="1600"/>
+            </a:lvl7pPr>
+            <a:lvl8pPr marL="3200400" indent="0">
+              <a:buNone/>
+              <a:defRPr sz="1600"/>
+            </a:lvl8pPr>
+            <a:lvl9pPr marL="3657600" indent="0">
+              <a:buNone/>
+              <a:defRPr sz="1600"/>
+            </a:lvl9pPr>
+          </a:lstStyle>
+          <a:p>
+            <a:r>
+              <a:rPr lang="en-US"/>
+              <a:t>Click icon to add picture</a:t>
+            </a:r>
+            <a:endParaRPr lang="en-US" dirty="0"/>
+          </a:p>
+        </p:txBody>
+      </p:sp>
+      <p:sp>
+        <p:nvSpPr>
+          <p:cNvPr id="23" name="Text Placeholder 3"/>
+          <p:cNvSpPr>
+            <a:spLocks noGrp="1"/>
+          </p:cNvSpPr>
+          <p:nvPr>
+            <p:ph type="body" sz="half" idx="19"/>
+          </p:nvPr>
+        </p:nvSpPr>
+        <p:spPr>
+          <a:xfrm>
+            <a:off x="3888022" y="4827210"/>
+            <a:ext cx="2934406" cy="659189"/>
+          </a:xfrm>
+        </p:spPr>
+        <p:txBody>
+          <a:bodyPr anchor="t">
+            <a:normAutofit/>
+          </a:bodyPr>
+          <a:lstStyle>
+            <a:lvl1pPr marL="0" indent="0">
+              <a:buNone/>
+              <a:defRPr sz="1400"/>
+            </a:lvl1pPr>
+            <a:lvl2pPr marL="457200" indent="0">
+              <a:buNone/>
+              <a:defRPr sz="1200"/>
+            </a:lvl2pPr>
+            <a:lvl3pPr marL="914400" indent="0">
+              <a:buNone/>
+              <a:defRPr sz="1000"/>
+            </a:lvl3pPr>
+            <a:lvl4pPr marL="1371600" indent="0">
+              <a:buNone/>
+              <a:defRPr sz="900"/>
+            </a:lvl4pPr>
+            <a:lvl5pPr marL="1828800" indent="0">
+              <a:buNone/>
+              <a:defRPr sz="900"/>
+            </a:lvl5pPr>
+            <a:lvl6pPr marL="2286000" indent="0">
+              <a:buNone/>
+              <a:defRPr sz="900"/>
+            </a:lvl6pPr>
+            <a:lvl7pPr marL="2743200" indent="0">
+              <a:buNone/>
+              <a:defRPr sz="900"/>
+            </a:lvl7pPr>
+            <a:lvl8pPr marL="3200400" indent="0">
+              <a:buNone/>
+              <a:defRPr sz="900"/>
+            </a:lvl8pPr>
+            <a:lvl9pPr marL="3657600" indent="0">
+              <a:buNone/>
+              <a:defRPr sz="900"/>
+            </a:lvl9pPr>
+          </a:lstStyle>
+          <a:p>
+            <a:pPr lvl="0"/>
+            <a:r>
+              <a:rPr lang="en-US"/>
+              <a:t>Click to edit Master text styles</a:t>
+            </a:r>
+          </a:p>
+        </p:txBody>
+      </p:sp>
+      <p:sp>
+        <p:nvSpPr>
+          <p:cNvPr id="14" name="Text Placeholder 4"/>
+          <p:cNvSpPr>
+            <a:spLocks noGrp="1"/>
+          </p:cNvSpPr>
+          <p:nvPr>
+            <p:ph type="body" sz="quarter" idx="13"/>
+          </p:nvPr>
+        </p:nvSpPr>
+        <p:spPr>
+          <a:xfrm>
+            <a:off x="7124700" y="4250949"/>
+            <a:ext cx="2932113" cy="576262"/>
+          </a:xfrm>
+        </p:spPr>
+        <p:txBody>
+          <a:bodyPr anchor="b">
+            <a:noAutofit/>
+          </a:bodyPr>
+          <a:lstStyle>
+            <a:lvl1pPr marL="0" indent="0">
+              <a:buNone/>
+              <a:defRPr sz="2400" b="0">
+                <a:solidFill>
+                  <a:schemeClr val="bg2">
+                    <a:lumMod val="40000"/>
+                    <a:lumOff val="60000"/>
+                  </a:schemeClr>
+                </a:solidFill>
+              </a:defRPr>
+            </a:lvl1pPr>
+            <a:lvl2pPr marL="457200" indent="0">
+              <a:buNone/>
+              <a:defRPr sz="2000" b="1"/>
+            </a:lvl2pPr>
+            <a:lvl3pPr marL="914400" indent="0">
+              <a:buNone/>
+              <a:defRPr sz="1800" b="1"/>
+            </a:lvl3pPr>
+            <a:lvl4pPr marL="1371600" indent="0">
+              <a:buNone/>
+              <a:defRPr sz="1600" b="1"/>
+            </a:lvl4pPr>
+            <a:lvl5pPr marL="1828800" indent="0">
+              <a:buNone/>
+              <a:defRPr sz="1600" b="1"/>
+            </a:lvl5pPr>
+            <a:lvl6pPr marL="2286000" indent="0">
+              <a:buNone/>
+              <a:defRPr sz="1600" b="1"/>
+            </a:lvl6pPr>
+            <a:lvl7pPr marL="2743200" indent="0">
+              <a:buNone/>
+              <a:defRPr sz="1600" b="1"/>
+            </a:lvl7pPr>
+            <a:lvl8pPr marL="3200400" indent="0">
+              <a:buNone/>
+              <a:defRPr sz="1600" b="1"/>
+            </a:lvl8pPr>
+            <a:lvl9pPr marL="3657600" indent="0">
+              <a:buNone/>
+              <a:defRPr sz="1600" b="1"/>
+            </a:lvl9pPr>
+          </a:lstStyle>
+          <a:p>
+            <a:pPr lvl="0"/>
+            <a:r>
+              <a:rPr lang="en-US"/>
+              <a:t>Click to edit Master text styles</a:t>
+            </a:r>
+          </a:p>
+        </p:txBody>
+      </p:sp>
+      <p:sp>
+        <p:nvSpPr>
+          <p:cNvPr id="31" name="Picture Placeholder 2"/>
+          <p:cNvSpPr>
+            <a:spLocks noGrp="1" noChangeAspect="1"/>
+          </p:cNvSpPr>
+          <p:nvPr>
+            <p:ph type="pic" idx="22"/>
+          </p:nvPr>
+        </p:nvSpPr>
+        <p:spPr>
+          <a:xfrm>
+            <a:off x="7124699" y="2209800"/>
+            <a:ext cx="2932113" cy="1524000"/>
+          </a:xfrm>
+          <a:prstGeom prst="roundRect">
+            <a:avLst>
+              <a:gd name="adj" fmla="val 1858"/>
+            </a:avLst>
+          </a:prstGeom>
+          <a:effectLst>
+            <a:outerShdw blurRad="50800" dist="50800" dir="5400000" algn="tl" rotWithShape="0">
+              <a:srgbClr val="000000">
+                <a:alpha val="43000"/>
+              </a:srgbClr>
+            </a:outerShdw>
+          </a:effectLst>
+        </p:spPr>
+        <p:txBody>
+          <a:bodyPr anchor="t">
+            <a:normAutofit/>
+          </a:bodyPr>
+          <a:lstStyle>
+            <a:lvl1pPr marL="0" indent="0" algn="ctr">
+              <a:buNone/>
+              <a:defRPr sz="1600"/>
+            </a:lvl1pPr>
+            <a:lvl2pPr marL="457200" indent="0">
+              <a:buNone/>
+              <a:defRPr sz="1600"/>
+            </a:lvl2pPr>
+            <a:lvl3pPr marL="914400" indent="0">
+              <a:buNone/>
+              <a:defRPr sz="1600"/>
+            </a:lvl3pPr>
+            <a:lvl4pPr marL="1371600" indent="0">
+              <a:buNone/>
+              <a:defRPr sz="1600"/>
+            </a:lvl4pPr>
+            <a:lvl5pPr marL="1828800" indent="0">
+              <a:buNone/>
+              <a:defRPr sz="1600"/>
+            </a:lvl5pPr>
+            <a:lvl6pPr marL="2286000" indent="0">
+              <a:buNone/>
+              <a:defRPr sz="1600"/>
+            </a:lvl6pPr>
+            <a:lvl7pPr marL="2743200" indent="0">
+              <a:buNone/>
+              <a:defRPr sz="1600"/>
+            </a:lvl7pPr>
+            <a:lvl8pPr marL="3200400" indent="0">
+              <a:buNone/>
+              <a:defRPr sz="1600"/>
+            </a:lvl8pPr>
+            <a:lvl9pPr marL="3657600" indent="0">
+              <a:buNone/>
+              <a:defRPr sz="1600"/>
+            </a:lvl9pPr>
+          </a:lstStyle>
+          <a:p>
+            <a:r>
+              <a:rPr lang="en-US"/>
+              <a:t>Click icon to add picture</a:t>
+            </a:r>
+            <a:endParaRPr lang="en-US" dirty="0"/>
+          </a:p>
+        </p:txBody>
+      </p:sp>
+      <p:sp>
+        <p:nvSpPr>
+          <p:cNvPr id="24" name="Text Placeholder 3"/>
+          <p:cNvSpPr>
+            <a:spLocks noGrp="1"/>
+          </p:cNvSpPr>
+          <p:nvPr>
+            <p:ph type="body" sz="half" idx="20"/>
+          </p:nvPr>
+        </p:nvSpPr>
+        <p:spPr>
+          <a:xfrm>
+            <a:off x="7124575" y="4827208"/>
+            <a:ext cx="2935997" cy="659189"/>
+          </a:xfrm>
+        </p:spPr>
+        <p:txBody>
+          <a:bodyPr anchor="t">
+            <a:normAutofit/>
+          </a:bodyPr>
+          <a:lstStyle>
+            <a:lvl1pPr marL="0" indent="0">
+              <a:buNone/>
+              <a:defRPr sz="1400"/>
+            </a:lvl1pPr>
+            <a:lvl2pPr marL="457200" indent="0">
+              <a:buNone/>
+              <a:defRPr sz="1200"/>
+            </a:lvl2pPr>
+            <a:lvl3pPr marL="914400" indent="0">
+              <a:buNone/>
+              <a:defRPr sz="1000"/>
+            </a:lvl3pPr>
+            <a:lvl4pPr marL="1371600" indent="0">
+              <a:buNone/>
+              <a:defRPr sz="900"/>
+            </a:lvl4pPr>
+            <a:lvl5pPr marL="1828800" indent="0">
+              <a:buNone/>
+              <a:defRPr sz="900"/>
+            </a:lvl5pPr>
+            <a:lvl6pPr marL="2286000" indent="0">
+              <a:buNone/>
+              <a:defRPr sz="900"/>
+            </a:lvl6pPr>
+            <a:lvl7pPr marL="2743200" indent="0">
+              <a:buNone/>
+              <a:defRPr sz="900"/>
+            </a:lvl7pPr>
+            <a:lvl8pPr marL="3200400" indent="0">
+              <a:buNone/>
+              <a:defRPr sz="900"/>
+            </a:lvl8pPr>
+            <a:lvl9pPr marL="3657600" indent="0">
+              <a:buNone/>
+              <a:defRPr sz="900"/>
+            </a:lvl9pPr>
+          </a:lstStyle>
+          <a:p>
+            <a:pPr lvl="0"/>
+            <a:r>
+              <a:rPr lang="en-US"/>
+              <a:t>Click to edit Master text styles</a:t>
+            </a:r>
+          </a:p>
+        </p:txBody>
+      </p:sp>
+      <p:cxnSp>
+        <p:nvCxnSpPr>
+          <p:cNvPr id="19" name="Straight Connector 18"/>
+          <p:cNvCxnSpPr/>
+          <p:nvPr/>
+        </p:nvCxnSpPr>
+        <p:spPr>
+          <a:xfrm>
+            <a:off x="3726142" y="2133600"/>
+            <a:ext cx="0" cy="3962400"/>
+          </a:xfrm>
+          <a:prstGeom prst="line">
+            <a:avLst/>
+          </a:prstGeom>
+          <a:ln w="12700" cmpd="sng">
+            <a:solidFill>
+              <a:schemeClr val="bg2">
+                <a:lumMod val="40000"/>
+                <a:lumOff val="60000"/>
+                <a:alpha val="40000"/>
+              </a:schemeClr>
+            </a:solidFill>
+          </a:ln>
+        </p:spPr>
+        <p:style>
+          <a:lnRef idx="2">
+            <a:schemeClr val="accent1"/>
+          </a:lnRef>
+          <a:fillRef idx="0">
+            <a:schemeClr val="accent1"/>
+          </a:fillRef>
+          <a:effectRef idx="1">
+            <a:schemeClr val="accent1"/>
+          </a:effectRef>
+          <a:fontRef idx="minor">
+            <a:schemeClr val="tx1"/>
+          </a:fontRef>
+        </p:style>
+      </p:cxnSp>
+      <p:cxnSp>
+        <p:nvCxnSpPr>
+          <p:cNvPr id="20" name="Straight Connector 19"/>
+          <p:cNvCxnSpPr/>
+          <p:nvPr/>
+        </p:nvCxnSpPr>
+        <p:spPr>
+          <a:xfrm>
+            <a:off x="6962227" y="2133600"/>
+            <a:ext cx="0" cy="3966882"/>
+          </a:xfrm>
+          <a:prstGeom prst="line">
+            <a:avLst/>
+          </a:prstGeom>
+          <a:ln w="12700" cmpd="sng">
+            <a:solidFill>
+              <a:schemeClr val="bg2">
+                <a:lumMod val="40000"/>
+                <a:lumOff val="60000"/>
+                <a:alpha val="40000"/>
+              </a:schemeClr>
+            </a:solidFill>
+          </a:ln>
+        </p:spPr>
+        <p:style>
+          <a:lnRef idx="2">
+            <a:schemeClr val="accent1"/>
+          </a:lnRef>
+          <a:fillRef idx="0">
+            <a:schemeClr val="accent1"/>
+          </a:fillRef>
+          <a:effectRef idx="1">
+            <a:schemeClr val="accent1"/>
+          </a:effectRef>
+          <a:fontRef idx="minor">
+            <a:schemeClr val="tx1"/>
+          </a:fontRef>
+        </p:style>
+      </p:cxnSp>
+      <p:sp>
+        <p:nvSpPr>
+          <p:cNvPr id="7" name="Date Placeholder 3"/>
+          <p:cNvSpPr>
+            <a:spLocks noGrp="1"/>
+          </p:cNvSpPr>
+          <p:nvPr>
+            <p:ph type="dt" sz="half" idx="10"/>
+          </p:nvPr>
+        </p:nvSpPr>
+        <p:spPr/>
+        <p:txBody>
+          <a:bodyPr/>
+          <a:lstStyle/>
+          <a:p>
+            <a:fld id="{2D060E4B-25C9-43B4-B004-3763EB848424}" type="datetimeFigureOut">
+              <a:rPr lang="en-US" smtClean="0"/>
+              <a:t>3/6/2024</a:t>
+            </a:fld>
+            <a:endParaRPr lang="en-US"/>
+          </a:p>
+        </p:txBody>
+      </p:sp>
+      <p:sp>
+        <p:nvSpPr>
+          <p:cNvPr id="4" name="Footer Placeholder 4"/>
+          <p:cNvSpPr>
+            <a:spLocks noGrp="1"/>
+          </p:cNvSpPr>
+          <p:nvPr>
+            <p:ph type="ftr" sz="quarter" idx="11"/>
+          </p:nvPr>
+        </p:nvSpPr>
+        <p:spPr/>
+        <p:txBody>
+          <a:bodyPr/>
+          <a:lstStyle/>
+          <a:p>
+            <a:endParaRPr lang="en-US"/>
+          </a:p>
+        </p:txBody>
+      </p:sp>
+      <p:sp>
+        <p:nvSpPr>
+          <p:cNvPr id="6" name="Slide Number Placeholder 5"/>
+          <p:cNvSpPr>
+            <a:spLocks noGrp="1"/>
+          </p:cNvSpPr>
+          <p:nvPr>
+            <p:ph type="sldNum" sz="quarter" idx="12"/>
+          </p:nvPr>
+        </p:nvSpPr>
+        <p:spPr/>
+        <p:txBody>
+          <a:bodyPr/>
+          <a:lstStyle/>
+          <a:p>
+            <a:fld id="{2EE73DF0-5B90-49CB-BC05-4509E043B4C1}" type="slidenum">
+              <a:rPr lang="en-US" smtClean="0"/>
+              <a:t>‹#›</a:t>
+            </a:fld>
+            <a:endParaRPr lang="en-US"/>
+          </a:p>
+        </p:txBody>
+      </p:sp>
+    </p:spTree>
+    <p:extLst>
+      <p:ext uri="{BB962C8B-B14F-4D97-AF65-F5344CB8AC3E}">
+        <p14:creationId xmlns:p14="http://schemas.microsoft.com/office/powerpoint/2010/main" val="2915281308"/>
+      </p:ext>
+    </p:extLst>
+  </p:cSld>
+  <p:clrMapOvr>
+    <a:masterClrMapping/>
+  </p:clrMapOvr>
+</p:sldLayout>
+</file>
+
+<file path=ppt/slideLayouts/slideLayout16.xml><?xml version="1.0" encoding="utf-8"?>
 <p:sldLayout xmlns:a="http://schemas.openxmlformats.org/drawingml/2006/main" xmlns:r="http://schemas.openxmlformats.org/officeDocument/2006/relationships" xmlns:p="http://schemas.openxmlformats.org/presentationml/2006/main" type="vertTx" preserve="1">
   <p:cSld name="Title and Vertical Text">
     <p:spTree>
@@ -352,13 +2950,7 @@
       </p:grpSpPr>
       <p:sp>
         <p:nvSpPr>
-          <p:cNvPr id="2" name="Title 1">
-            <a:extLst>
-              <a:ext uri="{FF2B5EF4-FFF2-40B4-BE49-F238E27FC236}">
-                <a16:creationId xmlns:a16="http://schemas.microsoft.com/office/drawing/2014/main" id="{1645F44A-53EA-813D-4995-4F1F19C239AC}"/>
-              </a:ext>
-            </a:extLst>
-          </p:cNvPr>
+          <p:cNvPr id="2" name="Title 1"/>
           <p:cNvSpPr>
             <a:spLocks noGrp="1"/>
           </p:cNvSpPr>
@@ -375,18 +2967,13 @@
               <a:rPr lang="en-US"/>
               <a:t>Click to edit Master title style</a:t>
             </a:r>
-          </a:p>
-        </p:txBody>
-      </p:sp>
-      <p:sp>
-        <p:nvSpPr>
-          <p:cNvPr id="3" name="Vertical Text Placeholder 2">
-            <a:extLst>
-              <a:ext uri="{FF2B5EF4-FFF2-40B4-BE49-F238E27FC236}">
-                <a16:creationId xmlns:a16="http://schemas.microsoft.com/office/drawing/2014/main" id="{8BA7E786-DCB2-35EE-F39B-9AB2EFB11FBE}"/>
-              </a:ext>
-            </a:extLst>
-          </p:cNvPr>
+            <a:endParaRPr lang="en-US" dirty="0"/>
+          </a:p>
+        </p:txBody>
+      </p:sp>
+      <p:sp>
+        <p:nvSpPr>
+          <p:cNvPr id="3" name="Vertical Text Placeholder 2"/>
           <p:cNvSpPr>
             <a:spLocks noGrp="1"/>
           </p:cNvSpPr>
@@ -396,7 +2983,7 @@
         </p:nvSpPr>
         <p:spPr/>
         <p:txBody>
-          <a:bodyPr vert="eaVert"/>
+          <a:bodyPr vert="eaVert" anchor="t" anchorCtr="0"/>
           <a:lstStyle/>
           <a:p>
             <a:pPr lvl="0"/>
@@ -432,18 +3019,13 @@
               <a:rPr lang="en-US"/>
               <a:t>Fifth level</a:t>
             </a:r>
-          </a:p>
-        </p:txBody>
-      </p:sp>
-      <p:sp>
-        <p:nvSpPr>
-          <p:cNvPr id="4" name="Date Placeholder 3">
-            <a:extLst>
-              <a:ext uri="{FF2B5EF4-FFF2-40B4-BE49-F238E27FC236}">
-                <a16:creationId xmlns:a16="http://schemas.microsoft.com/office/drawing/2014/main" id="{1497CAAB-5E72-75BD-A663-5434F17E5EDC}"/>
-              </a:ext>
-            </a:extLst>
-          </p:cNvPr>
+            <a:endParaRPr lang="en-US" dirty="0"/>
+          </a:p>
+        </p:txBody>
+      </p:sp>
+      <p:sp>
+        <p:nvSpPr>
+          <p:cNvPr id="4" name="Date Placeholder 3"/>
           <p:cNvSpPr>
             <a:spLocks noGrp="1"/>
           </p:cNvSpPr>
@@ -458,7 +3040,7 @@
           <a:p>
             <a:fld id="{2D060E4B-25C9-43B4-B004-3763EB848424}" type="datetimeFigureOut">
               <a:rPr lang="en-US" smtClean="0"/>
-              <a:t>3/5/2024</a:t>
+              <a:t>3/6/2024</a:t>
             </a:fld>
             <a:endParaRPr lang="en-US"/>
           </a:p>
@@ -466,13 +3048,7 @@
       </p:sp>
       <p:sp>
         <p:nvSpPr>
-          <p:cNvPr id="5" name="Footer Placeholder 4">
-            <a:extLst>
-              <a:ext uri="{FF2B5EF4-FFF2-40B4-BE49-F238E27FC236}">
-                <a16:creationId xmlns:a16="http://schemas.microsoft.com/office/drawing/2014/main" id="{5F459371-0C3F-6DDC-CC90-55D2D98DACBA}"/>
-              </a:ext>
-            </a:extLst>
-          </p:cNvPr>
+          <p:cNvPr id="5" name="Footer Placeholder 4"/>
           <p:cNvSpPr>
             <a:spLocks noGrp="1"/>
           </p:cNvSpPr>
@@ -491,13 +3067,7 @@
       </p:sp>
       <p:sp>
         <p:nvSpPr>
-          <p:cNvPr id="6" name="Slide Number Placeholder 5">
-            <a:extLst>
-              <a:ext uri="{FF2B5EF4-FFF2-40B4-BE49-F238E27FC236}">
-                <a16:creationId xmlns:a16="http://schemas.microsoft.com/office/drawing/2014/main" id="{EBEFFF6A-C602-13CB-E6CF-3B704FDE1796}"/>
-              </a:ext>
-            </a:extLst>
-          </p:cNvPr>
+          <p:cNvPr id="6" name="Slide Number Placeholder 5"/>
           <p:cNvSpPr>
             <a:spLocks noGrp="1"/>
           </p:cNvSpPr>
@@ -521,7 +3091,7 @@
     </p:spTree>
     <p:extLst>
       <p:ext uri="{BB962C8B-B14F-4D97-AF65-F5344CB8AC3E}">
-        <p14:creationId xmlns:p14="http://schemas.microsoft.com/office/powerpoint/2010/main" val="1598394149"/>
+        <p14:creationId xmlns:p14="http://schemas.microsoft.com/office/powerpoint/2010/main" val="1357202919"/>
       </p:ext>
     </p:extLst>
   </p:cSld>
@@ -531,7 +3101,7 @@
 </p:sldLayout>
 </file>
 
-<file path=ppt/slideLayouts/slideLayout11.xml><?xml version="1.0" encoding="utf-8"?>
+<file path=ppt/slideLayouts/slideLayout17.xml><?xml version="1.0" encoding="utf-8"?>
 <p:sldLayout xmlns:a="http://schemas.openxmlformats.org/drawingml/2006/main" xmlns:r="http://schemas.openxmlformats.org/officeDocument/2006/relationships" xmlns:p="http://schemas.openxmlformats.org/presentationml/2006/main" type="vertTitleAndTx" preserve="1">
   <p:cSld name="Vertical Title and Text">
     <p:spTree>
@@ -550,13 +3120,7 @@
       </p:grpSpPr>
       <p:sp>
         <p:nvSpPr>
-          <p:cNvPr id="2" name="Vertical Title 1">
-            <a:extLst>
-              <a:ext uri="{FF2B5EF4-FFF2-40B4-BE49-F238E27FC236}">
-                <a16:creationId xmlns:a16="http://schemas.microsoft.com/office/drawing/2014/main" id="{A6898563-13BA-9C21-1C4A-967DD6BBEBC8}"/>
-              </a:ext>
-            </a:extLst>
-          </p:cNvPr>
+          <p:cNvPr id="2" name="Vertical Title 1"/>
           <p:cNvSpPr>
             <a:spLocks noGrp="1"/>
           </p:cNvSpPr>
@@ -566,47 +3130,42 @@
         </p:nvSpPr>
         <p:spPr>
           <a:xfrm>
-            <a:off x="8724900" y="365125"/>
-            <a:ext cx="2628900" cy="5811838"/>
+            <a:off x="8304212" y="430213"/>
+            <a:ext cx="1752601" cy="5826125"/>
           </a:xfrm>
         </p:spPr>
         <p:txBody>
+          <a:bodyPr vert="eaVert" anchor="b" anchorCtr="0"/>
+          <a:lstStyle/>
+          <a:p>
+            <a:r>
+              <a:rPr lang="en-US"/>
+              <a:t>Click to edit Master title style</a:t>
+            </a:r>
+            <a:endParaRPr lang="en-US" dirty="0"/>
+          </a:p>
+        </p:txBody>
+      </p:sp>
+      <p:sp>
+        <p:nvSpPr>
+          <p:cNvPr id="3" name="Vertical Text Placeholder 2"/>
+          <p:cNvSpPr>
+            <a:spLocks noGrp="1"/>
+          </p:cNvSpPr>
+          <p:nvPr>
+            <p:ph type="body" orient="vert" idx="1"/>
+          </p:nvPr>
+        </p:nvSpPr>
+        <p:spPr>
+          <a:xfrm>
+            <a:off x="652463" y="887414"/>
+            <a:ext cx="7423149" cy="5368924"/>
+          </a:xfrm>
+        </p:spPr>
+        <p:txBody>
           <a:bodyPr vert="eaVert"/>
           <a:lstStyle/>
           <a:p>
-            <a:r>
-              <a:rPr lang="en-US"/>
-              <a:t>Click to edit Master title style</a:t>
-            </a:r>
-          </a:p>
-        </p:txBody>
-      </p:sp>
-      <p:sp>
-        <p:nvSpPr>
-          <p:cNvPr id="3" name="Vertical Text Placeholder 2">
-            <a:extLst>
-              <a:ext uri="{FF2B5EF4-FFF2-40B4-BE49-F238E27FC236}">
-                <a16:creationId xmlns:a16="http://schemas.microsoft.com/office/drawing/2014/main" id="{943D8719-91C9-00A5-E39F-F54849E959EC}"/>
-              </a:ext>
-            </a:extLst>
-          </p:cNvPr>
-          <p:cNvSpPr>
-            <a:spLocks noGrp="1"/>
-          </p:cNvSpPr>
-          <p:nvPr>
-            <p:ph type="body" orient="vert" idx="1"/>
-          </p:nvPr>
-        </p:nvSpPr>
-        <p:spPr>
-          <a:xfrm>
-            <a:off x="838200" y="365125"/>
-            <a:ext cx="7734300" cy="5811838"/>
-          </a:xfrm>
-        </p:spPr>
-        <p:txBody>
-          <a:bodyPr vert="eaVert"/>
-          <a:lstStyle/>
-          <a:p>
             <a:pPr lvl="0"/>
             <a:r>
               <a:rPr lang="en-US"/>
@@ -640,18 +3199,13 @@
               <a:rPr lang="en-US"/>
               <a:t>Fifth level</a:t>
             </a:r>
-          </a:p>
-        </p:txBody>
-      </p:sp>
-      <p:sp>
-        <p:nvSpPr>
-          <p:cNvPr id="4" name="Date Placeholder 3">
-            <a:extLst>
-              <a:ext uri="{FF2B5EF4-FFF2-40B4-BE49-F238E27FC236}">
-                <a16:creationId xmlns:a16="http://schemas.microsoft.com/office/drawing/2014/main" id="{E55DF023-460E-CCD5-3B79-CAB103157EA7}"/>
-              </a:ext>
-            </a:extLst>
-          </p:cNvPr>
+            <a:endParaRPr lang="en-US" dirty="0"/>
+          </a:p>
+        </p:txBody>
+      </p:sp>
+      <p:sp>
+        <p:nvSpPr>
+          <p:cNvPr id="4" name="Date Placeholder 3"/>
           <p:cNvSpPr>
             <a:spLocks noGrp="1"/>
           </p:cNvSpPr>
@@ -666,7 +3220,7 @@
           <a:p>
             <a:fld id="{2D060E4B-25C9-43B4-B004-3763EB848424}" type="datetimeFigureOut">
               <a:rPr lang="en-US" smtClean="0"/>
-              <a:t>3/5/2024</a:t>
+              <a:t>3/6/2024</a:t>
             </a:fld>
             <a:endParaRPr lang="en-US"/>
           </a:p>
@@ -674,13 +3228,7 @@
       </p:sp>
       <p:sp>
         <p:nvSpPr>
-          <p:cNvPr id="5" name="Footer Placeholder 4">
-            <a:extLst>
-              <a:ext uri="{FF2B5EF4-FFF2-40B4-BE49-F238E27FC236}">
-                <a16:creationId xmlns:a16="http://schemas.microsoft.com/office/drawing/2014/main" id="{E548448A-682B-EEBF-2545-DED6544E7B07}"/>
-              </a:ext>
-            </a:extLst>
-          </p:cNvPr>
+          <p:cNvPr id="5" name="Footer Placeholder 4"/>
           <p:cNvSpPr>
             <a:spLocks noGrp="1"/>
           </p:cNvSpPr>
@@ -699,13 +3247,7 @@
       </p:sp>
       <p:sp>
         <p:nvSpPr>
-          <p:cNvPr id="6" name="Slide Number Placeholder 5">
-            <a:extLst>
-              <a:ext uri="{FF2B5EF4-FFF2-40B4-BE49-F238E27FC236}">
-                <a16:creationId xmlns:a16="http://schemas.microsoft.com/office/drawing/2014/main" id="{E4E1E12E-B7E9-0814-30F4-D78D84A80B2E}"/>
-              </a:ext>
-            </a:extLst>
-          </p:cNvPr>
+          <p:cNvPr id="6" name="Slide Number Placeholder 5"/>
           <p:cNvSpPr>
             <a:spLocks noGrp="1"/>
           </p:cNvSpPr>
@@ -729,7 +3271,7 @@
     </p:spTree>
     <p:extLst>
       <p:ext uri="{BB962C8B-B14F-4D97-AF65-F5344CB8AC3E}">
-        <p14:creationId xmlns:p14="http://schemas.microsoft.com/office/powerpoint/2010/main" val="1699804425"/>
+        <p14:creationId xmlns:p14="http://schemas.microsoft.com/office/powerpoint/2010/main" val="1689895623"/>
       </p:ext>
     </p:extLst>
   </p:cSld>
@@ -758,13 +3300,7 @@
       </p:grpSpPr>
       <p:sp>
         <p:nvSpPr>
-          <p:cNvPr id="2" name="Title 1">
-            <a:extLst>
-              <a:ext uri="{FF2B5EF4-FFF2-40B4-BE49-F238E27FC236}">
-                <a16:creationId xmlns:a16="http://schemas.microsoft.com/office/drawing/2014/main" id="{5C7D258C-34B7-F843-6F91-2B6F5607DC36}"/>
-              </a:ext>
-            </a:extLst>
-          </p:cNvPr>
+          <p:cNvPr id="2" name="Title 1"/>
           <p:cNvSpPr>
             <a:spLocks noGrp="1"/>
           </p:cNvSpPr>
@@ -781,18 +3317,13 @@
               <a:rPr lang="en-US"/>
               <a:t>Click to edit Master title style</a:t>
             </a:r>
-          </a:p>
-        </p:txBody>
-      </p:sp>
-      <p:sp>
-        <p:nvSpPr>
-          <p:cNvPr id="3" name="Content Placeholder 2">
-            <a:extLst>
-              <a:ext uri="{FF2B5EF4-FFF2-40B4-BE49-F238E27FC236}">
-                <a16:creationId xmlns:a16="http://schemas.microsoft.com/office/drawing/2014/main" id="{5C1F6AA1-9E96-2257-015A-500EB8B91E22}"/>
-              </a:ext>
-            </a:extLst>
-          </p:cNvPr>
+            <a:endParaRPr lang="en-US" dirty="0"/>
+          </a:p>
+        </p:txBody>
+      </p:sp>
+      <p:sp>
+        <p:nvSpPr>
+          <p:cNvPr id="3" name="Content Placeholder 2"/>
           <p:cNvSpPr>
             <a:spLocks noGrp="1"/>
           </p:cNvSpPr>
@@ -838,18 +3369,13 @@
               <a:rPr lang="en-US"/>
               <a:t>Fifth level</a:t>
             </a:r>
-          </a:p>
-        </p:txBody>
-      </p:sp>
-      <p:sp>
-        <p:nvSpPr>
-          <p:cNvPr id="4" name="Date Placeholder 3">
-            <a:extLst>
-              <a:ext uri="{FF2B5EF4-FFF2-40B4-BE49-F238E27FC236}">
-                <a16:creationId xmlns:a16="http://schemas.microsoft.com/office/drawing/2014/main" id="{D74BA5DC-C02D-4B1F-88D5-840C00B4B1A8}"/>
-              </a:ext>
-            </a:extLst>
-          </p:cNvPr>
+            <a:endParaRPr lang="en-US" dirty="0"/>
+          </a:p>
+        </p:txBody>
+      </p:sp>
+      <p:sp>
+        <p:nvSpPr>
+          <p:cNvPr id="7" name="Date Placeholder 3"/>
           <p:cNvSpPr>
             <a:spLocks noGrp="1"/>
           </p:cNvSpPr>
@@ -864,7 +3390,7 @@
           <a:p>
             <a:fld id="{2D060E4B-25C9-43B4-B004-3763EB848424}" type="datetimeFigureOut">
               <a:rPr lang="en-US" smtClean="0"/>
-              <a:t>3/5/2024</a:t>
+              <a:t>3/6/2024</a:t>
             </a:fld>
             <a:endParaRPr lang="en-US"/>
           </a:p>
@@ -872,13 +3398,7 @@
       </p:sp>
       <p:sp>
         <p:nvSpPr>
-          <p:cNvPr id="5" name="Footer Placeholder 4">
-            <a:extLst>
-              <a:ext uri="{FF2B5EF4-FFF2-40B4-BE49-F238E27FC236}">
-                <a16:creationId xmlns:a16="http://schemas.microsoft.com/office/drawing/2014/main" id="{C899ACA2-9B23-21EA-1224-5AA697BBA595}"/>
-              </a:ext>
-            </a:extLst>
-          </p:cNvPr>
+          <p:cNvPr id="5" name="Footer Placeholder 4"/>
           <p:cNvSpPr>
             <a:spLocks noGrp="1"/>
           </p:cNvSpPr>
@@ -897,13 +3417,7 @@
       </p:sp>
       <p:sp>
         <p:nvSpPr>
-          <p:cNvPr id="6" name="Slide Number Placeholder 5">
-            <a:extLst>
-              <a:ext uri="{FF2B5EF4-FFF2-40B4-BE49-F238E27FC236}">
-                <a16:creationId xmlns:a16="http://schemas.microsoft.com/office/drawing/2014/main" id="{31D8030A-E9D4-B11C-342C-37FD63B8B58E}"/>
-              </a:ext>
-            </a:extLst>
-          </p:cNvPr>
+          <p:cNvPr id="6" name="Slide Number Placeholder 5"/>
           <p:cNvSpPr>
             <a:spLocks noGrp="1"/>
           </p:cNvSpPr>
@@ -927,7 +3441,7 @@
     </p:spTree>
     <p:extLst>
       <p:ext uri="{BB962C8B-B14F-4D97-AF65-F5344CB8AC3E}">
-        <p14:creationId xmlns:p14="http://schemas.microsoft.com/office/powerpoint/2010/main" val="1810348361"/>
+        <p14:creationId xmlns:p14="http://schemas.microsoft.com/office/powerpoint/2010/main" val="3619366261"/>
       </p:ext>
     </p:extLst>
   </p:cSld>
@@ -956,13 +3470,7 @@
       </p:grpSpPr>
       <p:sp>
         <p:nvSpPr>
-          <p:cNvPr id="2" name="Title 1">
-            <a:extLst>
-              <a:ext uri="{FF2B5EF4-FFF2-40B4-BE49-F238E27FC236}">
-                <a16:creationId xmlns:a16="http://schemas.microsoft.com/office/drawing/2014/main" id="{41AF4B21-4D7E-7F7D-300D-BB624D070067}"/>
-              </a:ext>
-            </a:extLst>
-          </p:cNvPr>
+          <p:cNvPr id="2" name="Title 1"/>
           <p:cNvSpPr>
             <a:spLocks noGrp="1"/>
           </p:cNvSpPr>
@@ -972,15 +3480,15 @@
         </p:nvSpPr>
         <p:spPr>
           <a:xfrm>
-            <a:off x="831850" y="1709738"/>
-            <a:ext cx="10515600" cy="2852737"/>
+            <a:off x="1154956" y="2861733"/>
+            <a:ext cx="8825657" cy="1915647"/>
           </a:xfrm>
         </p:spPr>
         <p:txBody>
           <a:bodyPr anchor="b"/>
           <a:lstStyle>
-            <a:lvl1pPr>
-              <a:defRPr sz="6000"/>
+            <a:lvl1pPr algn="l">
+              <a:defRPr sz="4000" b="0" cap="none"/>
             </a:lvl1pPr>
           </a:lstStyle>
           <a:p>
@@ -988,18 +3496,13 @@
               <a:rPr lang="en-US"/>
               <a:t>Click to edit Master title style</a:t>
             </a:r>
-          </a:p>
-        </p:txBody>
-      </p:sp>
-      <p:sp>
-        <p:nvSpPr>
-          <p:cNvPr id="3" name="Text Placeholder 2">
-            <a:extLst>
-              <a:ext uri="{FF2B5EF4-FFF2-40B4-BE49-F238E27FC236}">
-                <a16:creationId xmlns:a16="http://schemas.microsoft.com/office/drawing/2014/main" id="{33F79CBB-7070-0DB9-E936-F2B50EFCC72D}"/>
-              </a:ext>
-            </a:extLst>
-          </p:cNvPr>
+            <a:endParaRPr lang="en-US" dirty="0"/>
+          </a:p>
+        </p:txBody>
+      </p:sp>
+      <p:sp>
+        <p:nvSpPr>
+          <p:cNvPr id="3" name="Text Placeholder 2"/>
           <p:cNvSpPr>
             <a:spLocks noGrp="1"/>
           </p:cNvSpPr>
@@ -1009,26 +3512,27 @@
         </p:nvSpPr>
         <p:spPr>
           <a:xfrm>
-            <a:off x="831850" y="4589463"/>
-            <a:ext cx="10515600" cy="1500187"/>
+            <a:off x="1154955" y="4777381"/>
+            <a:ext cx="8825658" cy="860400"/>
           </a:xfrm>
         </p:spPr>
         <p:txBody>
-          <a:bodyPr/>
+          <a:bodyPr anchor="t"/>
           <a:lstStyle>
-            <a:lvl1pPr marL="0" indent="0">
-              <a:buNone/>
-              <a:defRPr sz="2400">
+            <a:lvl1pPr marL="0" indent="0" algn="l">
+              <a:buNone/>
+              <a:defRPr sz="2000" cap="all">
                 <a:solidFill>
-                  <a:schemeClr val="tx1">
-                    <a:tint val="75000"/>
+                  <a:schemeClr val="bg2">
+                    <a:lumMod val="40000"/>
+                    <a:lumOff val="60000"/>
                   </a:schemeClr>
                 </a:solidFill>
               </a:defRPr>
             </a:lvl1pPr>
             <a:lvl2pPr marL="457200" indent="0">
               <a:buNone/>
-              <a:defRPr sz="2000">
+              <a:defRPr sz="1800">
                 <a:solidFill>
                   <a:schemeClr val="tx1">
                     <a:tint val="75000"/>
@@ -1038,7 +3542,7 @@
             </a:lvl2pPr>
             <a:lvl3pPr marL="914400" indent="0">
               <a:buNone/>
-              <a:defRPr sz="1800">
+              <a:defRPr sz="1600">
                 <a:solidFill>
                   <a:schemeClr val="tx1">
                     <a:tint val="75000"/>
@@ -1048,7 +3552,7 @@
             </a:lvl3pPr>
             <a:lvl4pPr marL="1371600" indent="0">
               <a:buNone/>
-              <a:defRPr sz="1600">
+              <a:defRPr sz="1400">
                 <a:solidFill>
                   <a:schemeClr val="tx1">
                     <a:tint val="75000"/>
@@ -1058,7 +3562,7 @@
             </a:lvl4pPr>
             <a:lvl5pPr marL="1828800" indent="0">
               <a:buNone/>
-              <a:defRPr sz="1600">
+              <a:defRPr sz="1400">
                 <a:solidFill>
                   <a:schemeClr val="tx1">
                     <a:tint val="75000"/>
@@ -1068,7 +3572,7 @@
             </a:lvl5pPr>
             <a:lvl6pPr marL="2286000" indent="0">
               <a:buNone/>
-              <a:defRPr sz="1600">
+              <a:defRPr sz="1400">
                 <a:solidFill>
                   <a:schemeClr val="tx1">
                     <a:tint val="75000"/>
@@ -1078,7 +3582,7 @@
             </a:lvl6pPr>
             <a:lvl7pPr marL="2743200" indent="0">
               <a:buNone/>
-              <a:defRPr sz="1600">
+              <a:defRPr sz="1400">
                 <a:solidFill>
                   <a:schemeClr val="tx1">
                     <a:tint val="75000"/>
@@ -1088,7 +3592,7 @@
             </a:lvl7pPr>
             <a:lvl8pPr marL="3200400" indent="0">
               <a:buNone/>
-              <a:defRPr sz="1600">
+              <a:defRPr sz="1400">
                 <a:solidFill>
                   <a:schemeClr val="tx1">
                     <a:tint val="75000"/>
@@ -1098,7 +3602,7 @@
             </a:lvl8pPr>
             <a:lvl9pPr marL="3657600" indent="0">
               <a:buNone/>
-              <a:defRPr sz="1600">
+              <a:defRPr sz="1400">
                 <a:solidFill>
                   <a:schemeClr val="tx1">
                     <a:tint val="75000"/>
@@ -1118,13 +3622,7 @@
       </p:sp>
       <p:sp>
         <p:nvSpPr>
-          <p:cNvPr id="4" name="Date Placeholder 3">
-            <a:extLst>
-              <a:ext uri="{FF2B5EF4-FFF2-40B4-BE49-F238E27FC236}">
-                <a16:creationId xmlns:a16="http://schemas.microsoft.com/office/drawing/2014/main" id="{D0F6EC79-76AB-7F5D-D0AB-3B4DADCF10ED}"/>
-              </a:ext>
-            </a:extLst>
-          </p:cNvPr>
+          <p:cNvPr id="4" name="Date Placeholder 3"/>
           <p:cNvSpPr>
             <a:spLocks noGrp="1"/>
           </p:cNvSpPr>
@@ -1139,7 +3637,7 @@
           <a:p>
             <a:fld id="{2D060E4B-25C9-43B4-B004-3763EB848424}" type="datetimeFigureOut">
               <a:rPr lang="en-US" smtClean="0"/>
-              <a:t>3/5/2024</a:t>
+              <a:t>3/6/2024</a:t>
             </a:fld>
             <a:endParaRPr lang="en-US"/>
           </a:p>
@@ -1147,13 +3645,7 @@
       </p:sp>
       <p:sp>
         <p:nvSpPr>
-          <p:cNvPr id="5" name="Footer Placeholder 4">
-            <a:extLst>
-              <a:ext uri="{FF2B5EF4-FFF2-40B4-BE49-F238E27FC236}">
-                <a16:creationId xmlns:a16="http://schemas.microsoft.com/office/drawing/2014/main" id="{BDE7B05B-DD33-B953-33E3-077E5D27118C}"/>
-              </a:ext>
-            </a:extLst>
-          </p:cNvPr>
+          <p:cNvPr id="5" name="Footer Placeholder 4"/>
           <p:cNvSpPr>
             <a:spLocks noGrp="1"/>
           </p:cNvSpPr>
@@ -1172,13 +3664,7 @@
       </p:sp>
       <p:sp>
         <p:nvSpPr>
-          <p:cNvPr id="6" name="Slide Number Placeholder 5">
-            <a:extLst>
-              <a:ext uri="{FF2B5EF4-FFF2-40B4-BE49-F238E27FC236}">
-                <a16:creationId xmlns:a16="http://schemas.microsoft.com/office/drawing/2014/main" id="{080E4458-2FE0-E5E2-E080-244CB3549446}"/>
-              </a:ext>
-            </a:extLst>
-          </p:cNvPr>
+          <p:cNvPr id="6" name="Slide Number Placeholder 5"/>
           <p:cNvSpPr>
             <a:spLocks noGrp="1"/>
           </p:cNvSpPr>
@@ -1202,7 +3688,7 @@
     </p:spTree>
     <p:extLst>
       <p:ext uri="{BB962C8B-B14F-4D97-AF65-F5344CB8AC3E}">
-        <p14:creationId xmlns:p14="http://schemas.microsoft.com/office/powerpoint/2010/main" val="1240121895"/>
+        <p14:creationId xmlns:p14="http://schemas.microsoft.com/office/powerpoint/2010/main" val="1426405215"/>
       </p:ext>
     </p:extLst>
   </p:cSld>
@@ -1231,13 +3717,7 @@
       </p:grpSpPr>
       <p:sp>
         <p:nvSpPr>
-          <p:cNvPr id="2" name="Title 1">
-            <a:extLst>
-              <a:ext uri="{FF2B5EF4-FFF2-40B4-BE49-F238E27FC236}">
-                <a16:creationId xmlns:a16="http://schemas.microsoft.com/office/drawing/2014/main" id="{B032F3BC-07E6-31B3-42C7-43CD800EEB3E}"/>
-              </a:ext>
-            </a:extLst>
-          </p:cNvPr>
+          <p:cNvPr id="2" name="Title 1"/>
           <p:cNvSpPr>
             <a:spLocks noGrp="1"/>
           </p:cNvSpPr>
@@ -1254,18 +3734,13 @@
               <a:rPr lang="en-US"/>
               <a:t>Click to edit Master title style</a:t>
             </a:r>
-          </a:p>
-        </p:txBody>
-      </p:sp>
-      <p:sp>
-        <p:nvSpPr>
-          <p:cNvPr id="3" name="Content Placeholder 2">
-            <a:extLst>
-              <a:ext uri="{FF2B5EF4-FFF2-40B4-BE49-F238E27FC236}">
-                <a16:creationId xmlns:a16="http://schemas.microsoft.com/office/drawing/2014/main" id="{6236E485-FBD9-64CB-6839-CD1F26EA9ABC}"/>
-              </a:ext>
-            </a:extLst>
-          </p:cNvPr>
+            <a:endParaRPr lang="en-US" dirty="0"/>
+          </a:p>
+        </p:txBody>
+      </p:sp>
+      <p:sp>
+        <p:nvSpPr>
+          <p:cNvPr id="3" name="Content Placeholder 2"/>
           <p:cNvSpPr>
             <a:spLocks noGrp="1"/>
           </p:cNvSpPr>
@@ -1275,175 +3750,213 @@
         </p:nvSpPr>
         <p:spPr>
           <a:xfrm>
-            <a:off x="838200" y="1825625"/>
-            <a:ext cx="5181600" cy="4351338"/>
+            <a:off x="1103312" y="2060575"/>
+            <a:ext cx="4396339" cy="4195763"/>
           </a:xfrm>
         </p:spPr>
         <p:txBody>
+          <a:bodyPr>
+            <a:normAutofit/>
+          </a:bodyPr>
+          <a:lstStyle>
+            <a:lvl1pPr>
+              <a:defRPr sz="1800"/>
+            </a:lvl1pPr>
+            <a:lvl2pPr>
+              <a:defRPr sz="1600"/>
+            </a:lvl2pPr>
+            <a:lvl3pPr>
+              <a:defRPr sz="1400"/>
+            </a:lvl3pPr>
+            <a:lvl4pPr>
+              <a:defRPr sz="1200"/>
+            </a:lvl4pPr>
+            <a:lvl5pPr>
+              <a:defRPr sz="1200"/>
+            </a:lvl5pPr>
+            <a:lvl6pPr>
+              <a:defRPr sz="1200"/>
+            </a:lvl6pPr>
+            <a:lvl7pPr>
+              <a:defRPr sz="1200"/>
+            </a:lvl7pPr>
+            <a:lvl8pPr>
+              <a:defRPr sz="1200"/>
+            </a:lvl8pPr>
+            <a:lvl9pPr>
+              <a:defRPr sz="1200"/>
+            </a:lvl9pPr>
+          </a:lstStyle>
+          <a:p>
+            <a:pPr lvl="0"/>
+            <a:r>
+              <a:rPr lang="en-US"/>
+              <a:t>Click to edit Master text styles</a:t>
+            </a:r>
+          </a:p>
+          <a:p>
+            <a:pPr lvl="1"/>
+            <a:r>
+              <a:rPr lang="en-US"/>
+              <a:t>Second level</a:t>
+            </a:r>
+          </a:p>
+          <a:p>
+            <a:pPr lvl="2"/>
+            <a:r>
+              <a:rPr lang="en-US"/>
+              <a:t>Third level</a:t>
+            </a:r>
+          </a:p>
+          <a:p>
+            <a:pPr lvl="3"/>
+            <a:r>
+              <a:rPr lang="en-US"/>
+              <a:t>Fourth level</a:t>
+            </a:r>
+          </a:p>
+          <a:p>
+            <a:pPr lvl="4"/>
+            <a:r>
+              <a:rPr lang="en-US"/>
+              <a:t>Fifth level</a:t>
+            </a:r>
+            <a:endParaRPr lang="en-US" dirty="0"/>
+          </a:p>
+        </p:txBody>
+      </p:sp>
+      <p:sp>
+        <p:nvSpPr>
+          <p:cNvPr id="4" name="Content Placeholder 3"/>
+          <p:cNvSpPr>
+            <a:spLocks noGrp="1"/>
+          </p:cNvSpPr>
+          <p:nvPr>
+            <p:ph sz="half" idx="2"/>
+          </p:nvPr>
+        </p:nvSpPr>
+        <p:spPr>
+          <a:xfrm>
+            <a:off x="5654493" y="2056092"/>
+            <a:ext cx="4396341" cy="4200245"/>
+          </a:xfrm>
+        </p:spPr>
+        <p:txBody>
+          <a:bodyPr>
+            <a:normAutofit/>
+          </a:bodyPr>
+          <a:lstStyle>
+            <a:lvl1pPr>
+              <a:defRPr sz="1800"/>
+            </a:lvl1pPr>
+            <a:lvl2pPr>
+              <a:defRPr sz="1600"/>
+            </a:lvl2pPr>
+            <a:lvl3pPr>
+              <a:defRPr sz="1400"/>
+            </a:lvl3pPr>
+            <a:lvl4pPr>
+              <a:defRPr sz="1200"/>
+            </a:lvl4pPr>
+            <a:lvl5pPr>
+              <a:defRPr sz="1200"/>
+            </a:lvl5pPr>
+            <a:lvl6pPr>
+              <a:defRPr sz="1200"/>
+            </a:lvl6pPr>
+            <a:lvl7pPr>
+              <a:defRPr sz="1200"/>
+            </a:lvl7pPr>
+            <a:lvl8pPr>
+              <a:defRPr sz="1200"/>
+            </a:lvl8pPr>
+            <a:lvl9pPr>
+              <a:defRPr sz="1200"/>
+            </a:lvl9pPr>
+          </a:lstStyle>
+          <a:p>
+            <a:pPr lvl="0"/>
+            <a:r>
+              <a:rPr lang="en-US"/>
+              <a:t>Click to edit Master text styles</a:t>
+            </a:r>
+          </a:p>
+          <a:p>
+            <a:pPr lvl="1"/>
+            <a:r>
+              <a:rPr lang="en-US"/>
+              <a:t>Second level</a:t>
+            </a:r>
+          </a:p>
+          <a:p>
+            <a:pPr lvl="2"/>
+            <a:r>
+              <a:rPr lang="en-US"/>
+              <a:t>Third level</a:t>
+            </a:r>
+          </a:p>
+          <a:p>
+            <a:pPr lvl="3"/>
+            <a:r>
+              <a:rPr lang="en-US"/>
+              <a:t>Fourth level</a:t>
+            </a:r>
+          </a:p>
+          <a:p>
+            <a:pPr lvl="4"/>
+            <a:r>
+              <a:rPr lang="en-US"/>
+              <a:t>Fifth level</a:t>
+            </a:r>
+            <a:endParaRPr lang="en-US" dirty="0"/>
+          </a:p>
+        </p:txBody>
+      </p:sp>
+      <p:sp>
+        <p:nvSpPr>
+          <p:cNvPr id="5" name="Date Placeholder 4"/>
+          <p:cNvSpPr>
+            <a:spLocks noGrp="1"/>
+          </p:cNvSpPr>
+          <p:nvPr>
+            <p:ph type="dt" sz="half" idx="10"/>
+          </p:nvPr>
+        </p:nvSpPr>
+        <p:spPr/>
+        <p:txBody>
           <a:bodyPr/>
           <a:lstStyle/>
           <a:p>
-            <a:pPr lvl="0"/>
-            <a:r>
-              <a:rPr lang="en-US"/>
-              <a:t>Click to edit Master text styles</a:t>
-            </a:r>
-          </a:p>
-          <a:p>
-            <a:pPr lvl="1"/>
-            <a:r>
-              <a:rPr lang="en-US"/>
-              <a:t>Second level</a:t>
-            </a:r>
-          </a:p>
-          <a:p>
-            <a:pPr lvl="2"/>
-            <a:r>
-              <a:rPr lang="en-US"/>
-              <a:t>Third level</a:t>
-            </a:r>
-          </a:p>
-          <a:p>
-            <a:pPr lvl="3"/>
-            <a:r>
-              <a:rPr lang="en-US"/>
-              <a:t>Fourth level</a:t>
-            </a:r>
-          </a:p>
-          <a:p>
-            <a:pPr lvl="4"/>
-            <a:r>
-              <a:rPr lang="en-US"/>
-              <a:t>Fifth level</a:t>
-            </a:r>
-          </a:p>
-        </p:txBody>
-      </p:sp>
-      <p:sp>
-        <p:nvSpPr>
-          <p:cNvPr id="4" name="Content Placeholder 3">
-            <a:extLst>
-              <a:ext uri="{FF2B5EF4-FFF2-40B4-BE49-F238E27FC236}">
-                <a16:creationId xmlns:a16="http://schemas.microsoft.com/office/drawing/2014/main" id="{C6744095-A428-C401-7796-8452B7C44719}"/>
-              </a:ext>
-            </a:extLst>
-          </p:cNvPr>
-          <p:cNvSpPr>
-            <a:spLocks noGrp="1"/>
-          </p:cNvSpPr>
-          <p:nvPr>
-            <p:ph sz="half" idx="2"/>
-          </p:nvPr>
-        </p:nvSpPr>
-        <p:spPr>
-          <a:xfrm>
-            <a:off x="6172200" y="1825625"/>
-            <a:ext cx="5181600" cy="4351338"/>
-          </a:xfrm>
-        </p:spPr>
+            <a:fld id="{2D060E4B-25C9-43B4-B004-3763EB848424}" type="datetimeFigureOut">
+              <a:rPr lang="en-US" smtClean="0"/>
+              <a:t>3/6/2024</a:t>
+            </a:fld>
+            <a:endParaRPr lang="en-US"/>
+          </a:p>
+        </p:txBody>
+      </p:sp>
+      <p:sp>
+        <p:nvSpPr>
+          <p:cNvPr id="6" name="Footer Placeholder 5"/>
+          <p:cNvSpPr>
+            <a:spLocks noGrp="1"/>
+          </p:cNvSpPr>
+          <p:nvPr>
+            <p:ph type="ftr" sz="quarter" idx="11"/>
+          </p:nvPr>
+        </p:nvSpPr>
+        <p:spPr/>
         <p:txBody>
           <a:bodyPr/>
           <a:lstStyle/>
           <a:p>
-            <a:pPr lvl="0"/>
-            <a:r>
-              <a:rPr lang="en-US"/>
-              <a:t>Click to edit Master text styles</a:t>
-            </a:r>
-          </a:p>
-          <a:p>
-            <a:pPr lvl="1"/>
-            <a:r>
-              <a:rPr lang="en-US"/>
-              <a:t>Second level</a:t>
-            </a:r>
-          </a:p>
-          <a:p>
-            <a:pPr lvl="2"/>
-            <a:r>
-              <a:rPr lang="en-US"/>
-              <a:t>Third level</a:t>
-            </a:r>
-          </a:p>
-          <a:p>
-            <a:pPr lvl="3"/>
-            <a:r>
-              <a:rPr lang="en-US"/>
-              <a:t>Fourth level</a:t>
-            </a:r>
-          </a:p>
-          <a:p>
-            <a:pPr lvl="4"/>
-            <a:r>
-              <a:rPr lang="en-US"/>
-              <a:t>Fifth level</a:t>
-            </a:r>
-          </a:p>
-        </p:txBody>
-      </p:sp>
-      <p:sp>
-        <p:nvSpPr>
-          <p:cNvPr id="5" name="Date Placeholder 4">
-            <a:extLst>
-              <a:ext uri="{FF2B5EF4-FFF2-40B4-BE49-F238E27FC236}">
-                <a16:creationId xmlns:a16="http://schemas.microsoft.com/office/drawing/2014/main" id="{0659B9A6-3306-64E4-D471-70AA20D5D665}"/>
-              </a:ext>
-            </a:extLst>
-          </p:cNvPr>
-          <p:cNvSpPr>
-            <a:spLocks noGrp="1"/>
-          </p:cNvSpPr>
-          <p:nvPr>
-            <p:ph type="dt" sz="half" idx="10"/>
-          </p:nvPr>
-        </p:nvSpPr>
-        <p:spPr/>
-        <p:txBody>
-          <a:bodyPr/>
-          <a:lstStyle/>
-          <a:p>
-            <a:fld id="{2D060E4B-25C9-43B4-B004-3763EB848424}" type="datetimeFigureOut">
-              <a:rPr lang="en-US" smtClean="0"/>
-              <a:t>3/5/2024</a:t>
-            </a:fld>
             <a:endParaRPr lang="en-US"/>
           </a:p>
         </p:txBody>
       </p:sp>
       <p:sp>
         <p:nvSpPr>
-          <p:cNvPr id="6" name="Footer Placeholder 5">
-            <a:extLst>
-              <a:ext uri="{FF2B5EF4-FFF2-40B4-BE49-F238E27FC236}">
-                <a16:creationId xmlns:a16="http://schemas.microsoft.com/office/drawing/2014/main" id="{B968ED93-B151-CA70-D036-732779F30ABE}"/>
-              </a:ext>
-            </a:extLst>
-          </p:cNvPr>
-          <p:cNvSpPr>
-            <a:spLocks noGrp="1"/>
-          </p:cNvSpPr>
-          <p:nvPr>
-            <p:ph type="ftr" sz="quarter" idx="11"/>
-          </p:nvPr>
-        </p:nvSpPr>
-        <p:spPr/>
-        <p:txBody>
-          <a:bodyPr/>
-          <a:lstStyle/>
-          <a:p>
-            <a:endParaRPr lang="en-US"/>
-          </a:p>
-        </p:txBody>
-      </p:sp>
-      <p:sp>
-        <p:nvSpPr>
-          <p:cNvPr id="7" name="Slide Number Placeholder 6">
-            <a:extLst>
-              <a:ext uri="{FF2B5EF4-FFF2-40B4-BE49-F238E27FC236}">
-                <a16:creationId xmlns:a16="http://schemas.microsoft.com/office/drawing/2014/main" id="{A7A48A42-50E0-DF8E-2BE1-4049691A0915}"/>
-              </a:ext>
-            </a:extLst>
-          </p:cNvPr>
+          <p:cNvPr id="7" name="Slide Number Placeholder 6"/>
           <p:cNvSpPr>
             <a:spLocks noGrp="1"/>
           </p:cNvSpPr>
@@ -1467,7 +3980,7 @@
     </p:spTree>
     <p:extLst>
       <p:ext uri="{BB962C8B-B14F-4D97-AF65-F5344CB8AC3E}">
-        <p14:creationId xmlns:p14="http://schemas.microsoft.com/office/powerpoint/2010/main" val="3178182436"/>
+        <p14:creationId xmlns:p14="http://schemas.microsoft.com/office/powerpoint/2010/main" val="2698294591"/>
       </p:ext>
     </p:extLst>
   </p:cSld>
@@ -1496,65 +4009,62 @@
       </p:grpSpPr>
       <p:sp>
         <p:nvSpPr>
-          <p:cNvPr id="2" name="Title 1">
-            <a:extLst>
-              <a:ext uri="{FF2B5EF4-FFF2-40B4-BE49-F238E27FC236}">
-                <a16:creationId xmlns:a16="http://schemas.microsoft.com/office/drawing/2014/main" id="{BCB966C4-9131-88F9-2AEA-0949F4F54C12}"/>
-              </a:ext>
-            </a:extLst>
-          </p:cNvPr>
+          <p:cNvPr id="2" name="Title 1"/>
           <p:cNvSpPr>
             <a:spLocks noGrp="1"/>
           </p:cNvSpPr>
           <p:nvPr>
             <p:ph type="title"/>
+          </p:nvPr>
+        </p:nvSpPr>
+        <p:spPr/>
+        <p:txBody>
+          <a:bodyPr/>
+          <a:lstStyle>
+            <a:lvl1pPr>
+              <a:defRPr/>
+            </a:lvl1pPr>
+          </a:lstStyle>
+          <a:p>
+            <a:r>
+              <a:rPr lang="en-US"/>
+              <a:t>Click to edit Master title style</a:t>
+            </a:r>
+            <a:endParaRPr lang="en-US" dirty="0"/>
+          </a:p>
+        </p:txBody>
+      </p:sp>
+      <p:sp>
+        <p:nvSpPr>
+          <p:cNvPr id="3" name="Text Placeholder 2"/>
+          <p:cNvSpPr>
+            <a:spLocks noGrp="1"/>
+          </p:cNvSpPr>
+          <p:nvPr>
+            <p:ph type="body" idx="1"/>
           </p:nvPr>
         </p:nvSpPr>
         <p:spPr>
           <a:xfrm>
-            <a:off x="839788" y="365125"/>
-            <a:ext cx="10515600" cy="1325563"/>
+            <a:off x="1103313" y="1905000"/>
+            <a:ext cx="4396338" cy="576262"/>
           </a:xfrm>
         </p:spPr>
         <p:txBody>
-          <a:bodyPr/>
-          <a:lstStyle/>
-          <a:p>
-            <a:r>
-              <a:rPr lang="en-US"/>
-              <a:t>Click to edit Master title style</a:t>
-            </a:r>
-          </a:p>
-        </p:txBody>
-      </p:sp>
-      <p:sp>
-        <p:nvSpPr>
-          <p:cNvPr id="3" name="Text Placeholder 2">
-            <a:extLst>
-              <a:ext uri="{FF2B5EF4-FFF2-40B4-BE49-F238E27FC236}">
-                <a16:creationId xmlns:a16="http://schemas.microsoft.com/office/drawing/2014/main" id="{D501D232-5057-6B28-A096-4577C831D7AD}"/>
-              </a:ext>
-            </a:extLst>
-          </p:cNvPr>
-          <p:cNvSpPr>
-            <a:spLocks noGrp="1"/>
-          </p:cNvSpPr>
-          <p:nvPr>
-            <p:ph type="body" idx="1"/>
-          </p:nvPr>
-        </p:nvSpPr>
-        <p:spPr>
-          <a:xfrm>
-            <a:off x="839788" y="1681163"/>
-            <a:ext cx="5157787" cy="823912"/>
-          </a:xfrm>
-        </p:spPr>
-        <p:txBody>
-          <a:bodyPr anchor="b"/>
+          <a:bodyPr anchor="b">
+            <a:noAutofit/>
+          </a:bodyPr>
           <a:lstStyle>
             <a:lvl1pPr marL="0" indent="0">
               <a:buNone/>
-              <a:defRPr sz="2400" b="1"/>
+              <a:defRPr sz="2400" b="0">
+                <a:solidFill>
+                  <a:schemeClr val="bg2">
+                    <a:lumMod val="40000"/>
+                    <a:lumOff val="60000"/>
+                  </a:schemeClr>
+                </a:solidFill>
+              </a:defRPr>
             </a:lvl1pPr>
             <a:lvl2pPr marL="457200" indent="0">
               <a:buNone/>
@@ -1600,13 +4110,7 @@
       </p:sp>
       <p:sp>
         <p:nvSpPr>
-          <p:cNvPr id="4" name="Content Placeholder 3">
-            <a:extLst>
-              <a:ext uri="{FF2B5EF4-FFF2-40B4-BE49-F238E27FC236}">
-                <a16:creationId xmlns:a16="http://schemas.microsoft.com/office/drawing/2014/main" id="{6A388FEF-6439-E4D8-92CF-0168FCDFDECD}"/>
-              </a:ext>
-            </a:extLst>
-          </p:cNvPr>
+          <p:cNvPr id="4" name="Content Placeholder 3"/>
           <p:cNvSpPr>
             <a:spLocks noGrp="1"/>
           </p:cNvSpPr>
@@ -1616,13 +4120,43 @@
         </p:nvSpPr>
         <p:spPr>
           <a:xfrm>
-            <a:off x="839788" y="2505075"/>
-            <a:ext cx="5157787" cy="3684588"/>
+            <a:off x="1103312" y="2514600"/>
+            <a:ext cx="4396339" cy="3741738"/>
           </a:xfrm>
         </p:spPr>
         <p:txBody>
-          <a:bodyPr/>
-          <a:lstStyle/>
+          <a:bodyPr>
+            <a:normAutofit/>
+          </a:bodyPr>
+          <a:lstStyle>
+            <a:lvl1pPr>
+              <a:defRPr sz="1800"/>
+            </a:lvl1pPr>
+            <a:lvl2pPr>
+              <a:defRPr sz="1600"/>
+            </a:lvl2pPr>
+            <a:lvl3pPr>
+              <a:defRPr sz="1400"/>
+            </a:lvl3pPr>
+            <a:lvl4pPr>
+              <a:defRPr sz="1200"/>
+            </a:lvl4pPr>
+            <a:lvl5pPr>
+              <a:defRPr sz="1200"/>
+            </a:lvl5pPr>
+            <a:lvl6pPr>
+              <a:defRPr sz="1200"/>
+            </a:lvl6pPr>
+            <a:lvl7pPr>
+              <a:defRPr sz="1200"/>
+            </a:lvl7pPr>
+            <a:lvl8pPr>
+              <a:defRPr sz="1200"/>
+            </a:lvl8pPr>
+            <a:lvl9pPr>
+              <a:defRPr sz="1200"/>
+            </a:lvl9pPr>
+          </a:lstStyle>
           <a:p>
             <a:pPr lvl="0"/>
             <a:r>
@@ -1657,18 +4191,13 @@
               <a:rPr lang="en-US"/>
               <a:t>Fifth level</a:t>
             </a:r>
-          </a:p>
-        </p:txBody>
-      </p:sp>
-      <p:sp>
-        <p:nvSpPr>
-          <p:cNvPr id="5" name="Text Placeholder 4">
-            <a:extLst>
-              <a:ext uri="{FF2B5EF4-FFF2-40B4-BE49-F238E27FC236}">
-                <a16:creationId xmlns:a16="http://schemas.microsoft.com/office/drawing/2014/main" id="{5D0C91B1-4E90-6C7D-7038-14429582C275}"/>
-              </a:ext>
-            </a:extLst>
-          </p:cNvPr>
+            <a:endParaRPr lang="en-US" dirty="0"/>
+          </a:p>
+        </p:txBody>
+      </p:sp>
+      <p:sp>
+        <p:nvSpPr>
+          <p:cNvPr id="5" name="Text Placeholder 4"/>
           <p:cNvSpPr>
             <a:spLocks noGrp="1"/>
           </p:cNvSpPr>
@@ -1678,16 +4207,25 @@
         </p:nvSpPr>
         <p:spPr>
           <a:xfrm>
-            <a:off x="6172200" y="1681163"/>
-            <a:ext cx="5183188" cy="823912"/>
+            <a:off x="5654495" y="1905000"/>
+            <a:ext cx="4396339" cy="576262"/>
           </a:xfrm>
         </p:spPr>
         <p:txBody>
-          <a:bodyPr anchor="b"/>
+          <a:bodyPr anchor="b">
+            <a:noAutofit/>
+          </a:bodyPr>
           <a:lstStyle>
             <a:lvl1pPr marL="0" indent="0">
               <a:buNone/>
-              <a:defRPr sz="2400" b="1"/>
+              <a:defRPr sz="2400" b="0">
+                <a:solidFill>
+                  <a:schemeClr val="bg2">
+                    <a:lumMod val="40000"/>
+                    <a:lumOff val="60000"/>
+                  </a:schemeClr>
+                </a:solidFill>
+              </a:defRPr>
             </a:lvl1pPr>
             <a:lvl2pPr marL="457200" indent="0">
               <a:buNone/>
@@ -1733,13 +4271,7 @@
       </p:sp>
       <p:sp>
         <p:nvSpPr>
-          <p:cNvPr id="6" name="Content Placeholder 5">
-            <a:extLst>
-              <a:ext uri="{FF2B5EF4-FFF2-40B4-BE49-F238E27FC236}">
-                <a16:creationId xmlns:a16="http://schemas.microsoft.com/office/drawing/2014/main" id="{B14732C3-0D3B-8B35-CF70-7779652A208B}"/>
-              </a:ext>
-            </a:extLst>
-          </p:cNvPr>
+          <p:cNvPr id="6" name="Content Placeholder 5"/>
           <p:cNvSpPr>
             <a:spLocks noGrp="1"/>
           </p:cNvSpPr>
@@ -1749,64 +4281,112 @@
         </p:nvSpPr>
         <p:spPr>
           <a:xfrm>
-            <a:off x="6172200" y="2505075"/>
-            <a:ext cx="5183188" cy="3684588"/>
+            <a:off x="5654495" y="2514600"/>
+            <a:ext cx="4396339" cy="3741738"/>
           </a:xfrm>
         </p:spPr>
         <p:txBody>
+          <a:bodyPr>
+            <a:normAutofit/>
+          </a:bodyPr>
+          <a:lstStyle>
+            <a:lvl1pPr>
+              <a:defRPr sz="1800"/>
+            </a:lvl1pPr>
+            <a:lvl2pPr>
+              <a:defRPr sz="1600"/>
+            </a:lvl2pPr>
+            <a:lvl3pPr>
+              <a:defRPr sz="1400"/>
+            </a:lvl3pPr>
+            <a:lvl4pPr>
+              <a:defRPr sz="1200"/>
+            </a:lvl4pPr>
+            <a:lvl5pPr>
+              <a:defRPr sz="1200"/>
+            </a:lvl5pPr>
+            <a:lvl6pPr>
+              <a:defRPr sz="1200"/>
+            </a:lvl6pPr>
+            <a:lvl7pPr>
+              <a:defRPr sz="1200"/>
+            </a:lvl7pPr>
+            <a:lvl8pPr>
+              <a:defRPr sz="1200"/>
+            </a:lvl8pPr>
+            <a:lvl9pPr>
+              <a:defRPr sz="1200"/>
+            </a:lvl9pPr>
+          </a:lstStyle>
+          <a:p>
+            <a:pPr lvl="0"/>
+            <a:r>
+              <a:rPr lang="en-US"/>
+              <a:t>Click to edit Master text styles</a:t>
+            </a:r>
+          </a:p>
+          <a:p>
+            <a:pPr lvl="1"/>
+            <a:r>
+              <a:rPr lang="en-US"/>
+              <a:t>Second level</a:t>
+            </a:r>
+          </a:p>
+          <a:p>
+            <a:pPr lvl="2"/>
+            <a:r>
+              <a:rPr lang="en-US"/>
+              <a:t>Third level</a:t>
+            </a:r>
+          </a:p>
+          <a:p>
+            <a:pPr lvl="3"/>
+            <a:r>
+              <a:rPr lang="en-US"/>
+              <a:t>Fourth level</a:t>
+            </a:r>
+          </a:p>
+          <a:p>
+            <a:pPr lvl="4"/>
+            <a:r>
+              <a:rPr lang="en-US"/>
+              <a:t>Fifth level</a:t>
+            </a:r>
+            <a:endParaRPr lang="en-US" dirty="0"/>
+          </a:p>
+        </p:txBody>
+      </p:sp>
+      <p:sp>
+        <p:nvSpPr>
+          <p:cNvPr id="7" name="Date Placeholder 6"/>
+          <p:cNvSpPr>
+            <a:spLocks noGrp="1"/>
+          </p:cNvSpPr>
+          <p:nvPr>
+            <p:ph type="dt" sz="half" idx="10"/>
+          </p:nvPr>
+        </p:nvSpPr>
+        <p:spPr/>
+        <p:txBody>
           <a:bodyPr/>
           <a:lstStyle/>
           <a:p>
-            <a:pPr lvl="0"/>
-            <a:r>
-              <a:rPr lang="en-US"/>
-              <a:t>Click to edit Master text styles</a:t>
-            </a:r>
-          </a:p>
-          <a:p>
-            <a:pPr lvl="1"/>
-            <a:r>
-              <a:rPr lang="en-US"/>
-              <a:t>Second level</a:t>
-            </a:r>
-          </a:p>
-          <a:p>
-            <a:pPr lvl="2"/>
-            <a:r>
-              <a:rPr lang="en-US"/>
-              <a:t>Third level</a:t>
-            </a:r>
-          </a:p>
-          <a:p>
-            <a:pPr lvl="3"/>
-            <a:r>
-              <a:rPr lang="en-US"/>
-              <a:t>Fourth level</a:t>
-            </a:r>
-          </a:p>
-          <a:p>
-            <a:pPr lvl="4"/>
-            <a:r>
-              <a:rPr lang="en-US"/>
-              <a:t>Fifth level</a:t>
-            </a:r>
-          </a:p>
-        </p:txBody>
-      </p:sp>
-      <p:sp>
-        <p:nvSpPr>
-          <p:cNvPr id="7" name="Date Placeholder 6">
-            <a:extLst>
-              <a:ext uri="{FF2B5EF4-FFF2-40B4-BE49-F238E27FC236}">
-                <a16:creationId xmlns:a16="http://schemas.microsoft.com/office/drawing/2014/main" id="{82C8A8F7-E62F-01B5-0870-71DBB6576C55}"/>
-              </a:ext>
-            </a:extLst>
-          </p:cNvPr>
-          <p:cNvSpPr>
-            <a:spLocks noGrp="1"/>
-          </p:cNvSpPr>
-          <p:nvPr>
-            <p:ph type="dt" sz="half" idx="10"/>
+            <a:fld id="{2D060E4B-25C9-43B4-B004-3763EB848424}" type="datetimeFigureOut">
+              <a:rPr lang="en-US" smtClean="0"/>
+              <a:t>3/6/2024</a:t>
+            </a:fld>
+            <a:endParaRPr lang="en-US"/>
+          </a:p>
+        </p:txBody>
+      </p:sp>
+      <p:sp>
+        <p:nvSpPr>
+          <p:cNvPr id="8" name="Footer Placeholder 7"/>
+          <p:cNvSpPr>
+            <a:spLocks noGrp="1"/>
+          </p:cNvSpPr>
+          <p:nvPr>
+            <p:ph type="ftr" sz="quarter" idx="11"/>
           </p:nvPr>
         </p:nvSpPr>
         <p:spPr/>
@@ -1814,48 +4394,13 @@
           <a:bodyPr/>
           <a:lstStyle/>
           <a:p>
-            <a:fld id="{2D060E4B-25C9-43B4-B004-3763EB848424}" type="datetimeFigureOut">
-              <a:rPr lang="en-US" smtClean="0"/>
-              <a:t>3/5/2024</a:t>
-            </a:fld>
             <a:endParaRPr lang="en-US"/>
           </a:p>
         </p:txBody>
       </p:sp>
       <p:sp>
         <p:nvSpPr>
-          <p:cNvPr id="8" name="Footer Placeholder 7">
-            <a:extLst>
-              <a:ext uri="{FF2B5EF4-FFF2-40B4-BE49-F238E27FC236}">
-                <a16:creationId xmlns:a16="http://schemas.microsoft.com/office/drawing/2014/main" id="{D5809A46-D8D5-D61D-A820-CE5BB357D9FC}"/>
-              </a:ext>
-            </a:extLst>
-          </p:cNvPr>
-          <p:cNvSpPr>
-            <a:spLocks noGrp="1"/>
-          </p:cNvSpPr>
-          <p:nvPr>
-            <p:ph type="ftr" sz="quarter" idx="11"/>
-          </p:nvPr>
-        </p:nvSpPr>
-        <p:spPr/>
-        <p:txBody>
-          <a:bodyPr/>
-          <a:lstStyle/>
-          <a:p>
-            <a:endParaRPr lang="en-US"/>
-          </a:p>
-        </p:txBody>
-      </p:sp>
-      <p:sp>
-        <p:nvSpPr>
-          <p:cNvPr id="9" name="Slide Number Placeholder 8">
-            <a:extLst>
-              <a:ext uri="{FF2B5EF4-FFF2-40B4-BE49-F238E27FC236}">
-                <a16:creationId xmlns:a16="http://schemas.microsoft.com/office/drawing/2014/main" id="{8085BCDB-73C1-5C88-3510-365260109A13}"/>
-              </a:ext>
-            </a:extLst>
-          </p:cNvPr>
+          <p:cNvPr id="9" name="Slide Number Placeholder 8"/>
           <p:cNvSpPr>
             <a:spLocks noGrp="1"/>
           </p:cNvSpPr>
@@ -1879,7 +4424,7 @@
     </p:spTree>
     <p:extLst>
       <p:ext uri="{BB962C8B-B14F-4D97-AF65-F5344CB8AC3E}">
-        <p14:creationId xmlns:p14="http://schemas.microsoft.com/office/powerpoint/2010/main" val="2450287948"/>
+        <p14:creationId xmlns:p14="http://schemas.microsoft.com/office/powerpoint/2010/main" val="342109360"/>
       </p:ext>
     </p:extLst>
   </p:cSld>
@@ -1908,13 +4453,7 @@
       </p:grpSpPr>
       <p:sp>
         <p:nvSpPr>
-          <p:cNvPr id="2" name="Title 1">
-            <a:extLst>
-              <a:ext uri="{FF2B5EF4-FFF2-40B4-BE49-F238E27FC236}">
-                <a16:creationId xmlns:a16="http://schemas.microsoft.com/office/drawing/2014/main" id="{2C0B0932-2FEA-01B8-642F-20BBCD1CB422}"/>
-              </a:ext>
-            </a:extLst>
-          </p:cNvPr>
+          <p:cNvPr id="2" name="Title 1"/>
           <p:cNvSpPr>
             <a:spLocks noGrp="1"/>
           </p:cNvSpPr>
@@ -1931,18 +4470,13 @@
               <a:rPr lang="en-US"/>
               <a:t>Click to edit Master title style</a:t>
             </a:r>
-          </a:p>
-        </p:txBody>
-      </p:sp>
-      <p:sp>
-        <p:nvSpPr>
-          <p:cNvPr id="3" name="Date Placeholder 2">
-            <a:extLst>
-              <a:ext uri="{FF2B5EF4-FFF2-40B4-BE49-F238E27FC236}">
-                <a16:creationId xmlns:a16="http://schemas.microsoft.com/office/drawing/2014/main" id="{2381EDE0-75FB-4176-34FB-E780A7E74475}"/>
-              </a:ext>
-            </a:extLst>
-          </p:cNvPr>
+            <a:endParaRPr lang="en-US" dirty="0"/>
+          </a:p>
+        </p:txBody>
+      </p:sp>
+      <p:sp>
+        <p:nvSpPr>
+          <p:cNvPr id="7" name="Date Placeholder 2"/>
           <p:cNvSpPr>
             <a:spLocks noGrp="1"/>
           </p:cNvSpPr>
@@ -1957,7 +4491,7 @@
           <a:p>
             <a:fld id="{2D060E4B-25C9-43B4-B004-3763EB848424}" type="datetimeFigureOut">
               <a:rPr lang="en-US" smtClean="0"/>
-              <a:t>3/5/2024</a:t>
+              <a:t>3/6/2024</a:t>
             </a:fld>
             <a:endParaRPr lang="en-US"/>
           </a:p>
@@ -1965,13 +4499,7 @@
       </p:sp>
       <p:sp>
         <p:nvSpPr>
-          <p:cNvPr id="4" name="Footer Placeholder 3">
-            <a:extLst>
-              <a:ext uri="{FF2B5EF4-FFF2-40B4-BE49-F238E27FC236}">
-                <a16:creationId xmlns:a16="http://schemas.microsoft.com/office/drawing/2014/main" id="{9CA7E107-C928-5DE6-D7BC-27481313BE35}"/>
-              </a:ext>
-            </a:extLst>
-          </p:cNvPr>
+          <p:cNvPr id="5" name="Footer Placeholder 3"/>
           <p:cNvSpPr>
             <a:spLocks noGrp="1"/>
           </p:cNvSpPr>
@@ -1990,13 +4518,7 @@
       </p:sp>
       <p:sp>
         <p:nvSpPr>
-          <p:cNvPr id="5" name="Slide Number Placeholder 4">
-            <a:extLst>
-              <a:ext uri="{FF2B5EF4-FFF2-40B4-BE49-F238E27FC236}">
-                <a16:creationId xmlns:a16="http://schemas.microsoft.com/office/drawing/2014/main" id="{AA782EB6-6D92-2483-7E03-96EC1371116A}"/>
-              </a:ext>
-            </a:extLst>
-          </p:cNvPr>
+          <p:cNvPr id="6" name="Slide Number Placeholder 4"/>
           <p:cNvSpPr>
             <a:spLocks noGrp="1"/>
           </p:cNvSpPr>
@@ -2020,7 +4542,7 @@
     </p:spTree>
     <p:extLst>
       <p:ext uri="{BB962C8B-B14F-4D97-AF65-F5344CB8AC3E}">
-        <p14:creationId xmlns:p14="http://schemas.microsoft.com/office/powerpoint/2010/main" val="1611307870"/>
+        <p14:creationId xmlns:p14="http://schemas.microsoft.com/office/powerpoint/2010/main" val="1667168491"/>
       </p:ext>
     </p:extLst>
   </p:cSld>
@@ -2049,13 +4571,7 @@
       </p:grpSpPr>
       <p:sp>
         <p:nvSpPr>
-          <p:cNvPr id="2" name="Date Placeholder 1">
-            <a:extLst>
-              <a:ext uri="{FF2B5EF4-FFF2-40B4-BE49-F238E27FC236}">
-                <a16:creationId xmlns:a16="http://schemas.microsoft.com/office/drawing/2014/main" id="{A8D3CD6B-2978-760F-4DB3-09743820D736}"/>
-              </a:ext>
-            </a:extLst>
-          </p:cNvPr>
+          <p:cNvPr id="7" name="Date Placeholder 1"/>
           <p:cNvSpPr>
             <a:spLocks noGrp="1"/>
           </p:cNvSpPr>
@@ -2070,7 +4586,7 @@
           <a:p>
             <a:fld id="{2D060E4B-25C9-43B4-B004-3763EB848424}" type="datetimeFigureOut">
               <a:rPr lang="en-US" smtClean="0"/>
-              <a:t>3/5/2024</a:t>
+              <a:t>3/6/2024</a:t>
             </a:fld>
             <a:endParaRPr lang="en-US"/>
           </a:p>
@@ -2078,13 +4594,7 @@
       </p:sp>
       <p:sp>
         <p:nvSpPr>
-          <p:cNvPr id="3" name="Footer Placeholder 2">
-            <a:extLst>
-              <a:ext uri="{FF2B5EF4-FFF2-40B4-BE49-F238E27FC236}">
-                <a16:creationId xmlns:a16="http://schemas.microsoft.com/office/drawing/2014/main" id="{53154626-4EAF-E367-9E9D-4BFC8C4AB7D9}"/>
-              </a:ext>
-            </a:extLst>
-          </p:cNvPr>
+          <p:cNvPr id="5" name="Footer Placeholder 2"/>
           <p:cNvSpPr>
             <a:spLocks noGrp="1"/>
           </p:cNvSpPr>
@@ -2103,13 +4613,7 @@
       </p:sp>
       <p:sp>
         <p:nvSpPr>
-          <p:cNvPr id="4" name="Slide Number Placeholder 3">
-            <a:extLst>
-              <a:ext uri="{FF2B5EF4-FFF2-40B4-BE49-F238E27FC236}">
-                <a16:creationId xmlns:a16="http://schemas.microsoft.com/office/drawing/2014/main" id="{EF0FB724-E7C6-3573-1453-668BED638A2E}"/>
-              </a:ext>
-            </a:extLst>
-          </p:cNvPr>
+          <p:cNvPr id="6" name="Slide Number Placeholder 3"/>
           <p:cNvSpPr>
             <a:spLocks noGrp="1"/>
           </p:cNvSpPr>
@@ -2133,7 +4637,7 @@
     </p:spTree>
     <p:extLst>
       <p:ext uri="{BB962C8B-B14F-4D97-AF65-F5344CB8AC3E}">
-        <p14:creationId xmlns:p14="http://schemas.microsoft.com/office/powerpoint/2010/main" val="2668453295"/>
+        <p14:creationId xmlns:p14="http://schemas.microsoft.com/office/powerpoint/2010/main" val="3976034361"/>
       </p:ext>
     </p:extLst>
   </p:cSld>
@@ -2162,13 +4666,7 @@
       </p:grpSpPr>
       <p:sp>
         <p:nvSpPr>
-          <p:cNvPr id="2" name="Title 1">
-            <a:extLst>
-              <a:ext uri="{FF2B5EF4-FFF2-40B4-BE49-F238E27FC236}">
-                <a16:creationId xmlns:a16="http://schemas.microsoft.com/office/drawing/2014/main" id="{BFB2A243-5C9C-F128-2312-29D6C8D1658D}"/>
-              </a:ext>
-            </a:extLst>
-          </p:cNvPr>
+          <p:cNvPr id="2" name="Title 1"/>
           <p:cNvSpPr>
             <a:spLocks noGrp="1"/>
           </p:cNvSpPr>
@@ -2178,15 +4676,15 @@
         </p:nvSpPr>
         <p:spPr>
           <a:xfrm>
-            <a:off x="839788" y="457200"/>
-            <a:ext cx="3932237" cy="1600200"/>
+            <a:off x="1154953" y="1447800"/>
+            <a:ext cx="3401064" cy="1447800"/>
           </a:xfrm>
         </p:spPr>
         <p:txBody>
           <a:bodyPr anchor="b"/>
           <a:lstStyle>
-            <a:lvl1pPr>
-              <a:defRPr sz="3200"/>
+            <a:lvl1pPr algn="l">
+              <a:defRPr sz="2400" b="0"/>
             </a:lvl1pPr>
           </a:lstStyle>
           <a:p>
@@ -2194,18 +4692,13 @@
               <a:rPr lang="en-US"/>
               <a:t>Click to edit Master title style</a:t>
             </a:r>
-          </a:p>
-        </p:txBody>
-      </p:sp>
-      <p:sp>
-        <p:nvSpPr>
-          <p:cNvPr id="3" name="Content Placeholder 2">
-            <a:extLst>
-              <a:ext uri="{FF2B5EF4-FFF2-40B4-BE49-F238E27FC236}">
-                <a16:creationId xmlns:a16="http://schemas.microsoft.com/office/drawing/2014/main" id="{355C67BC-F316-ADB7-1402-16E1C17668F1}"/>
-              </a:ext>
-            </a:extLst>
-          </p:cNvPr>
+            <a:endParaRPr lang="en-US" dirty="0"/>
+          </a:p>
+        </p:txBody>
+      </p:sp>
+      <p:sp>
+        <p:nvSpPr>
+          <p:cNvPr id="3" name="Content Placeholder 2"/>
           <p:cNvSpPr>
             <a:spLocks noGrp="1"/>
           </p:cNvSpPr>
@@ -2215,39 +4708,41 @@
         </p:nvSpPr>
         <p:spPr>
           <a:xfrm>
-            <a:off x="5183188" y="987425"/>
-            <a:ext cx="6172200" cy="4873625"/>
+            <a:off x="4784616" y="1447800"/>
+            <a:ext cx="5195997" cy="4572000"/>
           </a:xfrm>
         </p:spPr>
         <p:txBody>
-          <a:bodyPr/>
+          <a:bodyPr anchor="ctr">
+            <a:normAutofit/>
+          </a:bodyPr>
           <a:lstStyle>
             <a:lvl1pPr>
-              <a:defRPr sz="3200"/>
+              <a:defRPr sz="2000"/>
             </a:lvl1pPr>
             <a:lvl2pPr>
-              <a:defRPr sz="2800"/>
+              <a:defRPr sz="1800"/>
             </a:lvl2pPr>
             <a:lvl3pPr>
-              <a:defRPr sz="2400"/>
+              <a:defRPr sz="1600"/>
             </a:lvl3pPr>
             <a:lvl4pPr>
-              <a:defRPr sz="2000"/>
+              <a:defRPr sz="1400"/>
             </a:lvl4pPr>
             <a:lvl5pPr>
-              <a:defRPr sz="2000"/>
+              <a:defRPr sz="1400"/>
             </a:lvl5pPr>
             <a:lvl6pPr>
-              <a:defRPr sz="2000"/>
+              <a:defRPr sz="1400"/>
             </a:lvl6pPr>
             <a:lvl7pPr>
-              <a:defRPr sz="2000"/>
+              <a:defRPr sz="1400"/>
             </a:lvl7pPr>
             <a:lvl8pPr>
-              <a:defRPr sz="2000"/>
+              <a:defRPr sz="1400"/>
             </a:lvl8pPr>
             <a:lvl9pPr>
-              <a:defRPr sz="2000"/>
+              <a:defRPr sz="1400"/>
             </a:lvl9pPr>
           </a:lstStyle>
           <a:p>
@@ -2284,18 +4779,13 @@
               <a:rPr lang="en-US"/>
               <a:t>Fifth level</a:t>
             </a:r>
-          </a:p>
-        </p:txBody>
-      </p:sp>
-      <p:sp>
-        <p:nvSpPr>
-          <p:cNvPr id="4" name="Text Placeholder 3">
-            <a:extLst>
-              <a:ext uri="{FF2B5EF4-FFF2-40B4-BE49-F238E27FC236}">
-                <a16:creationId xmlns:a16="http://schemas.microsoft.com/office/drawing/2014/main" id="{348AB83B-5FC4-FE61-E2C5-5323A7A0D2E0}"/>
-              </a:ext>
-            </a:extLst>
-          </p:cNvPr>
+            <a:endParaRPr lang="en-US" dirty="0"/>
+          </a:p>
+        </p:txBody>
+      </p:sp>
+      <p:sp>
+        <p:nvSpPr>
+          <p:cNvPr id="4" name="Text Placeholder 3"/>
           <p:cNvSpPr>
             <a:spLocks noGrp="1"/>
           </p:cNvSpPr>
@@ -2305,8 +4795,8 @@
         </p:nvSpPr>
         <p:spPr>
           <a:xfrm>
-            <a:off x="839788" y="2057400"/>
-            <a:ext cx="3932237" cy="3811588"/>
+            <a:off x="1154953" y="3129280"/>
+            <a:ext cx="3401063" cy="2895599"/>
           </a:xfrm>
         </p:spPr>
         <p:txBody>
@@ -2314,39 +4804,39 @@
           <a:lstStyle>
             <a:lvl1pPr marL="0" indent="0">
               <a:buNone/>
-              <a:defRPr sz="1600"/>
+              <a:defRPr sz="1400"/>
             </a:lvl1pPr>
             <a:lvl2pPr marL="457200" indent="0">
               <a:buNone/>
-              <a:defRPr sz="1400"/>
+              <a:defRPr sz="1200"/>
             </a:lvl2pPr>
             <a:lvl3pPr marL="914400" indent="0">
               <a:buNone/>
-              <a:defRPr sz="1200"/>
+              <a:defRPr sz="1000"/>
             </a:lvl3pPr>
             <a:lvl4pPr marL="1371600" indent="0">
               <a:buNone/>
-              <a:defRPr sz="1000"/>
+              <a:defRPr sz="900"/>
             </a:lvl4pPr>
             <a:lvl5pPr marL="1828800" indent="0">
               <a:buNone/>
-              <a:defRPr sz="1000"/>
+              <a:defRPr sz="900"/>
             </a:lvl5pPr>
             <a:lvl6pPr marL="2286000" indent="0">
               <a:buNone/>
-              <a:defRPr sz="1000"/>
+              <a:defRPr sz="900"/>
             </a:lvl6pPr>
             <a:lvl7pPr marL="2743200" indent="0">
               <a:buNone/>
-              <a:defRPr sz="1000"/>
+              <a:defRPr sz="900"/>
             </a:lvl7pPr>
             <a:lvl8pPr marL="3200400" indent="0">
               <a:buNone/>
-              <a:defRPr sz="1000"/>
+              <a:defRPr sz="900"/>
             </a:lvl8pPr>
             <a:lvl9pPr marL="3657600" indent="0">
               <a:buNone/>
-              <a:defRPr sz="1000"/>
+              <a:defRPr sz="900"/>
             </a:lvl9pPr>
           </a:lstStyle>
           <a:p>
@@ -2360,13 +4850,7 @@
       </p:sp>
       <p:sp>
         <p:nvSpPr>
-          <p:cNvPr id="5" name="Date Placeholder 4">
-            <a:extLst>
-              <a:ext uri="{FF2B5EF4-FFF2-40B4-BE49-F238E27FC236}">
-                <a16:creationId xmlns:a16="http://schemas.microsoft.com/office/drawing/2014/main" id="{DB7D063C-AEE0-20BD-3A64-EE226BC619F7}"/>
-              </a:ext>
-            </a:extLst>
-          </p:cNvPr>
+          <p:cNvPr id="7" name="Date Placeholder 4"/>
           <p:cNvSpPr>
             <a:spLocks noGrp="1"/>
           </p:cNvSpPr>
@@ -2381,7 +4865,7 @@
           <a:p>
             <a:fld id="{2D060E4B-25C9-43B4-B004-3763EB848424}" type="datetimeFigureOut">
               <a:rPr lang="en-US" smtClean="0"/>
-              <a:t>3/5/2024</a:t>
+              <a:t>3/6/2024</a:t>
             </a:fld>
             <a:endParaRPr lang="en-US"/>
           </a:p>
@@ -2389,13 +4873,7 @@
       </p:sp>
       <p:sp>
         <p:nvSpPr>
-          <p:cNvPr id="6" name="Footer Placeholder 5">
-            <a:extLst>
-              <a:ext uri="{FF2B5EF4-FFF2-40B4-BE49-F238E27FC236}">
-                <a16:creationId xmlns:a16="http://schemas.microsoft.com/office/drawing/2014/main" id="{6C977F67-5149-C8C1-8EBE-7A6CF2564D4E}"/>
-              </a:ext>
-            </a:extLst>
-          </p:cNvPr>
+          <p:cNvPr id="5" name="Footer Placeholder 5"/>
           <p:cNvSpPr>
             <a:spLocks noGrp="1"/>
           </p:cNvSpPr>
@@ -2414,13 +4892,7 @@
       </p:sp>
       <p:sp>
         <p:nvSpPr>
-          <p:cNvPr id="7" name="Slide Number Placeholder 6">
-            <a:extLst>
-              <a:ext uri="{FF2B5EF4-FFF2-40B4-BE49-F238E27FC236}">
-                <a16:creationId xmlns:a16="http://schemas.microsoft.com/office/drawing/2014/main" id="{B796E407-BE11-1669-E7DD-793969668ABC}"/>
-              </a:ext>
-            </a:extLst>
-          </p:cNvPr>
+          <p:cNvPr id="6" name="Slide Number Placeholder 6"/>
           <p:cNvSpPr>
             <a:spLocks noGrp="1"/>
           </p:cNvSpPr>
@@ -2444,7 +4916,7 @@
     </p:spTree>
     <p:extLst>
       <p:ext uri="{BB962C8B-B14F-4D97-AF65-F5344CB8AC3E}">
-        <p14:creationId xmlns:p14="http://schemas.microsoft.com/office/powerpoint/2010/main" val="2008044240"/>
+        <p14:creationId xmlns:p14="http://schemas.microsoft.com/office/powerpoint/2010/main" val="946376363"/>
       </p:ext>
     </p:extLst>
   </p:cSld>
@@ -2473,13 +4945,7 @@
       </p:grpSpPr>
       <p:sp>
         <p:nvSpPr>
-          <p:cNvPr id="2" name="Title 1">
-            <a:extLst>
-              <a:ext uri="{FF2B5EF4-FFF2-40B4-BE49-F238E27FC236}">
-                <a16:creationId xmlns:a16="http://schemas.microsoft.com/office/drawing/2014/main" id="{48F71840-A4F0-9DC9-510C-A89B0E6B2752}"/>
-              </a:ext>
-            </a:extLst>
-          </p:cNvPr>
+          <p:cNvPr id="2" name="Title 1"/>
           <p:cNvSpPr>
             <a:spLocks noGrp="1"/>
           </p:cNvSpPr>
@@ -2489,15 +4955,17 @@
         </p:nvSpPr>
         <p:spPr>
           <a:xfrm>
-            <a:off x="839788" y="457200"/>
-            <a:ext cx="3932237" cy="1600200"/>
+            <a:off x="1153907" y="1854192"/>
+            <a:ext cx="5092906" cy="1574808"/>
           </a:xfrm>
         </p:spPr>
         <p:txBody>
-          <a:bodyPr anchor="b"/>
+          <a:bodyPr anchor="b">
+            <a:normAutofit/>
+          </a:bodyPr>
           <a:lstStyle>
-            <a:lvl1pPr>
-              <a:defRPr sz="3200"/>
+            <a:lvl1pPr algn="l">
+              <a:defRPr sz="3600" b="0"/>
             </a:lvl1pPr>
           </a:lstStyle>
           <a:p>
@@ -2505,20 +4973,15 @@
               <a:rPr lang="en-US"/>
               <a:t>Click to edit Master title style</a:t>
             </a:r>
-          </a:p>
-        </p:txBody>
-      </p:sp>
-      <p:sp>
-        <p:nvSpPr>
-          <p:cNvPr id="3" name="Picture Placeholder 2">
-            <a:extLst>
-              <a:ext uri="{FF2B5EF4-FFF2-40B4-BE49-F238E27FC236}">
-                <a16:creationId xmlns:a16="http://schemas.microsoft.com/office/drawing/2014/main" id="{C7475CE7-46BB-B783-4985-ECB85D2B8B10}"/>
-              </a:ext>
-            </a:extLst>
-          </p:cNvPr>
-          <p:cNvSpPr>
-            <a:spLocks noGrp="1"/>
+            <a:endParaRPr lang="en-US" dirty="0"/>
+          </a:p>
+        </p:txBody>
+      </p:sp>
+      <p:sp>
+        <p:nvSpPr>
+          <p:cNvPr id="3" name="Picture Placeholder 2"/>
+          <p:cNvSpPr>
+            <a:spLocks noGrp="1" noChangeAspect="1"/>
           </p:cNvSpPr>
           <p:nvPr>
             <p:ph type="pic" idx="1"/>
@@ -2526,118 +4989,132 @@
         </p:nvSpPr>
         <p:spPr>
           <a:xfrm>
-            <a:off x="5183188" y="987425"/>
-            <a:ext cx="6172200" cy="4873625"/>
+            <a:off x="6949546" y="1143000"/>
+            <a:ext cx="3200400" cy="4572000"/>
           </a:xfrm>
+          <a:prstGeom prst="roundRect">
+            <a:avLst>
+              <a:gd name="adj" fmla="val 1858"/>
+            </a:avLst>
+          </a:prstGeom>
+          <a:effectLst>
+            <a:outerShdw blurRad="50800" dist="50800" dir="5400000" algn="tl" rotWithShape="0">
+              <a:srgbClr val="000000">
+                <a:alpha val="43000"/>
+              </a:srgbClr>
+            </a:outerShdw>
+          </a:effectLst>
         </p:spPr>
         <p:txBody>
-          <a:bodyPr/>
+          <a:bodyPr anchor="t">
+            <a:normAutofit/>
+          </a:bodyPr>
           <a:lstStyle>
-            <a:lvl1pPr marL="0" indent="0">
-              <a:buNone/>
-              <a:defRPr sz="3200"/>
-            </a:lvl1pPr>
-            <a:lvl2pPr marL="457200" indent="0">
-              <a:buNone/>
-              <a:defRPr sz="2800"/>
-            </a:lvl2pPr>
-            <a:lvl3pPr marL="914400" indent="0">
-              <a:buNone/>
-              <a:defRPr sz="2400"/>
-            </a:lvl3pPr>
-            <a:lvl4pPr marL="1371600" indent="0">
-              <a:buNone/>
-              <a:defRPr sz="2000"/>
-            </a:lvl4pPr>
-            <a:lvl5pPr marL="1828800" indent="0">
-              <a:buNone/>
-              <a:defRPr sz="2000"/>
-            </a:lvl5pPr>
-            <a:lvl6pPr marL="2286000" indent="0">
-              <a:buNone/>
-              <a:defRPr sz="2000"/>
-            </a:lvl6pPr>
-            <a:lvl7pPr marL="2743200" indent="0">
-              <a:buNone/>
-              <a:defRPr sz="2000"/>
-            </a:lvl7pPr>
-            <a:lvl8pPr marL="3200400" indent="0">
-              <a:buNone/>
-              <a:defRPr sz="2000"/>
-            </a:lvl8pPr>
-            <a:lvl9pPr marL="3657600" indent="0">
-              <a:buNone/>
-              <a:defRPr sz="2000"/>
-            </a:lvl9pPr>
-          </a:lstStyle>
-          <a:p>
-            <a:endParaRPr lang="en-US"/>
-          </a:p>
-        </p:txBody>
-      </p:sp>
-      <p:sp>
-        <p:nvSpPr>
-          <p:cNvPr id="4" name="Text Placeholder 3">
-            <a:extLst>
-              <a:ext uri="{FF2B5EF4-FFF2-40B4-BE49-F238E27FC236}">
-                <a16:creationId xmlns:a16="http://schemas.microsoft.com/office/drawing/2014/main" id="{D4E24BD2-C712-F0D7-BB79-0BC40A0FA8AE}"/>
-              </a:ext>
-            </a:extLst>
-          </p:cNvPr>
-          <p:cNvSpPr>
-            <a:spLocks noGrp="1"/>
-          </p:cNvSpPr>
-          <p:nvPr>
-            <p:ph type="body" sz="half" idx="2"/>
-          </p:nvPr>
-        </p:nvSpPr>
-        <p:spPr>
-          <a:xfrm>
-            <a:off x="839788" y="2057400"/>
-            <a:ext cx="3932237" cy="3811588"/>
-          </a:xfrm>
-        </p:spPr>
-        <p:txBody>
-          <a:bodyPr/>
-          <a:lstStyle>
-            <a:lvl1pPr marL="0" indent="0">
+            <a:lvl1pPr marL="0" indent="0" algn="ctr">
               <a:buNone/>
               <a:defRPr sz="1600"/>
             </a:lvl1pPr>
             <a:lvl2pPr marL="457200" indent="0">
               <a:buNone/>
-              <a:defRPr sz="1400"/>
+              <a:defRPr sz="1600"/>
             </a:lvl2pPr>
             <a:lvl3pPr marL="914400" indent="0">
               <a:buNone/>
-              <a:defRPr sz="1200"/>
+              <a:defRPr sz="1600"/>
             </a:lvl3pPr>
             <a:lvl4pPr marL="1371600" indent="0">
               <a:buNone/>
-              <a:defRPr sz="1000"/>
+              <a:defRPr sz="1600"/>
             </a:lvl4pPr>
             <a:lvl5pPr marL="1828800" indent="0">
               <a:buNone/>
-              <a:defRPr sz="1000"/>
+              <a:defRPr sz="1600"/>
             </a:lvl5pPr>
             <a:lvl6pPr marL="2286000" indent="0">
               <a:buNone/>
-              <a:defRPr sz="1000"/>
+              <a:defRPr sz="1600"/>
             </a:lvl6pPr>
             <a:lvl7pPr marL="2743200" indent="0">
               <a:buNone/>
-              <a:defRPr sz="1000"/>
+              <a:defRPr sz="1600"/>
             </a:lvl7pPr>
             <a:lvl8pPr marL="3200400" indent="0">
               <a:buNone/>
-              <a:defRPr sz="1000"/>
+              <a:defRPr sz="1600"/>
             </a:lvl8pPr>
             <a:lvl9pPr marL="3657600" indent="0">
               <a:buNone/>
-              <a:defRPr sz="1000"/>
+              <a:defRPr sz="1600"/>
             </a:lvl9pPr>
           </a:lstStyle>
           <a:p>
+            <a:r>
+              <a:rPr lang="en-US"/>
+              <a:t>Click icon to add picture</a:t>
+            </a:r>
+            <a:endParaRPr lang="en-US" dirty="0"/>
+          </a:p>
+        </p:txBody>
+      </p:sp>
+      <p:sp>
+        <p:nvSpPr>
+          <p:cNvPr id="4" name="Text Placeholder 3"/>
+          <p:cNvSpPr>
+            <a:spLocks noGrp="1"/>
+          </p:cNvSpPr>
+          <p:nvPr>
+            <p:ph type="body" sz="half" idx="2"/>
+          </p:nvPr>
+        </p:nvSpPr>
+        <p:spPr>
+          <a:xfrm>
+            <a:off x="1154954" y="3657600"/>
+            <a:ext cx="5084979" cy="1371600"/>
+          </a:xfrm>
+        </p:spPr>
+        <p:txBody>
+          <a:bodyPr>
+            <a:normAutofit/>
+          </a:bodyPr>
+          <a:lstStyle>
+            <a:lvl1pPr marL="0" indent="0">
+              <a:buNone/>
+              <a:defRPr sz="1400"/>
+            </a:lvl1pPr>
+            <a:lvl2pPr marL="457200" indent="0">
+              <a:buNone/>
+              <a:defRPr sz="1200"/>
+            </a:lvl2pPr>
+            <a:lvl3pPr marL="914400" indent="0">
+              <a:buNone/>
+              <a:defRPr sz="1000"/>
+            </a:lvl3pPr>
+            <a:lvl4pPr marL="1371600" indent="0">
+              <a:buNone/>
+              <a:defRPr sz="900"/>
+            </a:lvl4pPr>
+            <a:lvl5pPr marL="1828800" indent="0">
+              <a:buNone/>
+              <a:defRPr sz="900"/>
+            </a:lvl5pPr>
+            <a:lvl6pPr marL="2286000" indent="0">
+              <a:buNone/>
+              <a:defRPr sz="900"/>
+            </a:lvl6pPr>
+            <a:lvl7pPr marL="2743200" indent="0">
+              <a:buNone/>
+              <a:defRPr sz="900"/>
+            </a:lvl7pPr>
+            <a:lvl8pPr marL="3200400" indent="0">
+              <a:buNone/>
+              <a:defRPr sz="900"/>
+            </a:lvl8pPr>
+            <a:lvl9pPr marL="3657600" indent="0">
+              <a:buNone/>
+              <a:defRPr sz="900"/>
+            </a:lvl9pPr>
+          </a:lstStyle>
+          <a:p>
             <a:pPr lvl="0"/>
             <a:r>
               <a:rPr lang="en-US"/>
@@ -2648,13 +5125,7 @@
       </p:sp>
       <p:sp>
         <p:nvSpPr>
-          <p:cNvPr id="5" name="Date Placeholder 4">
-            <a:extLst>
-              <a:ext uri="{FF2B5EF4-FFF2-40B4-BE49-F238E27FC236}">
-                <a16:creationId xmlns:a16="http://schemas.microsoft.com/office/drawing/2014/main" id="{D9043BE0-4E07-7390-7343-E38DC621E1CB}"/>
-              </a:ext>
-            </a:extLst>
-          </p:cNvPr>
+          <p:cNvPr id="5" name="Date Placeholder 4"/>
           <p:cNvSpPr>
             <a:spLocks noGrp="1"/>
           </p:cNvSpPr>
@@ -2669,7 +5140,7 @@
           <a:p>
             <a:fld id="{2D060E4B-25C9-43B4-B004-3763EB848424}" type="datetimeFigureOut">
               <a:rPr lang="en-US" smtClean="0"/>
-              <a:t>3/5/2024</a:t>
+              <a:t>3/6/2024</a:t>
             </a:fld>
             <a:endParaRPr lang="en-US"/>
           </a:p>
@@ -2677,13 +5148,7 @@
       </p:sp>
       <p:sp>
         <p:nvSpPr>
-          <p:cNvPr id="6" name="Footer Placeholder 5">
-            <a:extLst>
-              <a:ext uri="{FF2B5EF4-FFF2-40B4-BE49-F238E27FC236}">
-                <a16:creationId xmlns:a16="http://schemas.microsoft.com/office/drawing/2014/main" id="{44C3D983-17D0-6C64-DCB3-63ED2A64F7A1}"/>
-              </a:ext>
-            </a:extLst>
-          </p:cNvPr>
+          <p:cNvPr id="6" name="Footer Placeholder 5"/>
           <p:cNvSpPr>
             <a:spLocks noGrp="1"/>
           </p:cNvSpPr>
@@ -2702,13 +5167,7 @@
       </p:sp>
       <p:sp>
         <p:nvSpPr>
-          <p:cNvPr id="7" name="Slide Number Placeholder 6">
-            <a:extLst>
-              <a:ext uri="{FF2B5EF4-FFF2-40B4-BE49-F238E27FC236}">
-                <a16:creationId xmlns:a16="http://schemas.microsoft.com/office/drawing/2014/main" id="{EEFD6E2B-D009-DC65-71C6-80C594B67C70}"/>
-              </a:ext>
-            </a:extLst>
-          </p:cNvPr>
+          <p:cNvPr id="7" name="Slide Number Placeholder 6"/>
           <p:cNvSpPr>
             <a:spLocks noGrp="1"/>
           </p:cNvSpPr>
@@ -2732,7 +5191,7 @@
     </p:spTree>
     <p:extLst>
       <p:ext uri="{BB962C8B-B14F-4D97-AF65-F5344CB8AC3E}">
-        <p14:creationId xmlns:p14="http://schemas.microsoft.com/office/powerpoint/2010/main" val="3079034921"/>
+        <p14:creationId xmlns:p14="http://schemas.microsoft.com/office/powerpoint/2010/main" val="2864161155"/>
       </p:ext>
     </p:extLst>
   </p:cSld>
@@ -2746,8 +5205,8 @@
 <p:sldMaster xmlns:a="http://schemas.openxmlformats.org/drawingml/2006/main" xmlns:r="http://schemas.openxmlformats.org/officeDocument/2006/relationships" xmlns:p="http://schemas.openxmlformats.org/presentationml/2006/main">
   <p:cSld>
     <p:bg>
-      <p:bgRef idx="1001">
-        <a:schemeClr val="bg1"/>
+      <p:bgRef idx="1003">
+        <a:schemeClr val="bg2"/>
       </p:bgRef>
     </p:bg>
     <p:spTree>
@@ -2764,141 +5223,420 @@
           <a:chExt cx="0" cy="0"/>
         </a:xfrm>
       </p:grpSpPr>
-      <p:sp>
-        <p:nvSpPr>
-          <p:cNvPr id="2" name="Title Placeholder 1">
+      <p:pic>
+        <p:nvPicPr>
+          <p:cNvPr id="8" name="Picture 7"/>
+          <p:cNvPicPr>
+            <a:picLocks noChangeAspect="1"/>
+          </p:cNvPicPr>
+          <p:nvPr/>
+        </p:nvPicPr>
+        <p:blipFill rotWithShape="1">
+          <a:blip r:embed="rId19">
             <a:extLst>
-              <a:ext uri="{FF2B5EF4-FFF2-40B4-BE49-F238E27FC236}">
-                <a16:creationId xmlns:a16="http://schemas.microsoft.com/office/drawing/2014/main" id="{0E574168-3D70-16C6-36B5-C2A93D4338C9}"/>
+              <a:ext uri="{28A0092B-C50C-407E-A947-70E740481C1C}">
+                <a14:useLocalDpi xmlns:a14="http://schemas.microsoft.com/office/drawing/2010/main" val="0"/>
               </a:ext>
             </a:extLst>
-          </p:cNvPr>
-          <p:cNvSpPr>
-            <a:spLocks noGrp="1"/>
-          </p:cNvSpPr>
-          <p:nvPr>
-            <p:ph type="title"/>
-          </p:nvPr>
-        </p:nvSpPr>
+          </a:blip>
+          <a:srcRect l="3613"/>
+          <a:stretch/>
+        </p:blipFill>
         <p:spPr>
           <a:xfrm>
-            <a:off x="838200" y="365125"/>
-            <a:ext cx="10515600" cy="1325563"/>
+            <a:off x="0" y="2669685"/>
+            <a:ext cx="4037012" cy="4188315"/>
           </a:xfrm>
           <a:prstGeom prst="rect">
             <a:avLst/>
           </a:prstGeom>
         </p:spPr>
-        <p:txBody>
-          <a:bodyPr vert="horz" lIns="91440" tIns="45720" rIns="91440" bIns="45720" rtlCol="0" anchor="ctr">
-            <a:normAutofit/>
-          </a:bodyPr>
-          <a:lstStyle/>
-          <a:p>
-            <a:r>
-              <a:rPr lang="en-US"/>
-              <a:t>Click to edit Master title style</a:t>
-            </a:r>
-          </a:p>
-        </p:txBody>
-      </p:sp>
-      <p:sp>
-        <p:nvSpPr>
-          <p:cNvPr id="3" name="Text Placeholder 2">
+      </p:pic>
+      <p:pic>
+        <p:nvPicPr>
+          <p:cNvPr id="7" name="Picture 6"/>
+          <p:cNvPicPr>
+            <a:picLocks noChangeAspect="1"/>
+          </p:cNvPicPr>
+          <p:nvPr/>
+        </p:nvPicPr>
+        <p:blipFill rotWithShape="1">
+          <a:blip r:embed="rId20">
             <a:extLst>
-              <a:ext uri="{FF2B5EF4-FFF2-40B4-BE49-F238E27FC236}">
-                <a16:creationId xmlns:a16="http://schemas.microsoft.com/office/drawing/2014/main" id="{92A1E1CE-4848-62F6-3A34-74F58B1D0DA3}"/>
+              <a:ext uri="{28A0092B-C50C-407E-A947-70E740481C1C}">
+                <a14:useLocalDpi xmlns:a14="http://schemas.microsoft.com/office/drawing/2010/main" val="0"/>
               </a:ext>
             </a:extLst>
-          </p:cNvPr>
-          <p:cNvSpPr>
-            <a:spLocks noGrp="1"/>
-          </p:cNvSpPr>
-          <p:nvPr>
-            <p:ph type="body" idx="1"/>
-          </p:nvPr>
-        </p:nvSpPr>
+          </a:blip>
+          <a:srcRect l="35640"/>
+          <a:stretch/>
+        </p:blipFill>
         <p:spPr>
           <a:xfrm>
-            <a:off x="838200" y="1825625"/>
-            <a:ext cx="10515600" cy="4351338"/>
+            <a:off x="0" y="2892347"/>
+            <a:ext cx="1522412" cy="2365453"/>
           </a:xfrm>
           <a:prstGeom prst="rect">
             <a:avLst/>
           </a:prstGeom>
         </p:spPr>
-        <p:txBody>
-          <a:bodyPr vert="horz" lIns="91440" tIns="45720" rIns="91440" bIns="45720" rtlCol="0">
-            <a:normAutofit/>
-          </a:bodyPr>
-          <a:lstStyle/>
-          <a:p>
-            <a:pPr lvl="0"/>
-            <a:r>
-              <a:rPr lang="en-US"/>
-              <a:t>Click to edit Master text styles</a:t>
-            </a:r>
-          </a:p>
-          <a:p>
-            <a:pPr lvl="1"/>
-            <a:r>
-              <a:rPr lang="en-US"/>
-              <a:t>Second level</a:t>
-            </a:r>
-          </a:p>
-          <a:p>
-            <a:pPr lvl="2"/>
-            <a:r>
-              <a:rPr lang="en-US"/>
-              <a:t>Third level</a:t>
-            </a:r>
-          </a:p>
-          <a:p>
-            <a:pPr lvl="3"/>
-            <a:r>
-              <a:rPr lang="en-US"/>
-              <a:t>Fourth level</a:t>
-            </a:r>
-          </a:p>
-          <a:p>
-            <a:pPr lvl="4"/>
-            <a:r>
-              <a:rPr lang="en-US"/>
-              <a:t>Fifth level</a:t>
-            </a:r>
-          </a:p>
-        </p:txBody>
-      </p:sp>
-      <p:sp>
-        <p:nvSpPr>
-          <p:cNvPr id="4" name="Date Placeholder 3">
+      </p:pic>
+      <p:sp>
+        <p:nvSpPr>
+          <p:cNvPr id="16" name="Oval 15"/>
+          <p:cNvSpPr/>
+          <p:nvPr/>
+        </p:nvSpPr>
+        <p:spPr>
+          <a:xfrm>
+            <a:off x="8609012" y="1676400"/>
+            <a:ext cx="2819400" cy="2819400"/>
+          </a:xfrm>
+          <a:prstGeom prst="ellipse">
+            <a:avLst/>
+          </a:prstGeom>
+          <a:gradFill flip="none" rotWithShape="1">
+            <a:gsLst>
+              <a:gs pos="0">
+                <a:schemeClr val="bg2">
+                  <a:lumMod val="60000"/>
+                  <a:lumOff val="40000"/>
+                  <a:alpha val="7000"/>
+                </a:schemeClr>
+              </a:gs>
+              <a:gs pos="69000">
+                <a:schemeClr val="bg2">
+                  <a:lumMod val="60000"/>
+                  <a:lumOff val="40000"/>
+                  <a:alpha val="0"/>
+                </a:schemeClr>
+              </a:gs>
+              <a:gs pos="36000">
+                <a:schemeClr val="bg2">
+                  <a:lumMod val="60000"/>
+                  <a:lumOff val="40000"/>
+                  <a:alpha val="6000"/>
+                </a:schemeClr>
+              </a:gs>
+            </a:gsLst>
+            <a:path path="circle">
+              <a:fillToRect l="50000" t="50000" r="50000" b="50000"/>
+            </a:path>
+            <a:tileRect/>
+          </a:gradFill>
+          <a:ln>
+            <a:noFill/>
+          </a:ln>
+          <a:effectLst/>
+        </p:spPr>
+        <p:style>
+          <a:lnRef idx="1">
+            <a:schemeClr val="accent1"/>
+          </a:lnRef>
+          <a:fillRef idx="3">
+            <a:schemeClr val="accent1"/>
+          </a:fillRef>
+          <a:effectRef idx="2">
+            <a:schemeClr val="accent1"/>
+          </a:effectRef>
+          <a:fontRef idx="minor">
+            <a:schemeClr val="lt1"/>
+          </a:fontRef>
+        </p:style>
+      </p:sp>
+      <p:pic>
+        <p:nvPicPr>
+          <p:cNvPr id="9" name="Picture 8"/>
+          <p:cNvPicPr>
+            <a:picLocks noChangeAspect="1"/>
+          </p:cNvPicPr>
+          <p:nvPr/>
+        </p:nvPicPr>
+        <p:blipFill rotWithShape="1">
+          <a:blip r:embed="rId21">
             <a:extLst>
-              <a:ext uri="{FF2B5EF4-FFF2-40B4-BE49-F238E27FC236}">
-                <a16:creationId xmlns:a16="http://schemas.microsoft.com/office/drawing/2014/main" id="{8493EDBB-82C3-CA4E-DDC0-4ED0E8034572}"/>
+              <a:ext uri="{28A0092B-C50C-407E-A947-70E740481C1C}">
+                <a14:useLocalDpi xmlns:a14="http://schemas.microsoft.com/office/drawing/2010/main" val="0"/>
               </a:ext>
             </a:extLst>
-          </p:cNvPr>
-          <p:cNvSpPr>
-            <a:spLocks noGrp="1"/>
-          </p:cNvSpPr>
-          <p:nvPr>
-            <p:ph type="dt" sz="half" idx="2"/>
-          </p:nvPr>
-        </p:nvSpPr>
+          </a:blip>
+          <a:srcRect t="28813"/>
+          <a:stretch/>
+        </p:blipFill>
         <p:spPr>
           <a:xfrm>
-            <a:off x="838200" y="6356350"/>
-            <a:ext cx="2743200" cy="365125"/>
+            <a:off x="7999412" y="0"/>
+            <a:ext cx="1603387" cy="1141407"/>
           </a:xfrm>
           <a:prstGeom prst="rect">
             <a:avLst/>
           </a:prstGeom>
         </p:spPr>
-        <p:txBody>
-          <a:bodyPr vert="horz" lIns="91440" tIns="45720" rIns="91440" bIns="45720" rtlCol="0" anchor="ctr"/>
+      </p:pic>
+      <p:pic>
+        <p:nvPicPr>
+          <p:cNvPr id="10" name="Picture 9"/>
+          <p:cNvPicPr>
+            <a:picLocks noChangeAspect="1"/>
+          </p:cNvPicPr>
+          <p:nvPr/>
+        </p:nvPicPr>
+        <p:blipFill rotWithShape="1">
+          <a:blip r:embed="rId22">
+            <a:extLst>
+              <a:ext uri="{28A0092B-C50C-407E-A947-70E740481C1C}">
+                <a14:useLocalDpi xmlns:a14="http://schemas.microsoft.com/office/drawing/2010/main" val="0"/>
+              </a:ext>
+            </a:extLst>
+          </a:blip>
+          <a:srcRect b="23320"/>
+          <a:stretch/>
+        </p:blipFill>
+        <p:spPr>
+          <a:xfrm>
+            <a:off x="8605878" y="6096000"/>
+            <a:ext cx="993734" cy="762000"/>
+          </a:xfrm>
+          <a:prstGeom prst="rect">
+            <a:avLst/>
+          </a:prstGeom>
+        </p:spPr>
+      </p:pic>
+      <p:sp>
+        <p:nvSpPr>
+          <p:cNvPr id="14" name="Rectangle 13"/>
+          <p:cNvSpPr/>
+          <p:nvPr/>
+        </p:nvSpPr>
+        <p:spPr>
+          <a:xfrm>
+            <a:off x="10437812" y="0"/>
+            <a:ext cx="685800" cy="1143000"/>
+          </a:xfrm>
+          <a:prstGeom prst="rect">
+            <a:avLst/>
+          </a:prstGeom>
+          <a:solidFill>
+            <a:schemeClr val="accent1"/>
+          </a:solidFill>
+          <a:ln>
+            <a:noFill/>
+          </a:ln>
+        </p:spPr>
+        <p:style>
+          <a:lnRef idx="1">
+            <a:schemeClr val="accent1"/>
+          </a:lnRef>
+          <a:fillRef idx="3">
+            <a:schemeClr val="accent1"/>
+          </a:fillRef>
+          <a:effectRef idx="2">
+            <a:schemeClr val="accent1"/>
+          </a:effectRef>
+          <a:fontRef idx="minor">
+            <a:schemeClr val="lt1"/>
+          </a:fontRef>
+        </p:style>
+      </p:sp>
+      <p:sp>
+        <p:nvSpPr>
+          <p:cNvPr id="2" name="Title Placeholder 1"/>
+          <p:cNvSpPr>
+            <a:spLocks noGrp="1"/>
+          </p:cNvSpPr>
+          <p:nvPr>
+            <p:ph type="title"/>
+          </p:nvPr>
+        </p:nvSpPr>
+        <p:spPr>
+          <a:xfrm>
+            <a:off x="646111" y="452718"/>
+            <a:ext cx="9404723" cy="1400530"/>
+          </a:xfrm>
+          <a:prstGeom prst="rect">
+            <a:avLst/>
+          </a:prstGeom>
+        </p:spPr>
+        <p:txBody>
+          <a:bodyPr vert="horz" lIns="91440" tIns="45720" rIns="91440" bIns="45720" rtlCol="0" anchor="t">
+            <a:noAutofit/>
+          </a:bodyPr>
+          <a:lstStyle/>
+          <a:p>
+            <a:r>
+              <a:rPr lang="en-US"/>
+              <a:t>Click to edit Master title style</a:t>
+            </a:r>
+            <a:endParaRPr lang="en-US" dirty="0"/>
+          </a:p>
+        </p:txBody>
+      </p:sp>
+      <p:sp>
+        <p:nvSpPr>
+          <p:cNvPr id="3" name="Text Placeholder 2"/>
+          <p:cNvSpPr>
+            <a:spLocks noGrp="1"/>
+          </p:cNvSpPr>
+          <p:nvPr>
+            <p:ph type="body" idx="1"/>
+          </p:nvPr>
+        </p:nvSpPr>
+        <p:spPr>
+          <a:xfrm>
+            <a:off x="1103312" y="2052918"/>
+            <a:ext cx="8946541" cy="4195481"/>
+          </a:xfrm>
+          <a:prstGeom prst="rect">
+            <a:avLst/>
+          </a:prstGeom>
+        </p:spPr>
+        <p:txBody>
+          <a:bodyPr vert="horz" lIns="91440" tIns="45720" rIns="91440" bIns="45720" rtlCol="0">
+            <a:normAutofit/>
+          </a:bodyPr>
+          <a:lstStyle/>
+          <a:p>
+            <a:pPr lvl="0"/>
+            <a:r>
+              <a:rPr lang="en-US"/>
+              <a:t>Click to edit Master text styles</a:t>
+            </a:r>
+          </a:p>
+          <a:p>
+            <a:pPr lvl="1"/>
+            <a:r>
+              <a:rPr lang="en-US"/>
+              <a:t>Second level</a:t>
+            </a:r>
+          </a:p>
+          <a:p>
+            <a:pPr lvl="2"/>
+            <a:r>
+              <a:rPr lang="en-US"/>
+              <a:t>Third level</a:t>
+            </a:r>
+          </a:p>
+          <a:p>
+            <a:pPr lvl="3"/>
+            <a:r>
+              <a:rPr lang="en-US"/>
+              <a:t>Fourth level</a:t>
+            </a:r>
+          </a:p>
+          <a:p>
+            <a:pPr lvl="4"/>
+            <a:r>
+              <a:rPr lang="en-US"/>
+              <a:t>Fifth level</a:t>
+            </a:r>
+            <a:endParaRPr lang="en-US" dirty="0"/>
+          </a:p>
+        </p:txBody>
+      </p:sp>
+      <p:sp>
+        <p:nvSpPr>
+          <p:cNvPr id="4" name="Date Placeholder 3"/>
+          <p:cNvSpPr>
+            <a:spLocks noGrp="1"/>
+          </p:cNvSpPr>
+          <p:nvPr>
+            <p:ph type="dt" sz="half" idx="2"/>
+          </p:nvPr>
+        </p:nvSpPr>
+        <p:spPr>
+          <a:xfrm rot="5400000">
+            <a:off x="10155639" y="1790701"/>
+            <a:ext cx="990599" cy="304799"/>
+          </a:xfrm>
+          <a:prstGeom prst="rect">
+            <a:avLst/>
+          </a:prstGeom>
+        </p:spPr>
+        <p:txBody>
+          <a:bodyPr vert="horz" lIns="91440" tIns="45720" rIns="91440" bIns="45720" rtlCol="0" anchor="t"/>
           <a:lstStyle>
             <a:lvl1pPr algn="l">
-              <a:defRPr sz="1200">
+              <a:defRPr sz="1100" b="0" i="0">
+                <a:solidFill>
+                  <a:schemeClr val="tx1">
+                    <a:tint val="75000"/>
+                    <a:alpha val="60000"/>
+                  </a:schemeClr>
+                </a:solidFill>
+              </a:defRPr>
+            </a:lvl1pPr>
+          </a:lstStyle>
+          <a:p>
+            <a:fld id="{2D060E4B-25C9-43B4-B004-3763EB848424}" type="datetimeFigureOut">
+              <a:rPr lang="en-US" smtClean="0"/>
+              <a:t>3/6/2024</a:t>
+            </a:fld>
+            <a:endParaRPr lang="en-US"/>
+          </a:p>
+        </p:txBody>
+      </p:sp>
+      <p:sp>
+        <p:nvSpPr>
+          <p:cNvPr id="5" name="Footer Placeholder 4"/>
+          <p:cNvSpPr>
+            <a:spLocks noGrp="1"/>
+          </p:cNvSpPr>
+          <p:nvPr>
+            <p:ph type="ftr" sz="quarter" idx="3"/>
+          </p:nvPr>
+        </p:nvSpPr>
+        <p:spPr>
+          <a:xfrm rot="5400000">
+            <a:off x="8951573" y="3225297"/>
+            <a:ext cx="3859795" cy="304801"/>
+          </a:xfrm>
+          <a:prstGeom prst="rect">
+            <a:avLst/>
+          </a:prstGeom>
+        </p:spPr>
+        <p:txBody>
+          <a:bodyPr vert="horz" lIns="91440" tIns="45720" rIns="91440" bIns="45720" rtlCol="0" anchor="b"/>
+          <a:lstStyle>
+            <a:lvl1pPr algn="l">
+              <a:defRPr sz="1100" b="0" i="0">
+                <a:solidFill>
+                  <a:schemeClr val="tx1">
+                    <a:tint val="75000"/>
+                    <a:alpha val="60000"/>
+                  </a:schemeClr>
+                </a:solidFill>
+              </a:defRPr>
+            </a:lvl1pPr>
+          </a:lstStyle>
+          <a:p>
+            <a:endParaRPr lang="en-US"/>
+          </a:p>
+        </p:txBody>
+      </p:sp>
+      <p:sp>
+        <p:nvSpPr>
+          <p:cNvPr id="6" name="Slide Number Placeholder 5"/>
+          <p:cNvSpPr>
+            <a:spLocks noGrp="1"/>
+          </p:cNvSpPr>
+          <p:nvPr>
+            <p:ph type="sldNum" sz="quarter" idx="4"/>
+          </p:nvPr>
+        </p:nvSpPr>
+        <p:spPr bwMode="gray">
+          <a:xfrm>
+            <a:off x="10352540" y="295729"/>
+            <a:ext cx="838199" cy="767687"/>
+          </a:xfrm>
+          <a:prstGeom prst="rect">
+            <a:avLst/>
+          </a:prstGeom>
+        </p:spPr>
+        <p:txBody>
+          <a:bodyPr vert="horz" lIns="91440" tIns="45720" rIns="91440" bIns="45720" rtlCol="0" anchor="b"/>
+          <a:lstStyle>
+            <a:lvl1pPr algn="ctr">
+              <a:defRPr sz="2800" b="0" i="0">
                 <a:solidFill>
                   <a:schemeClr val="tx1">
                     <a:tint val="75000"/>
@@ -2908,96 +5646,6 @@
             </a:lvl1pPr>
           </a:lstStyle>
           <a:p>
-            <a:fld id="{2D060E4B-25C9-43B4-B004-3763EB848424}" type="datetimeFigureOut">
-              <a:rPr lang="en-US" smtClean="0"/>
-              <a:t>3/5/2024</a:t>
-            </a:fld>
-            <a:endParaRPr lang="en-US"/>
-          </a:p>
-        </p:txBody>
-      </p:sp>
-      <p:sp>
-        <p:nvSpPr>
-          <p:cNvPr id="5" name="Footer Placeholder 4">
-            <a:extLst>
-              <a:ext uri="{FF2B5EF4-FFF2-40B4-BE49-F238E27FC236}">
-                <a16:creationId xmlns:a16="http://schemas.microsoft.com/office/drawing/2014/main" id="{FEA64EDE-0E95-32AF-6D88-7AEC55DE765D}"/>
-              </a:ext>
-            </a:extLst>
-          </p:cNvPr>
-          <p:cNvSpPr>
-            <a:spLocks noGrp="1"/>
-          </p:cNvSpPr>
-          <p:nvPr>
-            <p:ph type="ftr" sz="quarter" idx="3"/>
-          </p:nvPr>
-        </p:nvSpPr>
-        <p:spPr>
-          <a:xfrm>
-            <a:off x="4038600" y="6356350"/>
-            <a:ext cx="4114800" cy="365125"/>
-          </a:xfrm>
-          <a:prstGeom prst="rect">
-            <a:avLst/>
-          </a:prstGeom>
-        </p:spPr>
-        <p:txBody>
-          <a:bodyPr vert="horz" lIns="91440" tIns="45720" rIns="91440" bIns="45720" rtlCol="0" anchor="ctr"/>
-          <a:lstStyle>
-            <a:lvl1pPr algn="ctr">
-              <a:defRPr sz="1200">
-                <a:solidFill>
-                  <a:schemeClr val="tx1">
-                    <a:tint val="75000"/>
-                  </a:schemeClr>
-                </a:solidFill>
-              </a:defRPr>
-            </a:lvl1pPr>
-          </a:lstStyle>
-          <a:p>
-            <a:endParaRPr lang="en-US"/>
-          </a:p>
-        </p:txBody>
-      </p:sp>
-      <p:sp>
-        <p:nvSpPr>
-          <p:cNvPr id="6" name="Slide Number Placeholder 5">
-            <a:extLst>
-              <a:ext uri="{FF2B5EF4-FFF2-40B4-BE49-F238E27FC236}">
-                <a16:creationId xmlns:a16="http://schemas.microsoft.com/office/drawing/2014/main" id="{6A45DFE5-A845-5335-B702-6768FFC20D58}"/>
-              </a:ext>
-            </a:extLst>
-          </p:cNvPr>
-          <p:cNvSpPr>
-            <a:spLocks noGrp="1"/>
-          </p:cNvSpPr>
-          <p:nvPr>
-            <p:ph type="sldNum" sz="quarter" idx="4"/>
-          </p:nvPr>
-        </p:nvSpPr>
-        <p:spPr>
-          <a:xfrm>
-            <a:off x="8610600" y="6356350"/>
-            <a:ext cx="2743200" cy="365125"/>
-          </a:xfrm>
-          <a:prstGeom prst="rect">
-            <a:avLst/>
-          </a:prstGeom>
-        </p:spPr>
-        <p:txBody>
-          <a:bodyPr vert="horz" lIns="91440" tIns="45720" rIns="91440" bIns="45720" rtlCol="0" anchor="ctr"/>
-          <a:lstStyle>
-            <a:lvl1pPr algn="r">
-              <a:defRPr sz="1200">
-                <a:solidFill>
-                  <a:schemeClr val="tx1">
-                    <a:tint val="75000"/>
-                  </a:schemeClr>
-                </a:solidFill>
-              </a:defRPr>
-            </a:lvl1pPr>
-          </a:lstStyle>
-          <a:p>
             <a:fld id="{2EE73DF0-5B90-49CB-BC05-4509E043B4C1}" type="slidenum">
               <a:rPr lang="en-US" smtClean="0"/>
               <a:t>‹#›</a:t>
@@ -3009,35 +5657,121 @@
     </p:spTree>
     <p:extLst>
       <p:ext uri="{BB962C8B-B14F-4D97-AF65-F5344CB8AC3E}">
-        <p14:creationId xmlns:p14="http://schemas.microsoft.com/office/powerpoint/2010/main" val="1625980189"/>
+        <p14:creationId xmlns:p14="http://schemas.microsoft.com/office/powerpoint/2010/main" val="2099188190"/>
       </p:ext>
     </p:extLst>
   </p:cSld>
-  <p:clrMap bg1="lt1" tx1="dk1" bg2="lt2" tx2="dk2" accent1="accent1" accent2="accent2" accent3="accent3" accent4="accent4" accent5="accent5" accent6="accent6" hlink="hlink" folHlink="folHlink"/>
+  <p:clrMap bg1="dk1" tx1="lt1" bg2="dk2" tx2="lt2" accent1="accent1" accent2="accent2" accent3="accent3" accent4="accent4" accent5="accent5" accent6="accent6" hlink="hlink" folHlink="folHlink"/>
   <p:sldLayoutIdLst>
-    <p:sldLayoutId id="2147483649" r:id="rId1"/>
-    <p:sldLayoutId id="2147483650" r:id="rId2"/>
-    <p:sldLayoutId id="2147483651" r:id="rId3"/>
-    <p:sldLayoutId id="2147483652" r:id="rId4"/>
-    <p:sldLayoutId id="2147483653" r:id="rId5"/>
-    <p:sldLayoutId id="2147483654" r:id="rId6"/>
-    <p:sldLayoutId id="2147483655" r:id="rId7"/>
-    <p:sldLayoutId id="2147483656" r:id="rId8"/>
-    <p:sldLayoutId id="2147483657" r:id="rId9"/>
-    <p:sldLayoutId id="2147483658" r:id="rId10"/>
-    <p:sldLayoutId id="2147483659" r:id="rId11"/>
+    <p:sldLayoutId id="2147483661" r:id="rId1"/>
+    <p:sldLayoutId id="2147483662" r:id="rId2"/>
+    <p:sldLayoutId id="2147483663" r:id="rId3"/>
+    <p:sldLayoutId id="2147483664" r:id="rId4"/>
+    <p:sldLayoutId id="2147483665" r:id="rId5"/>
+    <p:sldLayoutId id="2147483666" r:id="rId6"/>
+    <p:sldLayoutId id="2147483667" r:id="rId7"/>
+    <p:sldLayoutId id="2147483668" r:id="rId8"/>
+    <p:sldLayoutId id="2147483669" r:id="rId9"/>
+    <p:sldLayoutId id="2147483670" r:id="rId10"/>
+    <p:sldLayoutId id="2147483671" r:id="rId11"/>
+    <p:sldLayoutId id="2147483672" r:id="rId12"/>
+    <p:sldLayoutId id="2147483673" r:id="rId13"/>
+    <p:sldLayoutId id="2147483674" r:id="rId14"/>
+    <p:sldLayoutId id="2147483675" r:id="rId15"/>
+    <p:sldLayoutId id="2147483676" r:id="rId16"/>
+    <p:sldLayoutId id="2147483677" r:id="rId17"/>
   </p:sldLayoutIdLst>
   <p:txStyles>
     <p:titleStyle>
-      <a:lvl1pPr algn="l" defTabSz="914400" rtl="0" eaLnBrk="1" latinLnBrk="0" hangingPunct="1">
-        <a:lnSpc>
-          <a:spcPct val="90000"/>
-        </a:lnSpc>
+      <a:lvl1pPr algn="l" defTabSz="457200" rtl="0" eaLnBrk="1" latinLnBrk="0" hangingPunct="1">
         <a:spcBef>
           <a:spcPct val="0"/>
         </a:spcBef>
         <a:buNone/>
-        <a:defRPr sz="4400" kern="1200">
+        <a:defRPr sz="4200" b="0" i="0" kern="1200">
+          <a:solidFill>
+            <a:schemeClr val="tx2"/>
+          </a:solidFill>
+          <a:latin typeface="+mj-lt"/>
+          <a:ea typeface="+mj-ea"/>
+          <a:cs typeface="+mj-cs"/>
+        </a:defRPr>
+      </a:lvl1pPr>
+      <a:lvl2pPr eaLnBrk="1" hangingPunct="1">
+        <a:defRPr>
+          <a:solidFill>
+            <a:schemeClr val="tx2"/>
+          </a:solidFill>
+        </a:defRPr>
+      </a:lvl2pPr>
+      <a:lvl3pPr eaLnBrk="1" hangingPunct="1">
+        <a:defRPr>
+          <a:solidFill>
+            <a:schemeClr val="tx2"/>
+          </a:solidFill>
+        </a:defRPr>
+      </a:lvl3pPr>
+      <a:lvl4pPr eaLnBrk="1" hangingPunct="1">
+        <a:defRPr>
+          <a:solidFill>
+            <a:schemeClr val="tx2"/>
+          </a:solidFill>
+        </a:defRPr>
+      </a:lvl4pPr>
+      <a:lvl5pPr eaLnBrk="1" hangingPunct="1">
+        <a:defRPr>
+          <a:solidFill>
+            <a:schemeClr val="tx2"/>
+          </a:solidFill>
+        </a:defRPr>
+      </a:lvl5pPr>
+      <a:lvl6pPr eaLnBrk="1" hangingPunct="1">
+        <a:defRPr>
+          <a:solidFill>
+            <a:schemeClr val="tx2"/>
+          </a:solidFill>
+        </a:defRPr>
+      </a:lvl6pPr>
+      <a:lvl7pPr eaLnBrk="1" hangingPunct="1">
+        <a:defRPr>
+          <a:solidFill>
+            <a:schemeClr val="tx2"/>
+          </a:solidFill>
+        </a:defRPr>
+      </a:lvl7pPr>
+      <a:lvl8pPr eaLnBrk="1" hangingPunct="1">
+        <a:defRPr>
+          <a:solidFill>
+            <a:schemeClr val="tx2"/>
+          </a:solidFill>
+        </a:defRPr>
+      </a:lvl8pPr>
+      <a:lvl9pPr eaLnBrk="1" hangingPunct="1">
+        <a:defRPr>
+          <a:solidFill>
+            <a:schemeClr val="tx2"/>
+          </a:solidFill>
+        </a:defRPr>
+      </a:lvl9pPr>
+    </p:titleStyle>
+    <p:bodyStyle>
+      <a:lvl1pPr marL="342900" indent="-342900" algn="l" defTabSz="457200" rtl="0" eaLnBrk="1" latinLnBrk="0" hangingPunct="1">
+        <a:spcBef>
+          <a:spcPts val="1000"/>
+        </a:spcBef>
+        <a:spcAft>
+          <a:spcPts val="0"/>
+        </a:spcAft>
+        <a:buClr>
+          <a:schemeClr val="bg2">
+            <a:lumMod val="40000"/>
+            <a:lumOff val="60000"/>
+          </a:schemeClr>
+        </a:buClr>
+        <a:buSzPct val="80000"/>
+        <a:buFont typeface="Wingdings 3" charset="2"/>
+        <a:buChar char=""/>
+        <a:defRPr sz="2000" b="0" i="0" kern="1200">
           <a:solidFill>
             <a:schemeClr val="tx1"/>
           </a:solidFill>
@@ -3046,18 +5780,213 @@
           <a:cs typeface="+mj-cs"/>
         </a:defRPr>
       </a:lvl1pPr>
-    </p:titleStyle>
-    <p:bodyStyle>
-      <a:lvl1pPr marL="228600" indent="-228600" algn="l" defTabSz="914400" rtl="0" eaLnBrk="1" latinLnBrk="0" hangingPunct="1">
-        <a:lnSpc>
-          <a:spcPct val="90000"/>
-        </a:lnSpc>
+      <a:lvl2pPr marL="742950" indent="-285750" algn="l" defTabSz="457200" rtl="0" eaLnBrk="1" latinLnBrk="0" hangingPunct="1">
         <a:spcBef>
           <a:spcPts val="1000"/>
         </a:spcBef>
-        <a:buFont typeface="Arial" panose="020B0604020202020204" pitchFamily="34" charset="0"/>
-        <a:buChar char="•"/>
-        <a:defRPr sz="2800" kern="1200">
+        <a:spcAft>
+          <a:spcPts val="0"/>
+        </a:spcAft>
+        <a:buClr>
+          <a:schemeClr val="bg2">
+            <a:lumMod val="40000"/>
+            <a:lumOff val="60000"/>
+          </a:schemeClr>
+        </a:buClr>
+        <a:buSzPct val="80000"/>
+        <a:buFont typeface="Wingdings 3" charset="2"/>
+        <a:buChar char=""/>
+        <a:defRPr sz="1800" b="0" i="0" kern="1200">
+          <a:solidFill>
+            <a:schemeClr val="tx1"/>
+          </a:solidFill>
+          <a:latin typeface="+mj-lt"/>
+          <a:ea typeface="+mj-ea"/>
+          <a:cs typeface="+mj-cs"/>
+        </a:defRPr>
+      </a:lvl2pPr>
+      <a:lvl3pPr marL="1143000" indent="-228600" algn="l" defTabSz="457200" rtl="0" eaLnBrk="1" latinLnBrk="0" hangingPunct="1">
+        <a:spcBef>
+          <a:spcPts val="1000"/>
+        </a:spcBef>
+        <a:spcAft>
+          <a:spcPts val="0"/>
+        </a:spcAft>
+        <a:buClr>
+          <a:schemeClr val="bg2">
+            <a:lumMod val="40000"/>
+            <a:lumOff val="60000"/>
+          </a:schemeClr>
+        </a:buClr>
+        <a:buSzPct val="80000"/>
+        <a:buFont typeface="Wingdings 3" charset="2"/>
+        <a:buChar char=""/>
+        <a:defRPr sz="1600" b="0" i="0" kern="1200">
+          <a:solidFill>
+            <a:schemeClr val="tx1"/>
+          </a:solidFill>
+          <a:latin typeface="+mj-lt"/>
+          <a:ea typeface="+mj-ea"/>
+          <a:cs typeface="+mj-cs"/>
+        </a:defRPr>
+      </a:lvl3pPr>
+      <a:lvl4pPr marL="1600200" indent="-228600" algn="l" defTabSz="457200" rtl="0" eaLnBrk="1" latinLnBrk="0" hangingPunct="1">
+        <a:spcBef>
+          <a:spcPts val="1000"/>
+        </a:spcBef>
+        <a:spcAft>
+          <a:spcPts val="0"/>
+        </a:spcAft>
+        <a:buClr>
+          <a:schemeClr val="bg2">
+            <a:lumMod val="40000"/>
+            <a:lumOff val="60000"/>
+          </a:schemeClr>
+        </a:buClr>
+        <a:buSzPct val="80000"/>
+        <a:buFont typeface="Wingdings 3" charset="2"/>
+        <a:buChar char=""/>
+        <a:defRPr sz="1400" b="0" i="0" kern="1200">
+          <a:solidFill>
+            <a:schemeClr val="tx1"/>
+          </a:solidFill>
+          <a:latin typeface="+mj-lt"/>
+          <a:ea typeface="+mj-ea"/>
+          <a:cs typeface="+mj-cs"/>
+        </a:defRPr>
+      </a:lvl4pPr>
+      <a:lvl5pPr marL="2057400" indent="-228600" algn="l" defTabSz="457200" rtl="0" eaLnBrk="1" latinLnBrk="0" hangingPunct="1">
+        <a:spcBef>
+          <a:spcPts val="1000"/>
+        </a:spcBef>
+        <a:spcAft>
+          <a:spcPts val="0"/>
+        </a:spcAft>
+        <a:buClr>
+          <a:schemeClr val="bg2">
+            <a:lumMod val="40000"/>
+            <a:lumOff val="60000"/>
+          </a:schemeClr>
+        </a:buClr>
+        <a:buSzPct val="80000"/>
+        <a:buFont typeface="Wingdings 3" charset="2"/>
+        <a:buChar char=""/>
+        <a:defRPr sz="1400" b="0" i="0" kern="1200">
+          <a:solidFill>
+            <a:schemeClr val="tx1"/>
+          </a:solidFill>
+          <a:latin typeface="+mj-lt"/>
+          <a:ea typeface="+mj-ea"/>
+          <a:cs typeface="+mj-cs"/>
+        </a:defRPr>
+      </a:lvl5pPr>
+      <a:lvl6pPr marL="2506000" indent="-228600" algn="l" defTabSz="457200" rtl="0" eaLnBrk="1" latinLnBrk="0" hangingPunct="1">
+        <a:spcBef>
+          <a:spcPts val="1000"/>
+        </a:spcBef>
+        <a:spcAft>
+          <a:spcPts val="0"/>
+        </a:spcAft>
+        <a:buClr>
+          <a:schemeClr val="bg2">
+            <a:lumMod val="40000"/>
+            <a:lumOff val="60000"/>
+          </a:schemeClr>
+        </a:buClr>
+        <a:buSzPct val="80000"/>
+        <a:buFont typeface="Wingdings 3" charset="2"/>
+        <a:buChar char=""/>
+        <a:defRPr sz="1400" b="0" i="0" kern="1200">
+          <a:solidFill>
+            <a:schemeClr val="tx1"/>
+          </a:solidFill>
+          <a:latin typeface="+mj-lt"/>
+          <a:ea typeface="+mj-ea"/>
+          <a:cs typeface="+mj-cs"/>
+        </a:defRPr>
+      </a:lvl6pPr>
+      <a:lvl7pPr marL="2971800" indent="-228600" algn="l" defTabSz="457200" rtl="0" eaLnBrk="1" latinLnBrk="0" hangingPunct="1">
+        <a:spcBef>
+          <a:spcPts val="1000"/>
+        </a:spcBef>
+        <a:spcAft>
+          <a:spcPts val="0"/>
+        </a:spcAft>
+        <a:buClr>
+          <a:schemeClr val="bg2">
+            <a:lumMod val="40000"/>
+            <a:lumOff val="60000"/>
+          </a:schemeClr>
+        </a:buClr>
+        <a:buSzPct val="80000"/>
+        <a:buFont typeface="Wingdings 3" charset="2"/>
+        <a:buChar char=""/>
+        <a:defRPr sz="1400" b="0" i="0" kern="1200">
+          <a:solidFill>
+            <a:schemeClr val="tx1"/>
+          </a:solidFill>
+          <a:latin typeface="+mj-lt"/>
+          <a:ea typeface="+mj-ea"/>
+          <a:cs typeface="+mj-cs"/>
+        </a:defRPr>
+      </a:lvl7pPr>
+      <a:lvl8pPr marL="3429000" indent="-228600" algn="l" defTabSz="457200" rtl="0" eaLnBrk="1" latinLnBrk="0" hangingPunct="1">
+        <a:spcBef>
+          <a:spcPts val="1000"/>
+        </a:spcBef>
+        <a:spcAft>
+          <a:spcPts val="0"/>
+        </a:spcAft>
+        <a:buClr>
+          <a:schemeClr val="bg2">
+            <a:lumMod val="40000"/>
+            <a:lumOff val="60000"/>
+          </a:schemeClr>
+        </a:buClr>
+        <a:buSzPct val="80000"/>
+        <a:buFont typeface="Wingdings 3" charset="2"/>
+        <a:buChar char=""/>
+        <a:defRPr sz="1400" b="0" i="0" kern="1200">
+          <a:solidFill>
+            <a:schemeClr val="tx1"/>
+          </a:solidFill>
+          <a:latin typeface="+mj-lt"/>
+          <a:ea typeface="+mj-ea"/>
+          <a:cs typeface="+mj-cs"/>
+        </a:defRPr>
+      </a:lvl8pPr>
+      <a:lvl9pPr marL="3886200" indent="-228600" algn="l" defTabSz="457200" rtl="0" eaLnBrk="1" latinLnBrk="0" hangingPunct="1">
+        <a:spcBef>
+          <a:spcPts val="1000"/>
+        </a:spcBef>
+        <a:spcAft>
+          <a:spcPts val="0"/>
+        </a:spcAft>
+        <a:buClr>
+          <a:schemeClr val="bg2">
+            <a:lumMod val="40000"/>
+            <a:lumOff val="60000"/>
+          </a:schemeClr>
+        </a:buClr>
+        <a:buSzPct val="80000"/>
+        <a:buFont typeface="Wingdings 3" charset="2"/>
+        <a:buChar char=""/>
+        <a:defRPr sz="1400" b="0" i="0" kern="1200">
+          <a:solidFill>
+            <a:schemeClr val="tx1"/>
+          </a:solidFill>
+          <a:latin typeface="+mj-lt"/>
+          <a:ea typeface="+mj-ea"/>
+          <a:cs typeface="+mj-cs"/>
+        </a:defRPr>
+      </a:lvl9pPr>
+    </p:bodyStyle>
+    <p:otherStyle>
+      <a:defPPr>
+        <a:defRPr lang="en-US"/>
+      </a:defPPr>
+      <a:lvl1pPr marL="0" algn="l" defTabSz="457200" rtl="0" eaLnBrk="1" latinLnBrk="0" hangingPunct="1">
+        <a:defRPr sz="1800" kern="1200">
           <a:solidFill>
             <a:schemeClr val="tx1"/>
           </a:solidFill>
@@ -3066,16 +5995,8 @@
           <a:cs typeface="+mn-cs"/>
         </a:defRPr>
       </a:lvl1pPr>
-      <a:lvl2pPr marL="685800" indent="-228600" algn="l" defTabSz="914400" rtl="0" eaLnBrk="1" latinLnBrk="0" hangingPunct="1">
-        <a:lnSpc>
-          <a:spcPct val="90000"/>
-        </a:lnSpc>
-        <a:spcBef>
-          <a:spcPts val="500"/>
-        </a:spcBef>
-        <a:buFont typeface="Arial" panose="020B0604020202020204" pitchFamily="34" charset="0"/>
-        <a:buChar char="•"/>
-        <a:defRPr sz="2400" kern="1200">
+      <a:lvl2pPr marL="457200" algn="l" defTabSz="457200" rtl="0" eaLnBrk="1" latinLnBrk="0" hangingPunct="1">
+        <a:defRPr sz="1800" kern="1200">
           <a:solidFill>
             <a:schemeClr val="tx1"/>
           </a:solidFill>
@@ -3084,16 +6005,8 @@
           <a:cs typeface="+mn-cs"/>
         </a:defRPr>
       </a:lvl2pPr>
-      <a:lvl3pPr marL="1143000" indent="-228600" algn="l" defTabSz="914400" rtl="0" eaLnBrk="1" latinLnBrk="0" hangingPunct="1">
-        <a:lnSpc>
-          <a:spcPct val="90000"/>
-        </a:lnSpc>
-        <a:spcBef>
-          <a:spcPts val="500"/>
-        </a:spcBef>
-        <a:buFont typeface="Arial" panose="020B0604020202020204" pitchFamily="34" charset="0"/>
-        <a:buChar char="•"/>
-        <a:defRPr sz="2000" kern="1200">
+      <a:lvl3pPr marL="914400" algn="l" defTabSz="457200" rtl="0" eaLnBrk="1" latinLnBrk="0" hangingPunct="1">
+        <a:defRPr sz="1800" kern="1200">
           <a:solidFill>
             <a:schemeClr val="tx1"/>
           </a:solidFill>
@@ -3102,15 +6015,7 @@
           <a:cs typeface="+mn-cs"/>
         </a:defRPr>
       </a:lvl3pPr>
-      <a:lvl4pPr marL="1600200" indent="-228600" algn="l" defTabSz="914400" rtl="0" eaLnBrk="1" latinLnBrk="0" hangingPunct="1">
-        <a:lnSpc>
-          <a:spcPct val="90000"/>
-        </a:lnSpc>
-        <a:spcBef>
-          <a:spcPts val="500"/>
-        </a:spcBef>
-        <a:buFont typeface="Arial" panose="020B0604020202020204" pitchFamily="34" charset="0"/>
-        <a:buChar char="•"/>
+      <a:lvl4pPr marL="1371600" algn="l" defTabSz="457200" rtl="0" eaLnBrk="1" latinLnBrk="0" hangingPunct="1">
         <a:defRPr sz="1800" kern="1200">
           <a:solidFill>
             <a:schemeClr val="tx1"/>
@@ -3120,15 +6025,7 @@
           <a:cs typeface="+mn-cs"/>
         </a:defRPr>
       </a:lvl4pPr>
-      <a:lvl5pPr marL="2057400" indent="-228600" algn="l" defTabSz="914400" rtl="0" eaLnBrk="1" latinLnBrk="0" hangingPunct="1">
-        <a:lnSpc>
-          <a:spcPct val="90000"/>
-        </a:lnSpc>
-        <a:spcBef>
-          <a:spcPts val="500"/>
-        </a:spcBef>
-        <a:buFont typeface="Arial" panose="020B0604020202020204" pitchFamily="34" charset="0"/>
-        <a:buChar char="•"/>
+      <a:lvl5pPr marL="1828800" algn="l" defTabSz="457200" rtl="0" eaLnBrk="1" latinLnBrk="0" hangingPunct="1">
         <a:defRPr sz="1800" kern="1200">
           <a:solidFill>
             <a:schemeClr val="tx1"/>
@@ -3138,15 +6035,7 @@
           <a:cs typeface="+mn-cs"/>
         </a:defRPr>
       </a:lvl5pPr>
-      <a:lvl6pPr marL="2514600" indent="-228600" algn="l" defTabSz="914400" rtl="0" eaLnBrk="1" latinLnBrk="0" hangingPunct="1">
-        <a:lnSpc>
-          <a:spcPct val="90000"/>
-        </a:lnSpc>
-        <a:spcBef>
-          <a:spcPts val="500"/>
-        </a:spcBef>
-        <a:buFont typeface="Arial" panose="020B0604020202020204" pitchFamily="34" charset="0"/>
-        <a:buChar char="•"/>
+      <a:lvl6pPr marL="2286000" algn="l" defTabSz="457200" rtl="0" eaLnBrk="1" latinLnBrk="0" hangingPunct="1">
         <a:defRPr sz="1800" kern="1200">
           <a:solidFill>
             <a:schemeClr val="tx1"/>
@@ -3156,15 +6045,7 @@
           <a:cs typeface="+mn-cs"/>
         </a:defRPr>
       </a:lvl6pPr>
-      <a:lvl7pPr marL="2971800" indent="-228600" algn="l" defTabSz="914400" rtl="0" eaLnBrk="1" latinLnBrk="0" hangingPunct="1">
-        <a:lnSpc>
-          <a:spcPct val="90000"/>
-        </a:lnSpc>
-        <a:spcBef>
-          <a:spcPts val="500"/>
-        </a:spcBef>
-        <a:buFont typeface="Arial" panose="020B0604020202020204" pitchFamily="34" charset="0"/>
-        <a:buChar char="•"/>
+      <a:lvl7pPr marL="2743200" algn="l" defTabSz="457200" rtl="0" eaLnBrk="1" latinLnBrk="0" hangingPunct="1">
         <a:defRPr sz="1800" kern="1200">
           <a:solidFill>
             <a:schemeClr val="tx1"/>
@@ -3174,15 +6055,7 @@
           <a:cs typeface="+mn-cs"/>
         </a:defRPr>
       </a:lvl7pPr>
-      <a:lvl8pPr marL="3429000" indent="-228600" algn="l" defTabSz="914400" rtl="0" eaLnBrk="1" latinLnBrk="0" hangingPunct="1">
-        <a:lnSpc>
-          <a:spcPct val="90000"/>
-        </a:lnSpc>
-        <a:spcBef>
-          <a:spcPts val="500"/>
-        </a:spcBef>
-        <a:buFont typeface="Arial" panose="020B0604020202020204" pitchFamily="34" charset="0"/>
-        <a:buChar char="•"/>
+      <a:lvl8pPr marL="3200400" algn="l" defTabSz="457200" rtl="0" eaLnBrk="1" latinLnBrk="0" hangingPunct="1">
         <a:defRPr sz="1800" kern="1200">
           <a:solidFill>
             <a:schemeClr val="tx1"/>
@@ -3192,110 +6065,7 @@
           <a:cs typeface="+mn-cs"/>
         </a:defRPr>
       </a:lvl8pPr>
-      <a:lvl9pPr marL="3886200" indent="-228600" algn="l" defTabSz="914400" rtl="0" eaLnBrk="1" latinLnBrk="0" hangingPunct="1">
-        <a:lnSpc>
-          <a:spcPct val="90000"/>
-        </a:lnSpc>
-        <a:spcBef>
-          <a:spcPts val="500"/>
-        </a:spcBef>
-        <a:buFont typeface="Arial" panose="020B0604020202020204" pitchFamily="34" charset="0"/>
-        <a:buChar char="•"/>
-        <a:defRPr sz="1800" kern="1200">
-          <a:solidFill>
-            <a:schemeClr val="tx1"/>
-          </a:solidFill>
-          <a:latin typeface="+mn-lt"/>
-          <a:ea typeface="+mn-ea"/>
-          <a:cs typeface="+mn-cs"/>
-        </a:defRPr>
-      </a:lvl9pPr>
-    </p:bodyStyle>
-    <p:otherStyle>
-      <a:defPPr>
-        <a:defRPr lang="en-US"/>
-      </a:defPPr>
-      <a:lvl1pPr marL="0" algn="l" defTabSz="914400" rtl="0" eaLnBrk="1" latinLnBrk="0" hangingPunct="1">
-        <a:defRPr sz="1800" kern="1200">
-          <a:solidFill>
-            <a:schemeClr val="tx1"/>
-          </a:solidFill>
-          <a:latin typeface="+mn-lt"/>
-          <a:ea typeface="+mn-ea"/>
-          <a:cs typeface="+mn-cs"/>
-        </a:defRPr>
-      </a:lvl1pPr>
-      <a:lvl2pPr marL="457200" algn="l" defTabSz="914400" rtl="0" eaLnBrk="1" latinLnBrk="0" hangingPunct="1">
-        <a:defRPr sz="1800" kern="1200">
-          <a:solidFill>
-            <a:schemeClr val="tx1"/>
-          </a:solidFill>
-          <a:latin typeface="+mn-lt"/>
-          <a:ea typeface="+mn-ea"/>
-          <a:cs typeface="+mn-cs"/>
-        </a:defRPr>
-      </a:lvl2pPr>
-      <a:lvl3pPr marL="914400" algn="l" defTabSz="914400" rtl="0" eaLnBrk="1" latinLnBrk="0" hangingPunct="1">
-        <a:defRPr sz="1800" kern="1200">
-          <a:solidFill>
-            <a:schemeClr val="tx1"/>
-          </a:solidFill>
-          <a:latin typeface="+mn-lt"/>
-          <a:ea typeface="+mn-ea"/>
-          <a:cs typeface="+mn-cs"/>
-        </a:defRPr>
-      </a:lvl3pPr>
-      <a:lvl4pPr marL="1371600" algn="l" defTabSz="914400" rtl="0" eaLnBrk="1" latinLnBrk="0" hangingPunct="1">
-        <a:defRPr sz="1800" kern="1200">
-          <a:solidFill>
-            <a:schemeClr val="tx1"/>
-          </a:solidFill>
-          <a:latin typeface="+mn-lt"/>
-          <a:ea typeface="+mn-ea"/>
-          <a:cs typeface="+mn-cs"/>
-        </a:defRPr>
-      </a:lvl4pPr>
-      <a:lvl5pPr marL="1828800" algn="l" defTabSz="914400" rtl="0" eaLnBrk="1" latinLnBrk="0" hangingPunct="1">
-        <a:defRPr sz="1800" kern="1200">
-          <a:solidFill>
-            <a:schemeClr val="tx1"/>
-          </a:solidFill>
-          <a:latin typeface="+mn-lt"/>
-          <a:ea typeface="+mn-ea"/>
-          <a:cs typeface="+mn-cs"/>
-        </a:defRPr>
-      </a:lvl5pPr>
-      <a:lvl6pPr marL="2286000" algn="l" defTabSz="914400" rtl="0" eaLnBrk="1" latinLnBrk="0" hangingPunct="1">
-        <a:defRPr sz="1800" kern="1200">
-          <a:solidFill>
-            <a:schemeClr val="tx1"/>
-          </a:solidFill>
-          <a:latin typeface="+mn-lt"/>
-          <a:ea typeface="+mn-ea"/>
-          <a:cs typeface="+mn-cs"/>
-        </a:defRPr>
-      </a:lvl6pPr>
-      <a:lvl7pPr marL="2743200" algn="l" defTabSz="914400" rtl="0" eaLnBrk="1" latinLnBrk="0" hangingPunct="1">
-        <a:defRPr sz="1800" kern="1200">
-          <a:solidFill>
-            <a:schemeClr val="tx1"/>
-          </a:solidFill>
-          <a:latin typeface="+mn-lt"/>
-          <a:ea typeface="+mn-ea"/>
-          <a:cs typeface="+mn-cs"/>
-        </a:defRPr>
-      </a:lvl7pPr>
-      <a:lvl8pPr marL="3200400" algn="l" defTabSz="914400" rtl="0" eaLnBrk="1" latinLnBrk="0" hangingPunct="1">
-        <a:defRPr sz="1800" kern="1200">
-          <a:solidFill>
-            <a:schemeClr val="tx1"/>
-          </a:solidFill>
-          <a:latin typeface="+mn-lt"/>
-          <a:ea typeface="+mn-ea"/>
-          <a:cs typeface="+mn-cs"/>
-        </a:defRPr>
-      </a:lvl8pPr>
-      <a:lvl9pPr marL="3657600" algn="l" defTabSz="914400" rtl="0" eaLnBrk="1" latinLnBrk="0" hangingPunct="1">
+      <a:lvl9pPr marL="3657600" algn="l" defTabSz="457200" rtl="0" eaLnBrk="1" latinLnBrk="0" hangingPunct="1">
         <a:defRPr sz="1800" kern="1200">
           <a:solidFill>
             <a:schemeClr val="tx1"/>
@@ -3350,7 +6120,7 @@
           <a:p>
             <a:r>
               <a:rPr lang="en-US" dirty="0"/>
-              <a:t>Big Mountain Resort Financial Report</a:t>
+              <a:t>Big Mountain Resort Executive Presentation</a:t>
             </a:r>
           </a:p>
         </p:txBody>
@@ -3399,6 +6169,30 @@
 <file path=ppt/slides/slide2.xml><?xml version="1.0" encoding="utf-8"?>
 <p:sld xmlns:a="http://schemas.openxmlformats.org/drawingml/2006/main" xmlns:r="http://schemas.openxmlformats.org/officeDocument/2006/relationships" xmlns:p="http://schemas.openxmlformats.org/presentationml/2006/main">
   <p:cSld>
+    <p:bg>
+      <p:bgPr>
+        <a:blipFill rotWithShape="1">
+          <a:blip r:embed="rId2">
+            <a:duotone>
+              <a:schemeClr val="bg2">
+                <a:shade val="69000"/>
+                <a:hueMod val="108000"/>
+                <a:satMod val="164000"/>
+                <a:lumMod val="74000"/>
+              </a:schemeClr>
+              <a:schemeClr val="bg2">
+                <a:tint val="96000"/>
+                <a:hueMod val="88000"/>
+                <a:satMod val="140000"/>
+                <a:lumMod val="132000"/>
+              </a:schemeClr>
+            </a:duotone>
+          </a:blip>
+          <a:stretch/>
+        </a:blipFill>
+        <a:effectLst/>
+      </p:bgPr>
+    </p:bg>
     <p:spTree>
       <p:nvGrpSpPr>
         <p:cNvPr id="1" name=""/>
@@ -3415,6 +6209,66 @@
       </p:grpSpPr>
       <p:sp>
         <p:nvSpPr>
+          <p:cNvPr id="9" name="Rectangle 8">
+            <a:extLst>
+              <a:ext uri="{FF2B5EF4-FFF2-40B4-BE49-F238E27FC236}">
+                <a16:creationId xmlns:a16="http://schemas.microsoft.com/office/drawing/2014/main" id="{C8A3C342-1D03-412F-8DD3-BF519E8E0AE9}"/>
+              </a:ext>
+              <a:ext uri="{C183D7F6-B498-43B3-948B-1728B52AA6E4}">
+                <adec:decorative xmlns:adec="http://schemas.microsoft.com/office/drawing/2017/decorative" val="1"/>
+              </a:ext>
+            </a:extLst>
+          </p:cNvPr>
+          <p:cNvSpPr>
+            <a:spLocks noGrp="1" noRot="1" noChangeAspect="1" noMove="1" noResize="1" noEditPoints="1" noAdjustHandles="1" noChangeArrowheads="1" noChangeShapeType="1" noTextEdit="1"/>
+          </p:cNvSpPr>
+          <p:nvPr>
+            <p:extLst>
+              <p:ext uri="{386F3935-93C4-4BCD-93E2-E3B085C9AB24}">
+                <p16:designElem xmlns:p16="http://schemas.microsoft.com/office/powerpoint/2015/main" val="1"/>
+              </p:ext>
+            </p:extLst>
+          </p:nvPr>
+        </p:nvSpPr>
+        <p:spPr>
+          <a:xfrm>
+            <a:off x="0" y="0"/>
+            <a:ext cx="12192000" cy="6858000"/>
+          </a:xfrm>
+          <a:prstGeom prst="rect">
+            <a:avLst/>
+          </a:prstGeom>
+          <a:ln>
+            <a:noFill/>
+          </a:ln>
+        </p:spPr>
+        <p:style>
+          <a:lnRef idx="2">
+            <a:schemeClr val="accent1">
+              <a:shade val="50000"/>
+            </a:schemeClr>
+          </a:lnRef>
+          <a:fillRef idx="1003">
+            <a:schemeClr val="dk2"/>
+          </a:fillRef>
+          <a:effectRef idx="0">
+            <a:schemeClr val="accent1"/>
+          </a:effectRef>
+          <a:fontRef idx="minor">
+            <a:schemeClr val="lt1"/>
+          </a:fontRef>
+        </p:style>
+        <p:txBody>
+          <a:bodyPr rtlCol="0" anchor="ctr"/>
+          <a:lstStyle/>
+          <a:p>
+            <a:pPr algn="ctr"/>
+            <a:endParaRPr lang="en-US"/>
+          </a:p>
+        </p:txBody>
+      </p:sp>
+      <p:sp>
+        <p:nvSpPr>
           <p:cNvPr id="2" name="Title 1">
             <a:extLst>
               <a:ext uri="{FF2B5EF4-FFF2-40B4-BE49-F238E27FC236}">
@@ -3429,13 +6283,24 @@
             <p:ph type="title"/>
           </p:nvPr>
         </p:nvSpPr>
-        <p:spPr/>
-        <p:txBody>
-          <a:bodyPr/>
+        <p:spPr>
+          <a:xfrm>
+            <a:off x="648930" y="629266"/>
+            <a:ext cx="6188190" cy="1622321"/>
+          </a:xfrm>
+        </p:spPr>
+        <p:txBody>
+          <a:bodyPr>
+            <a:normAutofit/>
+          </a:bodyPr>
           <a:lstStyle/>
           <a:p>
             <a:r>
-              <a:rPr lang="en-US" dirty="0"/>
+              <a:rPr lang="en-US">
+                <a:solidFill>
+                  <a:srgbClr val="EBEBEB"/>
+                </a:solidFill>
+              </a:rPr>
               <a:t>Problem Identification</a:t>
             </a:r>
           </a:p>
@@ -3457,34 +6322,607 @@
             <p:ph idx="1"/>
           </p:nvPr>
         </p:nvSpPr>
-        <p:spPr/>
-        <p:txBody>
-          <a:bodyPr/>
+        <p:spPr>
+          <a:xfrm>
+            <a:off x="648930" y="2438400"/>
+            <a:ext cx="6188189" cy="3785419"/>
+          </a:xfrm>
+        </p:spPr>
+        <p:txBody>
+          <a:bodyPr>
+            <a:normAutofit/>
+          </a:bodyPr>
           <a:lstStyle/>
           <a:p>
             <a:r>
-              <a:rPr lang="en-US" dirty="0"/>
-              <a:t>Big Mountain Resort suspects that the current ticket pricing is not maximizing profitability</a:t>
+              <a:rPr lang="en-US" dirty="0">
+                <a:solidFill>
+                  <a:srgbClr val="FFFFFF"/>
+                </a:solidFill>
+              </a:rPr>
+              <a:t>Big Mountain Resort needs a revaluation of their ticket prices before the start of the next season.</a:t>
             </a:r>
           </a:p>
           <a:p>
             <a:pPr lvl="1"/>
             <a:r>
-              <a:rPr lang="en-US" dirty="0"/>
-              <a:t>Ticket pricing = $81.00</a:t>
-            </a:r>
-          </a:p>
-          <a:p>
-            <a:r>
-              <a:rPr lang="en-US"/>
-              <a:t>The executive board is considering a few options to increase revenue or minimize expenses</a:t>
-            </a:r>
-          </a:p>
-          <a:p>
+              <a:rPr lang="en-US" dirty="0">
+                <a:solidFill>
+                  <a:srgbClr val="FFFFFF"/>
+                </a:solidFill>
+              </a:rPr>
+              <a:t>Big Mountain Resort is a ski resort in Montana that overlooks Glacier National Park and Flathead National Forest.</a:t>
+            </a:r>
+          </a:p>
+          <a:p>
+            <a:pPr lvl="1"/>
+            <a:r>
+              <a:rPr lang="en-US" dirty="0">
+                <a:solidFill>
+                  <a:srgbClr val="FFFFFF"/>
+                </a:solidFill>
+              </a:rPr>
+              <a:t>They just installed a new chair lift that increases their operating costs by $1,540,000.</a:t>
+            </a:r>
+          </a:p>
+          <a:p>
+            <a:r>
+              <a:rPr lang="en-US" dirty="0">
+                <a:solidFill>
+                  <a:srgbClr val="FFFFFF"/>
+                </a:solidFill>
+              </a:rPr>
+              <a:t>The board is also considering changes that need to be evaluated with the new ticket pricings.</a:t>
+            </a:r>
+          </a:p>
+        </p:txBody>
+      </p:sp>
+      <p:sp>
+        <p:nvSpPr>
+          <p:cNvPr id="11" name="Freeform 31">
+            <a:extLst>
+              <a:ext uri="{FF2B5EF4-FFF2-40B4-BE49-F238E27FC236}">
+                <a16:creationId xmlns:a16="http://schemas.microsoft.com/office/drawing/2014/main" id="{81CC9B02-E087-4350-AEBD-2C3CF001AF01}"/>
+              </a:ext>
+              <a:ext uri="{C183D7F6-B498-43B3-948B-1728B52AA6E4}">
+                <adec:decorative xmlns:adec="http://schemas.microsoft.com/office/drawing/2017/decorative" val="1"/>
+              </a:ext>
+            </a:extLst>
+          </p:cNvPr>
+          <p:cNvSpPr>
+            <a:spLocks noGrp="1" noRot="1" noChangeAspect="1" noMove="1" noResize="1" noEditPoints="1" noAdjustHandles="1" noChangeArrowheads="1" noChangeShapeType="1" noTextEdit="1"/>
+          </p:cNvSpPr>
+          <p:nvPr>
+            <p:extLst>
+              <p:ext uri="{386F3935-93C4-4BCD-93E2-E3B085C9AB24}">
+                <p16:designElem xmlns:p16="http://schemas.microsoft.com/office/powerpoint/2015/main" val="1"/>
+              </p:ext>
+            </p:extLst>
+          </p:nvPr>
+        </p:nvSpPr>
+        <p:spPr>
+          <a:xfrm>
+            <a:off x="7015974" y="-1"/>
+            <a:ext cx="559472" cy="3709642"/>
+          </a:xfrm>
+          <a:custGeom>
+            <a:avLst/>
+            <a:gdLst>
+              <a:gd name="connsiteX0" fmla="*/ 0 w 559472"/>
+              <a:gd name="connsiteY0" fmla="*/ 0 h 3709642"/>
+              <a:gd name="connsiteX1" fmla="*/ 473952 w 559472"/>
+              <a:gd name="connsiteY1" fmla="*/ 0 h 3709642"/>
+              <a:gd name="connsiteX2" fmla="*/ 485840 w 559472"/>
+              <a:gd name="connsiteY2" fmla="*/ 161194 h 3709642"/>
+              <a:gd name="connsiteX3" fmla="*/ 523949 w 559472"/>
+              <a:gd name="connsiteY3" fmla="*/ 3672197 h 3709642"/>
+              <a:gd name="connsiteX4" fmla="*/ 454748 w 559472"/>
+              <a:gd name="connsiteY4" fmla="*/ 3709642 h 3709642"/>
+              <a:gd name="connsiteX5" fmla="*/ 448224 w 559472"/>
+              <a:gd name="connsiteY5" fmla="*/ 3510471 h 3709642"/>
+              <a:gd name="connsiteX6" fmla="*/ 443564 w 559472"/>
+              <a:gd name="connsiteY6" fmla="*/ 3408563 h 3709642"/>
+              <a:gd name="connsiteX7" fmla="*/ 438902 w 559472"/>
+              <a:gd name="connsiteY7" fmla="*/ 3304407 h 3709642"/>
+              <a:gd name="connsiteX8" fmla="*/ 433941 w 559472"/>
+              <a:gd name="connsiteY8" fmla="*/ 3198777 h 3709642"/>
+              <a:gd name="connsiteX9" fmla="*/ 427584 w 559472"/>
+              <a:gd name="connsiteY9" fmla="*/ 3092510 h 3709642"/>
+              <a:gd name="connsiteX10" fmla="*/ 420988 w 559472"/>
+              <a:gd name="connsiteY10" fmla="*/ 2984390 h 3709642"/>
+              <a:gd name="connsiteX11" fmla="*/ 414330 w 559472"/>
+              <a:gd name="connsiteY11" fmla="*/ 2874401 h 3709642"/>
+              <a:gd name="connsiteX12" fmla="*/ 406840 w 559472"/>
+              <a:gd name="connsiteY12" fmla="*/ 2762980 h 3709642"/>
+              <a:gd name="connsiteX13" fmla="*/ 397745 w 559472"/>
+              <a:gd name="connsiteY13" fmla="*/ 2650566 h 3709642"/>
+              <a:gd name="connsiteX14" fmla="*/ 389154 w 559472"/>
+              <a:gd name="connsiteY14" fmla="*/ 2536612 h 3709642"/>
+              <a:gd name="connsiteX15" fmla="*/ 379225 w 559472"/>
+              <a:gd name="connsiteY15" fmla="*/ 2421642 h 3709642"/>
+              <a:gd name="connsiteX16" fmla="*/ 368316 w 559472"/>
+              <a:gd name="connsiteY16" fmla="*/ 2305627 h 3709642"/>
+              <a:gd name="connsiteX17" fmla="*/ 357466 w 559472"/>
+              <a:gd name="connsiteY17" fmla="*/ 2189233 h 3709642"/>
+              <a:gd name="connsiteX18" fmla="*/ 344982 w 559472"/>
+              <a:gd name="connsiteY18" fmla="*/ 2071473 h 3709642"/>
+              <a:gd name="connsiteX19" fmla="*/ 332466 w 559472"/>
+              <a:gd name="connsiteY19" fmla="*/ 1952216 h 3709642"/>
+              <a:gd name="connsiteX20" fmla="*/ 319121 w 559472"/>
+              <a:gd name="connsiteY20" fmla="*/ 1833776 h 3709642"/>
+              <a:gd name="connsiteX21" fmla="*/ 304408 w 559472"/>
+              <a:gd name="connsiteY21" fmla="*/ 1713948 h 3709642"/>
+              <a:gd name="connsiteX22" fmla="*/ 288685 w 559472"/>
+              <a:gd name="connsiteY22" fmla="*/ 1592703 h 3709642"/>
+              <a:gd name="connsiteX23" fmla="*/ 273050 w 559472"/>
+              <a:gd name="connsiteY23" fmla="*/ 1471451 h 3709642"/>
+              <a:gd name="connsiteX24" fmla="*/ 255813 w 559472"/>
+              <a:gd name="connsiteY24" fmla="*/ 1350328 h 3709642"/>
+              <a:gd name="connsiteX25" fmla="*/ 237060 w 559472"/>
+              <a:gd name="connsiteY25" fmla="*/ 1227080 h 3709642"/>
+              <a:gd name="connsiteX26" fmla="*/ 218488 w 559472"/>
+              <a:gd name="connsiteY26" fmla="*/ 1106065 h 3709642"/>
+              <a:gd name="connsiteX27" fmla="*/ 198221 w 559472"/>
+              <a:gd name="connsiteY27" fmla="*/ 982940 h 3709642"/>
+              <a:gd name="connsiteX28" fmla="*/ 177152 w 559472"/>
+              <a:gd name="connsiteY28" fmla="*/ 858755 h 3709642"/>
+              <a:gd name="connsiteX29" fmla="*/ 155551 w 559472"/>
+              <a:gd name="connsiteY29" fmla="*/ 736861 h 3709642"/>
+              <a:gd name="connsiteX30" fmla="*/ 131782 w 559472"/>
+              <a:gd name="connsiteY30" fmla="*/ 613645 h 3709642"/>
+              <a:gd name="connsiteX31" fmla="*/ 107123 w 559472"/>
+              <a:gd name="connsiteY31" fmla="*/ 490500 h 3709642"/>
+              <a:gd name="connsiteX32" fmla="*/ 82552 w 559472"/>
+              <a:gd name="connsiteY32" fmla="*/ 367348 h 3709642"/>
+              <a:gd name="connsiteX33" fmla="*/ 55608 w 559472"/>
+              <a:gd name="connsiteY33" fmla="*/ 244762 h 3709642"/>
+              <a:gd name="connsiteX34" fmla="*/ 28130 w 559472"/>
+              <a:gd name="connsiteY34" fmla="*/ 122220 h 3709642"/>
+              <a:gd name="connsiteX35" fmla="*/ 0 w 559472"/>
+              <a:gd name="connsiteY35" fmla="*/ 0 h 3709642"/>
+            </a:gdLst>
+            <a:ahLst/>
+            <a:cxnLst>
+              <a:cxn ang="0">
+                <a:pos x="connsiteX0" y="connsiteY0"/>
+              </a:cxn>
+              <a:cxn ang="0">
+                <a:pos x="connsiteX1" y="connsiteY1"/>
+              </a:cxn>
+              <a:cxn ang="0">
+                <a:pos x="connsiteX2" y="connsiteY2"/>
+              </a:cxn>
+              <a:cxn ang="0">
+                <a:pos x="connsiteX3" y="connsiteY3"/>
+              </a:cxn>
+              <a:cxn ang="0">
+                <a:pos x="connsiteX4" y="connsiteY4"/>
+              </a:cxn>
+              <a:cxn ang="0">
+                <a:pos x="connsiteX5" y="connsiteY5"/>
+              </a:cxn>
+              <a:cxn ang="0">
+                <a:pos x="connsiteX6" y="connsiteY6"/>
+              </a:cxn>
+              <a:cxn ang="0">
+                <a:pos x="connsiteX7" y="connsiteY7"/>
+              </a:cxn>
+              <a:cxn ang="0">
+                <a:pos x="connsiteX8" y="connsiteY8"/>
+              </a:cxn>
+              <a:cxn ang="0">
+                <a:pos x="connsiteX9" y="connsiteY9"/>
+              </a:cxn>
+              <a:cxn ang="0">
+                <a:pos x="connsiteX10" y="connsiteY10"/>
+              </a:cxn>
+              <a:cxn ang="0">
+                <a:pos x="connsiteX11" y="connsiteY11"/>
+              </a:cxn>
+              <a:cxn ang="0">
+                <a:pos x="connsiteX12" y="connsiteY12"/>
+              </a:cxn>
+              <a:cxn ang="0">
+                <a:pos x="connsiteX13" y="connsiteY13"/>
+              </a:cxn>
+              <a:cxn ang="0">
+                <a:pos x="connsiteX14" y="connsiteY14"/>
+              </a:cxn>
+              <a:cxn ang="0">
+                <a:pos x="connsiteX15" y="connsiteY15"/>
+              </a:cxn>
+              <a:cxn ang="0">
+                <a:pos x="connsiteX16" y="connsiteY16"/>
+              </a:cxn>
+              <a:cxn ang="0">
+                <a:pos x="connsiteX17" y="connsiteY17"/>
+              </a:cxn>
+              <a:cxn ang="0">
+                <a:pos x="connsiteX18" y="connsiteY18"/>
+              </a:cxn>
+              <a:cxn ang="0">
+                <a:pos x="connsiteX19" y="connsiteY19"/>
+              </a:cxn>
+              <a:cxn ang="0">
+                <a:pos x="connsiteX20" y="connsiteY20"/>
+              </a:cxn>
+              <a:cxn ang="0">
+                <a:pos x="connsiteX21" y="connsiteY21"/>
+              </a:cxn>
+              <a:cxn ang="0">
+                <a:pos x="connsiteX22" y="connsiteY22"/>
+              </a:cxn>
+              <a:cxn ang="0">
+                <a:pos x="connsiteX23" y="connsiteY23"/>
+              </a:cxn>
+              <a:cxn ang="0">
+                <a:pos x="connsiteX24" y="connsiteY24"/>
+              </a:cxn>
+              <a:cxn ang="0">
+                <a:pos x="connsiteX25" y="connsiteY25"/>
+              </a:cxn>
+              <a:cxn ang="0">
+                <a:pos x="connsiteX26" y="connsiteY26"/>
+              </a:cxn>
+              <a:cxn ang="0">
+                <a:pos x="connsiteX27" y="connsiteY27"/>
+              </a:cxn>
+              <a:cxn ang="0">
+                <a:pos x="connsiteX28" y="connsiteY28"/>
+              </a:cxn>
+              <a:cxn ang="0">
+                <a:pos x="connsiteX29" y="connsiteY29"/>
+              </a:cxn>
+              <a:cxn ang="0">
+                <a:pos x="connsiteX30" y="connsiteY30"/>
+              </a:cxn>
+              <a:cxn ang="0">
+                <a:pos x="connsiteX31" y="connsiteY31"/>
+              </a:cxn>
+              <a:cxn ang="0">
+                <a:pos x="connsiteX32" y="connsiteY32"/>
+              </a:cxn>
+              <a:cxn ang="0">
+                <a:pos x="connsiteX33" y="connsiteY33"/>
+              </a:cxn>
+              <a:cxn ang="0">
+                <a:pos x="connsiteX34" y="connsiteY34"/>
+              </a:cxn>
+              <a:cxn ang="0">
+                <a:pos x="connsiteX35" y="connsiteY35"/>
+              </a:cxn>
+            </a:cxnLst>
+            <a:rect l="l" t="t" r="r" b="b"/>
+            <a:pathLst>
+              <a:path w="559472" h="3709642">
+                <a:moveTo>
+                  <a:pt x="0" y="0"/>
+                </a:moveTo>
+                <a:lnTo>
+                  <a:pt x="473952" y="0"/>
+                </a:lnTo>
+                <a:lnTo>
+                  <a:pt x="485840" y="161194"/>
+                </a:lnTo>
+                <a:cubicBezTo>
+                  <a:pt x="552063" y="1147770"/>
+                  <a:pt x="592441" y="3086737"/>
+                  <a:pt x="523949" y="3672197"/>
+                </a:cubicBezTo>
+                <a:cubicBezTo>
+                  <a:pt x="500842" y="3684557"/>
+                  <a:pt x="477855" y="3697282"/>
+                  <a:pt x="454748" y="3709642"/>
+                </a:cubicBezTo>
+                <a:lnTo>
+                  <a:pt x="448224" y="3510471"/>
+                </a:lnTo>
+                <a:lnTo>
+                  <a:pt x="443564" y="3408563"/>
+                </a:lnTo>
+                <a:lnTo>
+                  <a:pt x="438902" y="3304407"/>
+                </a:lnTo>
+                <a:lnTo>
+                  <a:pt x="433941" y="3198777"/>
+                </a:lnTo>
+                <a:lnTo>
+                  <a:pt x="427584" y="3092510"/>
+                </a:lnTo>
+                <a:lnTo>
+                  <a:pt x="420988" y="2984390"/>
+                </a:lnTo>
+                <a:lnTo>
+                  <a:pt x="414330" y="2874401"/>
+                </a:lnTo>
+                <a:lnTo>
+                  <a:pt x="406840" y="2762980"/>
+                </a:lnTo>
+                <a:lnTo>
+                  <a:pt x="397745" y="2650566"/>
+                </a:lnTo>
+                <a:lnTo>
+                  <a:pt x="389154" y="2536612"/>
+                </a:lnTo>
+                <a:lnTo>
+                  <a:pt x="379225" y="2421642"/>
+                </a:lnTo>
+                <a:lnTo>
+                  <a:pt x="368316" y="2305627"/>
+                </a:lnTo>
+                <a:lnTo>
+                  <a:pt x="357466" y="2189233"/>
+                </a:lnTo>
+                <a:lnTo>
+                  <a:pt x="344982" y="2071473"/>
+                </a:lnTo>
+                <a:lnTo>
+                  <a:pt x="332466" y="1952216"/>
+                </a:lnTo>
+                <a:lnTo>
+                  <a:pt x="319121" y="1833776"/>
+                </a:lnTo>
+                <a:lnTo>
+                  <a:pt x="304408" y="1713948"/>
+                </a:lnTo>
+                <a:lnTo>
+                  <a:pt x="288685" y="1592703"/>
+                </a:lnTo>
+                <a:lnTo>
+                  <a:pt x="273050" y="1471451"/>
+                </a:lnTo>
+                <a:lnTo>
+                  <a:pt x="255813" y="1350328"/>
+                </a:lnTo>
+                <a:lnTo>
+                  <a:pt x="237060" y="1227080"/>
+                </a:lnTo>
+                <a:lnTo>
+                  <a:pt x="218488" y="1106065"/>
+                </a:lnTo>
+                <a:lnTo>
+                  <a:pt x="198221" y="982940"/>
+                </a:lnTo>
+                <a:lnTo>
+                  <a:pt x="177152" y="858755"/>
+                </a:lnTo>
+                <a:lnTo>
+                  <a:pt x="155551" y="736861"/>
+                </a:lnTo>
+                <a:lnTo>
+                  <a:pt x="131782" y="613645"/>
+                </a:lnTo>
+                <a:lnTo>
+                  <a:pt x="107123" y="490500"/>
+                </a:lnTo>
+                <a:lnTo>
+                  <a:pt x="82552" y="367348"/>
+                </a:lnTo>
+                <a:lnTo>
+                  <a:pt x="55608" y="244762"/>
+                </a:lnTo>
+                <a:lnTo>
+                  <a:pt x="28130" y="122220"/>
+                </a:lnTo>
+                <a:lnTo>
+                  <a:pt x="0" y="0"/>
+                </a:lnTo>
+                <a:close/>
+              </a:path>
+            </a:pathLst>
+          </a:custGeom>
+          <a:solidFill>
+            <a:schemeClr val="tx1">
+              <a:alpha val="20000"/>
+            </a:schemeClr>
+          </a:solidFill>
+          <a:ln>
+            <a:noFill/>
+          </a:ln>
+        </p:spPr>
+        <p:txBody>
+          <a:bodyPr rtlCol="0" anchor="ctr"/>
+          <a:lstStyle/>
+          <a:p>
+            <a:pPr algn="ctr"/>
             <a:endParaRPr lang="en-US"/>
           </a:p>
         </p:txBody>
       </p:sp>
+      <p:pic>
+        <p:nvPicPr>
+          <p:cNvPr id="5" name="Picture 4" descr="Cable cars">
+            <a:extLst>
+              <a:ext uri="{FF2B5EF4-FFF2-40B4-BE49-F238E27FC236}">
+                <a16:creationId xmlns:a16="http://schemas.microsoft.com/office/drawing/2014/main" id="{2F972151-99C0-776A-BD2C-E83B65ECF255}"/>
+              </a:ext>
+            </a:extLst>
+          </p:cNvPr>
+          <p:cNvPicPr>
+            <a:picLocks noChangeAspect="1"/>
+          </p:cNvPicPr>
+          <p:nvPr/>
+        </p:nvPicPr>
+        <p:blipFill rotWithShape="1">
+          <a:blip r:embed="rId3"/>
+          <a:srcRect l="40255" r="11437" b="-2"/>
+          <a:stretch/>
+        </p:blipFill>
+        <p:spPr>
+          <a:xfrm>
+            <a:off x="7229175" y="1"/>
+            <a:ext cx="4963245" cy="6858001"/>
+          </a:xfrm>
+          <a:custGeom>
+            <a:avLst/>
+            <a:gdLst/>
+            <a:ahLst/>
+            <a:cxnLst/>
+            <a:rect l="l" t="t" r="r" b="b"/>
+            <a:pathLst>
+              <a:path w="4963245" h="6858001">
+                <a:moveTo>
+                  <a:pt x="1177" y="0"/>
+                </a:moveTo>
+                <a:lnTo>
+                  <a:pt x="1344715" y="0"/>
+                </a:lnTo>
+                <a:lnTo>
+                  <a:pt x="1344715" y="1"/>
+                </a:lnTo>
+                <a:lnTo>
+                  <a:pt x="4963245" y="1"/>
+                </a:lnTo>
+                <a:lnTo>
+                  <a:pt x="4963244" y="6858001"/>
+                </a:lnTo>
+                <a:lnTo>
+                  <a:pt x="900697" y="6858001"/>
+                </a:lnTo>
+                <a:lnTo>
+                  <a:pt x="900697" y="6858000"/>
+                </a:lnTo>
+                <a:lnTo>
+                  <a:pt x="0" y="6858000"/>
+                </a:lnTo>
+                <a:lnTo>
+                  <a:pt x="5883" y="6817538"/>
+                </a:lnTo>
+                <a:lnTo>
+                  <a:pt x="23196" y="6698894"/>
+                </a:lnTo>
+                <a:lnTo>
+                  <a:pt x="35299" y="6612483"/>
+                </a:lnTo>
+                <a:lnTo>
+                  <a:pt x="48073" y="6509613"/>
+                </a:lnTo>
+                <a:lnTo>
+                  <a:pt x="63369" y="6387541"/>
+                </a:lnTo>
+                <a:lnTo>
+                  <a:pt x="79506" y="6252438"/>
+                </a:lnTo>
+                <a:lnTo>
+                  <a:pt x="96483" y="6100191"/>
+                </a:lnTo>
+                <a:lnTo>
+                  <a:pt x="114469" y="5934227"/>
+                </a:lnTo>
+                <a:lnTo>
+                  <a:pt x="132454" y="5753862"/>
+                </a:lnTo>
+                <a:lnTo>
+                  <a:pt x="150776" y="5561838"/>
+                </a:lnTo>
+                <a:lnTo>
+                  <a:pt x="167753" y="5354726"/>
+                </a:lnTo>
+                <a:lnTo>
+                  <a:pt x="184058" y="5138013"/>
+                </a:lnTo>
+                <a:lnTo>
+                  <a:pt x="198849" y="4908956"/>
+                </a:lnTo>
+                <a:lnTo>
+                  <a:pt x="212969" y="4670298"/>
+                </a:lnTo>
+                <a:lnTo>
+                  <a:pt x="226248" y="4421352"/>
+                </a:lnTo>
+                <a:lnTo>
+                  <a:pt x="230955" y="4293793"/>
+                </a:lnTo>
+                <a:lnTo>
+                  <a:pt x="236165" y="4163492"/>
+                </a:lnTo>
+                <a:lnTo>
+                  <a:pt x="241040" y="4031133"/>
+                </a:lnTo>
+                <a:lnTo>
+                  <a:pt x="244234" y="3898087"/>
+                </a:lnTo>
+                <a:lnTo>
+                  <a:pt x="247091" y="3762299"/>
+                </a:lnTo>
+                <a:lnTo>
+                  <a:pt x="250117" y="3625139"/>
+                </a:lnTo>
+                <a:lnTo>
+                  <a:pt x="252134" y="3485236"/>
+                </a:lnTo>
+                <a:lnTo>
+                  <a:pt x="252134" y="3343961"/>
+                </a:lnTo>
+                <a:lnTo>
+                  <a:pt x="253142" y="3201315"/>
+                </a:lnTo>
+                <a:lnTo>
+                  <a:pt x="252134" y="3057297"/>
+                </a:lnTo>
+                <a:lnTo>
+                  <a:pt x="250117" y="2911221"/>
+                </a:lnTo>
+                <a:lnTo>
+                  <a:pt x="248268" y="2765146"/>
+                </a:lnTo>
+                <a:lnTo>
+                  <a:pt x="244234" y="2617013"/>
+                </a:lnTo>
+                <a:lnTo>
+                  <a:pt x="240032" y="2467509"/>
+                </a:lnTo>
+                <a:lnTo>
+                  <a:pt x="235157" y="2318004"/>
+                </a:lnTo>
+                <a:lnTo>
+                  <a:pt x="228266" y="2167128"/>
+                </a:lnTo>
+                <a:lnTo>
+                  <a:pt x="220029" y="2014881"/>
+                </a:lnTo>
+                <a:lnTo>
+                  <a:pt x="212129" y="1861947"/>
+                </a:lnTo>
+                <a:lnTo>
+                  <a:pt x="202044" y="1709014"/>
+                </a:lnTo>
+                <a:lnTo>
+                  <a:pt x="189941" y="1554023"/>
+                </a:lnTo>
+                <a:lnTo>
+                  <a:pt x="177839" y="1401090"/>
+                </a:lnTo>
+                <a:lnTo>
+                  <a:pt x="163887" y="1245413"/>
+                </a:lnTo>
+                <a:lnTo>
+                  <a:pt x="148591" y="1089051"/>
+                </a:lnTo>
+                <a:lnTo>
+                  <a:pt x="132455" y="934746"/>
+                </a:lnTo>
+                <a:lnTo>
+                  <a:pt x="113629" y="778383"/>
+                </a:lnTo>
+                <a:lnTo>
+                  <a:pt x="93458" y="622707"/>
+                </a:lnTo>
+                <a:lnTo>
+                  <a:pt x="73455" y="466344"/>
+                </a:lnTo>
+                <a:lnTo>
+                  <a:pt x="50091" y="310668"/>
+                </a:lnTo>
+                <a:lnTo>
+                  <a:pt x="26222" y="155677"/>
+                </a:lnTo>
+                <a:close/>
+              </a:path>
+            </a:pathLst>
+          </a:custGeom>
+        </p:spPr>
+      </p:pic>
     </p:spTree>
     <p:extLst>
       <p:ext uri="{BB962C8B-B14F-4D97-AF65-F5344CB8AC3E}">
@@ -3564,7 +7002,30 @@
           <a:bodyPr/>
           <a:lstStyle/>
           <a:p>
-            <a:endParaRPr lang="en-US"/>
+            <a:r>
+              <a:rPr lang="en-US" dirty="0"/>
+              <a:t>For the facilities that they provide, Big Mountain should increase their ticket prices to about $95.87 (± $10.39).</a:t>
+            </a:r>
+          </a:p>
+          <a:p>
+            <a:r>
+              <a:rPr lang="en-US" dirty="0"/>
+              <a:t>$3,474,638 of additional revenue could be generated with additional changes that justify a $1.99 ticket price increase.</a:t>
+            </a:r>
+          </a:p>
+          <a:p>
+            <a:pPr lvl="1"/>
+            <a:r>
+              <a:rPr lang="en-US" dirty="0"/>
+              <a:t>Adding a run that extends down by 150 feet</a:t>
+            </a:r>
+          </a:p>
+          <a:p>
+            <a:pPr lvl="1"/>
+            <a:r>
+              <a:rPr lang="en-US" dirty="0"/>
+              <a:t>Adding a new chair lift</a:t>
+            </a:r>
           </a:p>
         </p:txBody>
       </p:sp>
@@ -3621,7 +7082,7 @@
           <a:p>
             <a:r>
               <a:rPr lang="en-US" dirty="0"/>
-              <a:t>Modeling results and analysis</a:t>
+              <a:t>Model Analysis: EDA</a:t>
             </a:r>
           </a:p>
         </p:txBody>
@@ -3642,19 +7103,87 @@
             <p:ph idx="1"/>
           </p:nvPr>
         </p:nvSpPr>
-        <p:spPr/>
+        <p:spPr>
+          <a:xfrm>
+            <a:off x="355784" y="2052918"/>
+            <a:ext cx="4992688" cy="4195481"/>
+          </a:xfrm>
+        </p:spPr>
         <p:txBody>
           <a:bodyPr/>
           <a:lstStyle/>
           <a:p>
-            <a:endParaRPr lang="en-US"/>
-          </a:p>
-        </p:txBody>
-      </p:sp>
+            <a:r>
+              <a:rPr lang="en-US" dirty="0"/>
+              <a:t>16% of the 330 resorts were ignored due to insufficient relevant data.</a:t>
+            </a:r>
+          </a:p>
+          <a:p>
+            <a:pPr lvl="1"/>
+            <a:r>
+              <a:rPr lang="en-US" dirty="0"/>
+              <a:t>Primarily no pricing data</a:t>
+            </a:r>
+          </a:p>
+          <a:p>
+            <a:r>
+              <a:rPr lang="en-US" dirty="0"/>
+              <a:t>Geographical data was ignored for this model since evaluating states separately accounted for 77% model variance.</a:t>
+            </a:r>
+          </a:p>
+        </p:txBody>
+      </p:sp>
+      <p:pic>
+        <p:nvPicPr>
+          <p:cNvPr id="1028" name="Picture 4">
+            <a:extLst>
+              <a:ext uri="{FF2B5EF4-FFF2-40B4-BE49-F238E27FC236}">
+                <a16:creationId xmlns:a16="http://schemas.microsoft.com/office/drawing/2014/main" id="{264E7AC2-511E-0FD9-974A-66BF792DB832}"/>
+              </a:ext>
+            </a:extLst>
+          </p:cNvPr>
+          <p:cNvPicPr>
+            <a:picLocks noChangeAspect="1" noChangeArrowheads="1"/>
+          </p:cNvPicPr>
+          <p:nvPr/>
+        </p:nvPicPr>
+        <p:blipFill>
+          <a:blip r:embed="rId2">
+            <a:extLst>
+              <a:ext uri="{28A0092B-C50C-407E-A947-70E740481C1C}">
+                <a14:useLocalDpi xmlns:a14="http://schemas.microsoft.com/office/drawing/2010/main" val="0"/>
+              </a:ext>
+            </a:extLst>
+          </a:blip>
+          <a:srcRect/>
+          <a:stretch>
+            <a:fillRect/>
+          </a:stretch>
+        </p:blipFill>
+        <p:spPr bwMode="auto">
+          <a:xfrm>
+            <a:off x="5805673" y="1312511"/>
+            <a:ext cx="6096000" cy="5092771"/>
+          </a:xfrm>
+          <a:prstGeom prst="rect">
+            <a:avLst/>
+          </a:prstGeom>
+          <a:noFill/>
+          <a:extLst>
+            <a:ext uri="{909E8E84-426E-40DD-AFC4-6F175D3DCCD1}">
+              <a14:hiddenFill xmlns:a14="http://schemas.microsoft.com/office/drawing/2010/main">
+                <a:solidFill>
+                  <a:srgbClr val="FFFFFF"/>
+                </a:solidFill>
+              </a14:hiddenFill>
+            </a:ext>
+          </a:extLst>
+        </p:spPr>
+      </p:pic>
     </p:spTree>
     <p:extLst>
       <p:ext uri="{BB962C8B-B14F-4D97-AF65-F5344CB8AC3E}">
-        <p14:creationId xmlns:p14="http://schemas.microsoft.com/office/powerpoint/2010/main" val="2195437758"/>
+        <p14:creationId xmlns:p14="http://schemas.microsoft.com/office/powerpoint/2010/main" val="392507936"/>
       </p:ext>
     </p:extLst>
   </p:cSld>
@@ -3704,7 +7233,7 @@
           <a:p>
             <a:r>
               <a:rPr lang="en-US" dirty="0"/>
-              <a:t>Modeling results and analysis</a:t>
+              <a:t>Model Analysis: Model Testing</a:t>
             </a:r>
           </a:p>
         </p:txBody>
@@ -3725,19 +7254,108 @@
             <p:ph idx="1"/>
           </p:nvPr>
         </p:nvSpPr>
-        <p:spPr/>
+        <p:spPr>
+          <a:xfrm>
+            <a:off x="355784" y="2052918"/>
+            <a:ext cx="4992688" cy="4195481"/>
+          </a:xfrm>
+        </p:spPr>
         <p:txBody>
           <a:bodyPr/>
           <a:lstStyle/>
           <a:p>
-            <a:endParaRPr lang="en-US"/>
-          </a:p>
-        </p:txBody>
-      </p:sp>
+            <a:r>
+              <a:rPr lang="en-US" dirty="0"/>
+              <a:t>A random forest regressor model was selected since its mean absolute error ($9.54) was about $1 less variable than a linear regression model.</a:t>
+            </a:r>
+          </a:p>
+          <a:p>
+            <a:r>
+              <a:rPr lang="en-US" dirty="0"/>
+              <a:t>The key factors contributing to ticket pricing were:</a:t>
+            </a:r>
+          </a:p>
+          <a:p>
+            <a:pPr lvl="1"/>
+            <a:r>
+              <a:rPr lang="en-US" dirty="0"/>
+              <a:t>Longest vertical drop</a:t>
+            </a:r>
+          </a:p>
+          <a:p>
+            <a:pPr lvl="1"/>
+            <a:r>
+              <a:rPr lang="en-US" dirty="0"/>
+              <a:t>Number of runs</a:t>
+            </a:r>
+          </a:p>
+          <a:p>
+            <a:pPr lvl="1"/>
+            <a:r>
+              <a:rPr lang="en-US" dirty="0"/>
+              <a:t>Area covered by artificial snow</a:t>
+            </a:r>
+          </a:p>
+          <a:p>
+            <a:pPr lvl="1"/>
+            <a:r>
+              <a:rPr lang="en-US" dirty="0"/>
+              <a:t>Number of fast quads</a:t>
+            </a:r>
+          </a:p>
+        </p:txBody>
+      </p:sp>
+      <p:pic>
+        <p:nvPicPr>
+          <p:cNvPr id="1026" name="Picture 2">
+            <a:extLst>
+              <a:ext uri="{FF2B5EF4-FFF2-40B4-BE49-F238E27FC236}">
+                <a16:creationId xmlns:a16="http://schemas.microsoft.com/office/drawing/2014/main" id="{6EF4D4C2-BB4D-ABC9-5C2F-1212653AA5A0}"/>
+              </a:ext>
+            </a:extLst>
+          </p:cNvPr>
+          <p:cNvPicPr>
+            <a:picLocks noChangeAspect="1" noChangeArrowheads="1"/>
+          </p:cNvPicPr>
+          <p:nvPr/>
+        </p:nvPicPr>
+        <p:blipFill>
+          <a:blip r:embed="rId2">
+            <a:extLst>
+              <a:ext uri="{28A0092B-C50C-407E-A947-70E740481C1C}">
+                <a14:useLocalDpi xmlns:a14="http://schemas.microsoft.com/office/drawing/2010/main" val="0"/>
+              </a:ext>
+            </a:extLst>
+          </a:blip>
+          <a:srcRect/>
+          <a:stretch>
+            <a:fillRect/>
+          </a:stretch>
+        </p:blipFill>
+        <p:spPr bwMode="auto">
+          <a:xfrm>
+            <a:off x="5805673" y="1457183"/>
+            <a:ext cx="6096000" cy="4948099"/>
+          </a:xfrm>
+          <a:prstGeom prst="rect">
+            <a:avLst/>
+          </a:prstGeom>
+          <a:noFill/>
+          <a:extLst>
+            <a:ext uri="{909E8E84-426E-40DD-AFC4-6F175D3DCCD1}">
+              <a14:hiddenFill xmlns:a14="http://schemas.microsoft.com/office/drawing/2010/main">
+                <a:solidFill>
+                  <a:srgbClr val="FFFFFF"/>
+                </a:solidFill>
+              </a14:hiddenFill>
+            </a:ext>
+          </a:extLst>
+        </p:spPr>
+      </p:pic>
     </p:spTree>
     <p:extLst>
       <p:ext uri="{BB962C8B-B14F-4D97-AF65-F5344CB8AC3E}">
-        <p14:creationId xmlns:p14="http://schemas.microsoft.com/office/powerpoint/2010/main" val="392507936"/>
+        <p14:creationId xmlns:p14="http://schemas.microsoft.com/office/powerpoint/2010/main" val="2195437758"/>
       </p:ext>
     </p:extLst>
   </p:cSld>
@@ -3787,7 +7405,7 @@
           <a:p>
             <a:r>
               <a:rPr lang="en-US" dirty="0"/>
-              <a:t>Modeling results and analysis</a:t>
+              <a:t>Model Analysis: Big Mountain Resort</a:t>
             </a:r>
           </a:p>
         </p:txBody>
@@ -3808,15 +7426,236 @@
             <p:ph idx="1"/>
           </p:nvPr>
         </p:nvSpPr>
-        <p:spPr/>
+        <p:spPr>
+          <a:xfrm>
+            <a:off x="339306" y="2052918"/>
+            <a:ext cx="4992688" cy="4195481"/>
+          </a:xfrm>
+        </p:spPr>
         <p:txBody>
           <a:bodyPr/>
           <a:lstStyle/>
           <a:p>
-            <a:endParaRPr lang="en-US"/>
-          </a:p>
-        </p:txBody>
-      </p:sp>
+            <a:r>
+              <a:rPr lang="en-US" dirty="0"/>
+              <a:t>Big Mountain Resort could charge between $85.48 and $106.26.</a:t>
+            </a:r>
+          </a:p>
+          <a:p>
+            <a:pPr lvl="1"/>
+            <a:r>
+              <a:rPr lang="en-US" dirty="0"/>
+              <a:t>Top 11% highest vertical drop</a:t>
+            </a:r>
+          </a:p>
+          <a:p>
+            <a:pPr lvl="1"/>
+            <a:r>
+              <a:rPr lang="en-US" dirty="0"/>
+              <a:t>Top 7% in number of runs</a:t>
+            </a:r>
+          </a:p>
+          <a:p>
+            <a:pPr lvl="1"/>
+            <a:r>
+              <a:rPr lang="en-US" dirty="0"/>
+              <a:t>Top 3% in acres of artificial snow</a:t>
+            </a:r>
+          </a:p>
+          <a:p>
+            <a:pPr lvl="1"/>
+            <a:r>
+              <a:rPr lang="en-US" dirty="0"/>
+              <a:t>Top 7%  in fast quads available</a:t>
+            </a:r>
+          </a:p>
+        </p:txBody>
+      </p:sp>
+      <p:grpSp>
+        <p:nvGrpSpPr>
+          <p:cNvPr id="4" name="Group 3">
+            <a:extLst>
+              <a:ext uri="{FF2B5EF4-FFF2-40B4-BE49-F238E27FC236}">
+                <a16:creationId xmlns:a16="http://schemas.microsoft.com/office/drawing/2014/main" id="{96713961-E4E8-6666-D4E0-CA4DD2375C83}"/>
+              </a:ext>
+            </a:extLst>
+          </p:cNvPr>
+          <p:cNvGrpSpPr/>
+          <p:nvPr/>
+        </p:nvGrpSpPr>
+        <p:grpSpPr>
+          <a:xfrm>
+            <a:off x="5789195" y="2487164"/>
+            <a:ext cx="6096000" cy="3326987"/>
+            <a:chOff x="0" y="0"/>
+            <a:chExt cx="5938551" cy="3241546"/>
+          </a:xfrm>
+        </p:grpSpPr>
+        <p:pic>
+          <p:nvPicPr>
+            <p:cNvPr id="5" name="Picture 4" descr="A graph of a vertical drop&#10;&#10;Description automatically generated">
+              <a:extLst>
+                <a:ext uri="{FF2B5EF4-FFF2-40B4-BE49-F238E27FC236}">
+                  <a16:creationId xmlns:a16="http://schemas.microsoft.com/office/drawing/2014/main" id="{5BF7FF93-D2E8-1ED8-F415-D1B3EC6876CC}"/>
+                </a:ext>
+              </a:extLst>
+            </p:cNvPr>
+            <p:cNvPicPr>
+              <a:picLocks/>
+            </p:cNvPicPr>
+            <p:nvPr/>
+          </p:nvPicPr>
+          <p:blipFill>
+            <a:blip r:embed="rId2" cstate="print">
+              <a:extLst>
+                <a:ext uri="{28A0092B-C50C-407E-A947-70E740481C1C}">
+                  <a14:useLocalDpi xmlns:a14="http://schemas.microsoft.com/office/drawing/2010/main" val="0"/>
+                </a:ext>
+              </a:extLst>
+            </a:blip>
+            <a:srcRect/>
+            <a:stretch>
+              <a:fillRect/>
+            </a:stretch>
+          </p:blipFill>
+          <p:spPr bwMode="auto">
+            <a:xfrm>
+              <a:off x="0" y="0"/>
+              <a:ext cx="2926080" cy="1609090"/>
+            </a:xfrm>
+            <a:prstGeom prst="rect">
+              <a:avLst/>
+            </a:prstGeom>
+            <a:noFill/>
+            <a:ln>
+              <a:noFill/>
+            </a:ln>
+          </p:spPr>
+        </p:pic>
+        <p:pic>
+          <p:nvPicPr>
+            <p:cNvPr id="6" name="Picture 5" descr="A graph of a graph&#10;&#10;Description automatically generated with medium confidence">
+              <a:extLst>
+                <a:ext uri="{FF2B5EF4-FFF2-40B4-BE49-F238E27FC236}">
+                  <a16:creationId xmlns:a16="http://schemas.microsoft.com/office/drawing/2014/main" id="{76929CB3-C856-0555-F3E6-DAC2CFFB6B9E}"/>
+                </a:ext>
+              </a:extLst>
+            </p:cNvPr>
+            <p:cNvPicPr>
+              <a:picLocks/>
+            </p:cNvPicPr>
+            <p:nvPr/>
+          </p:nvPicPr>
+          <p:blipFill>
+            <a:blip r:embed="rId3" cstate="print">
+              <a:extLst>
+                <a:ext uri="{28A0092B-C50C-407E-A947-70E740481C1C}">
+                  <a14:useLocalDpi xmlns:a14="http://schemas.microsoft.com/office/drawing/2010/main" val="0"/>
+                </a:ext>
+              </a:extLst>
+            </a:blip>
+            <a:srcRect/>
+            <a:stretch>
+              <a:fillRect/>
+            </a:stretch>
+          </p:blipFill>
+          <p:spPr bwMode="auto">
+            <a:xfrm>
+              <a:off x="0" y="1632456"/>
+              <a:ext cx="2926080" cy="1609090"/>
+            </a:xfrm>
+            <a:prstGeom prst="rect">
+              <a:avLst/>
+            </a:prstGeom>
+            <a:noFill/>
+            <a:ln>
+              <a:noFill/>
+            </a:ln>
+          </p:spPr>
+        </p:pic>
+        <p:pic>
+          <p:nvPicPr>
+            <p:cNvPr id="7" name="Picture 6" descr="A graph with numbers and lines&#10;&#10;Description automatically generated">
+              <a:extLst>
+                <a:ext uri="{FF2B5EF4-FFF2-40B4-BE49-F238E27FC236}">
+                  <a16:creationId xmlns:a16="http://schemas.microsoft.com/office/drawing/2014/main" id="{C7E1662C-6099-A22D-15AA-1ED85E5A2053}"/>
+                </a:ext>
+              </a:extLst>
+            </p:cNvPr>
+            <p:cNvPicPr>
+              <a:picLocks/>
+            </p:cNvPicPr>
+            <p:nvPr/>
+          </p:nvPicPr>
+          <p:blipFill>
+            <a:blip r:embed="rId4" cstate="print">
+              <a:extLst>
+                <a:ext uri="{28A0092B-C50C-407E-A947-70E740481C1C}">
+                  <a14:useLocalDpi xmlns:a14="http://schemas.microsoft.com/office/drawing/2010/main" val="0"/>
+                </a:ext>
+              </a:extLst>
+            </a:blip>
+            <a:srcRect/>
+            <a:stretch>
+              <a:fillRect/>
+            </a:stretch>
+          </p:blipFill>
+          <p:spPr bwMode="auto">
+            <a:xfrm>
+              <a:off x="3012471" y="1632456"/>
+              <a:ext cx="2926080" cy="1609090"/>
+            </a:xfrm>
+            <a:prstGeom prst="rect">
+              <a:avLst/>
+            </a:prstGeom>
+            <a:noFill/>
+            <a:ln>
+              <a:noFill/>
+            </a:ln>
+          </p:spPr>
+        </p:pic>
+        <p:pic>
+          <p:nvPicPr>
+            <p:cNvPr id="8" name="Picture 7" descr="A graph of a number of runs&#10;&#10;Description automatically generated">
+              <a:extLst>
+                <a:ext uri="{FF2B5EF4-FFF2-40B4-BE49-F238E27FC236}">
+                  <a16:creationId xmlns:a16="http://schemas.microsoft.com/office/drawing/2014/main" id="{646F9739-5734-E736-057C-1A6D3AEB0089}"/>
+                </a:ext>
+              </a:extLst>
+            </p:cNvPr>
+            <p:cNvPicPr>
+              <a:picLocks/>
+            </p:cNvPicPr>
+            <p:nvPr/>
+          </p:nvPicPr>
+          <p:blipFill>
+            <a:blip r:embed="rId5" cstate="print">
+              <a:extLst>
+                <a:ext uri="{28A0092B-C50C-407E-A947-70E740481C1C}">
+                  <a14:useLocalDpi xmlns:a14="http://schemas.microsoft.com/office/drawing/2010/main" val="0"/>
+                </a:ext>
+              </a:extLst>
+            </a:blip>
+            <a:srcRect/>
+            <a:stretch>
+              <a:fillRect/>
+            </a:stretch>
+          </p:blipFill>
+          <p:spPr bwMode="auto">
+            <a:xfrm>
+              <a:off x="3012471" y="0"/>
+              <a:ext cx="2926080" cy="1609090"/>
+            </a:xfrm>
+            <a:prstGeom prst="rect">
+              <a:avLst/>
+            </a:prstGeom>
+            <a:noFill/>
+            <a:ln>
+              <a:noFill/>
+            </a:ln>
+          </p:spPr>
+        </p:pic>
+      </p:grpSp>
     </p:spTree>
     <p:extLst>
       <p:ext uri="{BB962C8B-B14F-4D97-AF65-F5344CB8AC3E}">
@@ -3897,6 +7736,28 @@
           <a:lstStyle/>
           <a:p>
             <a:pPr lvl="1"/>
+            <a:r>
+              <a:rPr lang="en-US" dirty="0"/>
+              <a:t>Big Mountain has the potential to increase its revenue by adjusting its prices within a more competitive range.</a:t>
+            </a:r>
+          </a:p>
+          <a:p>
+            <a:pPr lvl="2"/>
+            <a:r>
+              <a:rPr lang="en-US" dirty="0"/>
+              <a:t>Visitors are looking to consistently enjoy a variety of slopes during their ski trips.</a:t>
+            </a:r>
+          </a:p>
+          <a:p>
+            <a:pPr lvl="2"/>
+            <a:r>
+              <a:rPr lang="en-US" dirty="0"/>
+              <a:t>Developing higher run and lifts that can accommodate larger groups may be profitably desired by </a:t>
+            </a:r>
+            <a:r>
+              <a:rPr lang="en-US"/>
+              <a:t>the visitors</a:t>
+            </a:r>
             <a:endParaRPr lang="en-US" dirty="0"/>
           </a:p>
         </p:txBody>
@@ -3915,9 +7776,9 @@
 </file>
 
 <file path=ppt/theme/theme1.xml><?xml version="1.0" encoding="utf-8"?>
-<a:theme xmlns:a="http://schemas.openxmlformats.org/drawingml/2006/main" name="Office Theme">
+<a:theme xmlns:a="http://schemas.openxmlformats.org/drawingml/2006/main" name="Ion">
   <a:themeElements>
-    <a:clrScheme name="Office">
+    <a:clrScheme name="Ion">
       <a:dk1>
         <a:sysClr val="windowText" lastClr="000000"/>
       </a:dk1>
@@ -3925,44 +7786,44 @@
         <a:sysClr val="window" lastClr="FFFFFF"/>
       </a:lt1>
       <a:dk2>
-        <a:srgbClr val="44546A"/>
+        <a:srgbClr val="1E5155"/>
       </a:dk2>
       <a:lt2>
-        <a:srgbClr val="E7E6E6"/>
+        <a:srgbClr val="EBEBEB"/>
       </a:lt2>
       <a:accent1>
-        <a:srgbClr val="4472C4"/>
+        <a:srgbClr val="B01513"/>
       </a:accent1>
       <a:accent2>
-        <a:srgbClr val="ED7D31"/>
+        <a:srgbClr val="EA6312"/>
       </a:accent2>
       <a:accent3>
-        <a:srgbClr val="A5A5A5"/>
+        <a:srgbClr val="E6B729"/>
       </a:accent3>
       <a:accent4>
-        <a:srgbClr val="FFC000"/>
+        <a:srgbClr val="6AAC90"/>
       </a:accent4>
       <a:accent5>
-        <a:srgbClr val="5B9BD5"/>
+        <a:srgbClr val="54849A"/>
       </a:accent5>
       <a:accent6>
-        <a:srgbClr val="70AD47"/>
+        <a:srgbClr val="9E5E9B"/>
       </a:accent6>
       <a:hlink>
-        <a:srgbClr val="0563C1"/>
+        <a:srgbClr val="58C1BA"/>
       </a:hlink>
       <a:folHlink>
-        <a:srgbClr val="954F72"/>
+        <a:srgbClr val="9DFFCB"/>
       </a:folHlink>
     </a:clrScheme>
-    <a:fontScheme name="Office">
+    <a:fontScheme name="Ion">
       <a:majorFont>
-        <a:latin typeface="Calibri Light" panose="020F0302020204030204"/>
+        <a:latin typeface="Century Gothic" panose="020B0502020202020204"/>
         <a:ea typeface=""/>
         <a:cs typeface=""/>
-        <a:font script="Jpan" typeface="游ゴシック Light"/>
+        <a:font script="Jpan" typeface="メイリオ"/>
         <a:font script="Hang" typeface="맑은 고딕"/>
-        <a:font script="Hans" typeface="等线 Light"/>
+        <a:font script="Hans" typeface="宋体"/>
         <a:font script="Hant" typeface="新細明體"/>
         <a:font script="Arab" typeface="Times New Roman"/>
         <a:font script="Hebr" typeface="Times New Roman"/>
@@ -3990,31 +7851,14 @@
         <a:font script="Viet" typeface="Times New Roman"/>
         <a:font script="Uigh" typeface="Microsoft Uighur"/>
         <a:font script="Geor" typeface="Sylfaen"/>
-        <a:font script="Armn" typeface="Arial"/>
-        <a:font script="Bugi" typeface="Leelawadee UI"/>
-        <a:font script="Bopo" typeface="Microsoft JhengHei"/>
-        <a:font script="Java" typeface="Javanese Text"/>
-        <a:font script="Lisu" typeface="Segoe UI"/>
-        <a:font script="Mymr" typeface="Myanmar Text"/>
-        <a:font script="Nkoo" typeface="Ebrima"/>
-        <a:font script="Olck" typeface="Nirmala UI"/>
-        <a:font script="Osma" typeface="Ebrima"/>
-        <a:font script="Phag" typeface="Phagspa"/>
-        <a:font script="Syrn" typeface="Estrangelo Edessa"/>
-        <a:font script="Syrj" typeface="Estrangelo Edessa"/>
-        <a:font script="Syre" typeface="Estrangelo Edessa"/>
-        <a:font script="Sora" typeface="Nirmala UI"/>
-        <a:font script="Tale" typeface="Microsoft Tai Le"/>
-        <a:font script="Talu" typeface="Microsoft New Tai Lue"/>
-        <a:font script="Tfng" typeface="Ebrima"/>
       </a:majorFont>
       <a:minorFont>
-        <a:latin typeface="Calibri" panose="020F0502020204030204"/>
+        <a:latin typeface="Century Gothic" panose="020B0502020202020204"/>
         <a:ea typeface=""/>
         <a:cs typeface=""/>
-        <a:font script="Jpan" typeface="游ゴシック"/>
+        <a:font script="Jpan" typeface="メイリオ"/>
         <a:font script="Hang" typeface="맑은 고딕"/>
-        <a:font script="Hans" typeface="等线"/>
+        <a:font script="Hans" typeface="宋体"/>
         <a:font script="Hant" typeface="新細明體"/>
         <a:font script="Arab" typeface="Arial"/>
         <a:font script="Hebr" typeface="Arial"/>
@@ -4042,26 +7886,9 @@
         <a:font script="Viet" typeface="Arial"/>
         <a:font script="Uigh" typeface="Microsoft Uighur"/>
         <a:font script="Geor" typeface="Sylfaen"/>
-        <a:font script="Armn" typeface="Arial"/>
-        <a:font script="Bugi" typeface="Leelawadee UI"/>
-        <a:font script="Bopo" typeface="Microsoft JhengHei"/>
-        <a:font script="Java" typeface="Javanese Text"/>
-        <a:font script="Lisu" typeface="Segoe UI"/>
-        <a:font script="Mymr" typeface="Myanmar Text"/>
-        <a:font script="Nkoo" typeface="Ebrima"/>
-        <a:font script="Olck" typeface="Nirmala UI"/>
-        <a:font script="Osma" typeface="Ebrima"/>
-        <a:font script="Phag" typeface="Phagspa"/>
-        <a:font script="Syrn" typeface="Estrangelo Edessa"/>
-        <a:font script="Syrj" typeface="Estrangelo Edessa"/>
-        <a:font script="Syre" typeface="Estrangelo Edessa"/>
-        <a:font script="Sora" typeface="Nirmala UI"/>
-        <a:font script="Tale" typeface="Microsoft Tai Le"/>
-        <a:font script="Talu" typeface="Microsoft New Tai Lue"/>
-        <a:font script="Tfng" typeface="Ebrima"/>
       </a:minorFont>
     </a:fontScheme>
-    <a:fmtScheme name="Office">
+    <a:fmtScheme name="Ion">
       <a:fillStyleLst>
         <a:solidFill>
           <a:schemeClr val="phClr"/>
@@ -4070,23 +7897,15 @@
           <a:gsLst>
             <a:gs pos="0">
               <a:schemeClr val="phClr">
-                <a:lumMod val="110000"/>
-                <a:satMod val="105000"/>
-                <a:tint val="67000"/>
-              </a:schemeClr>
-            </a:gs>
-            <a:gs pos="50000">
-              <a:schemeClr val="phClr">
-                <a:lumMod val="105000"/>
-                <a:satMod val="103000"/>
-                <a:tint val="73000"/>
+                <a:tint val="64000"/>
+                <a:lumMod val="118000"/>
               </a:schemeClr>
             </a:gs>
             <a:gs pos="100000">
               <a:schemeClr val="phClr">
-                <a:lumMod val="105000"/>
-                <a:satMod val="109000"/>
-                <a:tint val="81000"/>
+                <a:tint val="92000"/>
+                <a:alpha val="100000"/>
+                <a:lumMod val="110000"/>
               </a:schemeClr>
             </a:gs>
           </a:gsLst>
@@ -4096,23 +7915,14 @@
           <a:gsLst>
             <a:gs pos="0">
               <a:schemeClr val="phClr">
-                <a:satMod val="103000"/>
-                <a:lumMod val="102000"/>
-                <a:tint val="94000"/>
-              </a:schemeClr>
-            </a:gs>
-            <a:gs pos="50000">
-              <a:schemeClr val="phClr">
-                <a:satMod val="110000"/>
-                <a:lumMod val="100000"/>
-                <a:shade val="100000"/>
+                <a:tint val="98000"/>
+                <a:lumMod val="114000"/>
               </a:schemeClr>
             </a:gs>
             <a:gs pos="100000">
               <a:schemeClr val="phClr">
-                <a:lumMod val="99000"/>
-                <a:satMod val="120000"/>
-                <a:shade val="78000"/>
+                <a:shade val="90000"/>
+                <a:lumMod val="84000"/>
               </a:schemeClr>
             </a:gs>
           </a:gsLst>
@@ -4120,26 +7930,23 @@
         </a:gradFill>
       </a:fillStyleLst>
       <a:lnStyleLst>
-        <a:ln w="6350" cap="flat" cmpd="sng" algn="ctr">
+        <a:ln w="9525" cap="rnd" cmpd="sng" algn="ctr">
           <a:solidFill>
             <a:schemeClr val="phClr"/>
           </a:solidFill>
           <a:prstDash val="solid"/>
-          <a:miter lim="800000"/>
         </a:ln>
-        <a:ln w="12700" cap="flat" cmpd="sng" algn="ctr">
+        <a:ln w="19050" cap="rnd" cmpd="sng" algn="ctr">
           <a:solidFill>
             <a:schemeClr val="phClr"/>
           </a:solidFill>
           <a:prstDash val="solid"/>
-          <a:miter lim="800000"/>
         </a:ln>
-        <a:ln w="19050" cap="flat" cmpd="sng" algn="ctr">
+        <a:ln w="28575" cap="rnd" cmpd="sng" algn="ctr">
           <a:solidFill>
             <a:schemeClr val="phClr"/>
           </a:solidFill>
           <a:prstDash val="solid"/>
-          <a:miter lim="800000"/>
         </a:ln>
       </a:lnStyleLst>
       <a:effectStyleLst>
@@ -4147,55 +7954,80 @@
           <a:effectLst/>
         </a:effectStyle>
         <a:effectStyle>
-          <a:effectLst/>
+          <a:effectLst>
+            <a:outerShdw blurRad="38100" dist="25400" dir="5400000" rotWithShape="0">
+              <a:srgbClr val="000000">
+                <a:alpha val="45000"/>
+              </a:srgbClr>
+            </a:outerShdw>
+          </a:effectLst>
         </a:effectStyle>
         <a:effectStyle>
           <a:effectLst>
-            <a:outerShdw blurRad="57150" dist="19050" dir="5400000" algn="ctr" rotWithShape="0">
+            <a:outerShdw blurRad="63500" dist="38100" dir="5400000" rotWithShape="0">
               <a:srgbClr val="000000">
-                <a:alpha val="63000"/>
+                <a:alpha val="60000"/>
               </a:srgbClr>
             </a:outerShdw>
           </a:effectLst>
+          <a:scene3d>
+            <a:camera prst="orthographicFront">
+              <a:rot lat="0" lon="0" rev="0"/>
+            </a:camera>
+            <a:lightRig rig="threePt" dir="tl"/>
+          </a:scene3d>
+          <a:sp3d prstMaterial="plastic">
+            <a:bevelT w="0" h="0"/>
+          </a:sp3d>
         </a:effectStyle>
       </a:effectStyleLst>
       <a:bgFillStyleLst>
         <a:solidFill>
           <a:schemeClr val="phClr"/>
         </a:solidFill>
-        <a:solidFill>
-          <a:schemeClr val="phClr">
-            <a:tint val="95000"/>
-            <a:satMod val="170000"/>
-          </a:schemeClr>
-        </a:solidFill>
         <a:gradFill rotWithShape="1">
           <a:gsLst>
             <a:gs pos="0">
               <a:schemeClr val="phClr">
-                <a:tint val="93000"/>
-                <a:satMod val="150000"/>
-                <a:shade val="98000"/>
-                <a:lumMod val="102000"/>
-              </a:schemeClr>
-            </a:gs>
-            <a:gs pos="50000">
-              <a:schemeClr val="phClr">
-                <a:tint val="98000"/>
+                <a:tint val="97000"/>
+                <a:hueMod val="88000"/>
                 <a:satMod val="130000"/>
-                <a:shade val="90000"/>
-                <a:lumMod val="103000"/>
+                <a:lumMod val="124000"/>
               </a:schemeClr>
             </a:gs>
             <a:gs pos="100000">
               <a:schemeClr val="phClr">
-                <a:shade val="63000"/>
-                <a:satMod val="120000"/>
+                <a:tint val="96000"/>
+                <a:shade val="88000"/>
+                <a:hueMod val="108000"/>
+                <a:satMod val="164000"/>
+                <a:lumMod val="76000"/>
               </a:schemeClr>
             </a:gs>
           </a:gsLst>
-          <a:lin ang="5400000" scaled="0"/>
+          <a:path path="circle">
+            <a:fillToRect l="45000" t="65000" r="125000" b="100000"/>
+          </a:path>
         </a:gradFill>
+        <a:blipFill rotWithShape="1">
+          <a:blip xmlns:r="http://schemas.openxmlformats.org/officeDocument/2006/relationships" r:embed="rId1">
+            <a:duotone>
+              <a:schemeClr val="phClr">
+                <a:shade val="69000"/>
+                <a:hueMod val="108000"/>
+                <a:satMod val="164000"/>
+                <a:lumMod val="74000"/>
+              </a:schemeClr>
+              <a:schemeClr val="phClr">
+                <a:tint val="96000"/>
+                <a:hueMod val="88000"/>
+                <a:satMod val="140000"/>
+                <a:lumMod val="132000"/>
+              </a:schemeClr>
+            </a:duotone>
+          </a:blip>
+          <a:stretch/>
+        </a:blipFill>
       </a:bgFillStyleLst>
     </a:fmtScheme>
   </a:themeElements>
@@ -4203,7 +8035,7 @@
   <a:extraClrSchemeLst/>
   <a:extLst>
     <a:ext uri="{05A4C25C-085E-4340-85A3-A5531E510DB2}">
-      <thm15:themeFamily xmlns:thm15="http://schemas.microsoft.com/office/thememl/2012/main" name="Office Theme" id="{62F939B6-93AF-4DB8-9C6B-D6C7DFDC589F}" vid="{4A3C46E8-61CC-4603-A589-7422A47A8E4A}"/>
+      <thm15:themeFamily xmlns:thm15="http://schemas.microsoft.com/office/thememl/2012/main" name="Ion" id="{B8441ADB-2E43-4AF7-B97A-BD870242C6A8}" vid="{292E63A9-BB86-4E3D-B92A-7223C6510D2E}"/>
     </a:ext>
   </a:extLst>
 </a:theme>

--- a/Big Mountain Resort Executive Presentation.pptx
+++ b/Big Mountain Resort Executive Presentation.pptx
@@ -7738,7 +7738,7 @@
             <a:pPr lvl="1"/>
             <a:r>
               <a:rPr lang="en-US" dirty="0"/>
-              <a:t>Big Mountain has the potential to increase its revenue by adjusting its prices within a more competitive range.</a:t>
+              <a:t>Big Mountain has the potential to increase its revenue by adjusting its prices within a more competitive range that could cover the $1.5 million of new operation costs.</a:t>
             </a:r>
           </a:p>
           <a:p>
@@ -7752,13 +7752,8 @@
             <a:pPr lvl="2"/>
             <a:r>
               <a:rPr lang="en-US" dirty="0"/>
-              <a:t>Developing higher run and lifts that can accommodate larger groups may be profitably desired by </a:t>
-            </a:r>
-            <a:r>
-              <a:rPr lang="en-US"/>
-              <a:t>the visitors</a:t>
-            </a:r>
-            <a:endParaRPr lang="en-US" dirty="0"/>
+              <a:t>Developing higher run and lifts that can accommodate larger groups may be profitably desired by the visitors</a:t>
+            </a:r>
           </a:p>
         </p:txBody>
       </p:sp>
